--- a/Pertemuan bersama teguh.pptx
+++ b/Pertemuan bersama teguh.pptx
@@ -5,25 +5,30 @@
     <p:sldMasterId id="2147483648" r:id="rId1"/>
   </p:sldMasterIdLst>
   <p:notesMasterIdLst>
-    <p:notesMasterId r:id="rId18"/>
+    <p:notesMasterId r:id="rId23"/>
   </p:notesMasterIdLst>
   <p:sldIdLst>
     <p:sldId id="256" r:id="rId2"/>
     <p:sldId id="257" r:id="rId3"/>
     <p:sldId id="258" r:id="rId4"/>
-    <p:sldId id="259" r:id="rId5"/>
-    <p:sldId id="261" r:id="rId6"/>
-    <p:sldId id="260" r:id="rId7"/>
-    <p:sldId id="262" r:id="rId8"/>
-    <p:sldId id="263" r:id="rId9"/>
-    <p:sldId id="264" r:id="rId10"/>
-    <p:sldId id="265" r:id="rId11"/>
-    <p:sldId id="266" r:id="rId12"/>
-    <p:sldId id="271" r:id="rId13"/>
-    <p:sldId id="270" r:id="rId14"/>
-    <p:sldId id="267" r:id="rId15"/>
-    <p:sldId id="268" r:id="rId16"/>
-    <p:sldId id="269" r:id="rId17"/>
+    <p:sldId id="270" r:id="rId5"/>
+    <p:sldId id="276" r:id="rId6"/>
+    <p:sldId id="259" r:id="rId7"/>
+    <p:sldId id="261" r:id="rId8"/>
+    <p:sldId id="260" r:id="rId9"/>
+    <p:sldId id="262" r:id="rId10"/>
+    <p:sldId id="263" r:id="rId11"/>
+    <p:sldId id="264" r:id="rId12"/>
+    <p:sldId id="265" r:id="rId13"/>
+    <p:sldId id="278" r:id="rId14"/>
+    <p:sldId id="266" r:id="rId15"/>
+    <p:sldId id="275" r:id="rId16"/>
+    <p:sldId id="272" r:id="rId17"/>
+    <p:sldId id="271" r:id="rId18"/>
+    <p:sldId id="273" r:id="rId19"/>
+    <p:sldId id="267" r:id="rId20"/>
+    <p:sldId id="268" r:id="rId21"/>
+    <p:sldId id="269" r:id="rId22"/>
   </p:sldIdLst>
   <p:sldSz cx="12192000" cy="6858000"/>
   <p:notesSz cx="6858000" cy="9144000"/>
@@ -212,7 +217,7 @@
           <a:p>
             <a:fld id="{CA166F23-F608-48C7-B4A9-017C717EA57D}" type="datetimeFigureOut">
               <a:rPr lang="en-ID" smtClean="0"/>
-              <a:t>13/04/2022</a:t>
+              <a:t>10/05/22</a:t>
             </a:fld>
             <a:endParaRPr lang="en-ID"/>
           </a:p>
@@ -564,6 +569,90 @@
 </p:notes>
 </file>
 
+<file path=ppt/notesSlides/notesSlide10.xml><?xml version="1.0" encoding="utf-8"?>
+<p:notes xmlns:a="http://schemas.openxmlformats.org/drawingml/2006/main" xmlns:r="http://schemas.openxmlformats.org/officeDocument/2006/relationships" xmlns:p="http://schemas.openxmlformats.org/presentationml/2006/main">
+  <p:cSld>
+    <p:spTree>
+      <p:nvGrpSpPr>
+        <p:cNvPr id="1" name=""/>
+        <p:cNvGrpSpPr/>
+        <p:nvPr/>
+      </p:nvGrpSpPr>
+      <p:grpSpPr>
+        <a:xfrm>
+          <a:off x="0" y="0"/>
+          <a:ext cx="0" cy="0"/>
+          <a:chOff x="0" y="0"/>
+          <a:chExt cx="0" cy="0"/>
+        </a:xfrm>
+      </p:grpSpPr>
+      <p:sp>
+        <p:nvSpPr>
+          <p:cNvPr id="2" name="Slide Image Placeholder 1"/>
+          <p:cNvSpPr>
+            <a:spLocks noGrp="1" noRot="1" noChangeAspect="1"/>
+          </p:cNvSpPr>
+          <p:nvPr>
+            <p:ph type="sldImg"/>
+          </p:nvPr>
+        </p:nvSpPr>
+        <p:spPr/>
+      </p:sp>
+      <p:sp>
+        <p:nvSpPr>
+          <p:cNvPr id="3" name="Notes Placeholder 2"/>
+          <p:cNvSpPr>
+            <a:spLocks noGrp="1"/>
+          </p:cNvSpPr>
+          <p:nvPr>
+            <p:ph type="body" idx="1"/>
+          </p:nvPr>
+        </p:nvSpPr>
+        <p:spPr/>
+        <p:txBody>
+          <a:bodyPr/>
+          <a:lstStyle/>
+          <a:p>
+            <a:endParaRPr lang="en-ID" dirty="0"/>
+          </a:p>
+        </p:txBody>
+      </p:sp>
+      <p:sp>
+        <p:nvSpPr>
+          <p:cNvPr id="4" name="Slide Number Placeholder 3"/>
+          <p:cNvSpPr>
+            <a:spLocks noGrp="1"/>
+          </p:cNvSpPr>
+          <p:nvPr>
+            <p:ph type="sldNum" sz="quarter" idx="5"/>
+          </p:nvPr>
+        </p:nvSpPr>
+        <p:spPr/>
+        <p:txBody>
+          <a:bodyPr/>
+          <a:lstStyle/>
+          <a:p>
+            <a:fld id="{69BCF7F6-0CAD-40EF-9436-CA56A9D8FDDF}" type="slidenum">
+              <a:rPr lang="en-ID" smtClean="0"/>
+              <a:t>20</a:t>
+            </a:fld>
+            <a:endParaRPr lang="en-ID"/>
+          </a:p>
+        </p:txBody>
+      </p:sp>
+    </p:spTree>
+    <p:extLst>
+      <p:ext uri="{BB962C8B-B14F-4D97-AF65-F5344CB8AC3E}">
+        <p14:creationId xmlns:p14="http://schemas.microsoft.com/office/powerpoint/2010/main" val="3978445224"/>
+      </p:ext>
+    </p:extLst>
+  </p:cSld>
+  <p:clrMapOvr>
+    <a:masterClrMapping/>
+  </p:clrMapOvr>
+</p:notes>
+</file>
+
 <file path=ppt/notesSlides/notesSlide2.xml><?xml version="1.0" encoding="utf-8"?>
 <p:notes xmlns:a="http://schemas.openxmlformats.org/drawingml/2006/main" xmlns:r="http://schemas.openxmlformats.org/officeDocument/2006/relationships" xmlns:p="http://schemas.openxmlformats.org/presentationml/2006/main">
   <p:cSld>
@@ -874,36 +963,6 @@
           <a:bodyPr/>
           <a:lstStyle/>
           <a:p>
-            <a:r>
-              <a:rPr lang="en-US" dirty="0"/>
-              <a:t>Bahasa </a:t>
-            </a:r>
-            <a:r>
-              <a:rPr lang="en-US" dirty="0" err="1"/>
-              <a:t>pemrograman</a:t>
-            </a:r>
-            <a:r>
-              <a:rPr lang="en-US" dirty="0"/>
-              <a:t> </a:t>
-            </a:r>
-            <a:r>
-              <a:rPr lang="en-US" dirty="0" err="1"/>
-              <a:t>mempunyai</a:t>
-            </a:r>
-            <a:r>
-              <a:rPr lang="en-US" dirty="0"/>
-              <a:t> </a:t>
-            </a:r>
-            <a:r>
-              <a:rPr lang="en-US" dirty="0" err="1"/>
-              <a:t>karakteristik</a:t>
-            </a:r>
-            <a:r>
-              <a:rPr lang="en-US" dirty="0"/>
-              <a:t> masing2</a:t>
-            </a:r>
-          </a:p>
-          <a:p>
             <a:endParaRPr lang="en-ID" dirty="0"/>
           </a:p>
         </p:txBody>
@@ -925,7 +984,7 @@
           <a:p>
             <a:fld id="{69BCF7F6-0CAD-40EF-9436-CA56A9D8FDDF}" type="slidenum">
               <a:rPr lang="en-ID" smtClean="0"/>
-              <a:t>4</a:t>
+              <a:t>6</a:t>
             </a:fld>
             <a:endParaRPr lang="en-ID"/>
           </a:p>
@@ -1009,7 +1068,7 @@
           <a:p>
             <a:fld id="{69BCF7F6-0CAD-40EF-9436-CA56A9D8FDDF}" type="slidenum">
               <a:rPr lang="en-ID" smtClean="0"/>
-              <a:t>6</a:t>
+              <a:t>8</a:t>
             </a:fld>
             <a:endParaRPr lang="en-ID"/>
           </a:p>
@@ -1072,274 +1131,6 @@
           <a:bodyPr/>
           <a:lstStyle/>
           <a:p>
-            <a:r>
-              <a:rPr lang="en-US" dirty="0"/>
-              <a:t>Pada </a:t>
-            </a:r>
-            <a:r>
-              <a:rPr lang="en-US" dirty="0" err="1"/>
-              <a:t>seri</a:t>
-            </a:r>
-            <a:r>
-              <a:rPr lang="en-US" dirty="0"/>
-              <a:t> </a:t>
-            </a:r>
-            <a:r>
-              <a:rPr lang="en-US" dirty="0" err="1"/>
-              <a:t>ini</a:t>
-            </a:r>
-            <a:r>
-              <a:rPr lang="en-US" dirty="0"/>
-              <a:t> </a:t>
-            </a:r>
-            <a:r>
-              <a:rPr lang="en-US" dirty="0" err="1"/>
-              <a:t>kita</a:t>
-            </a:r>
-            <a:r>
-              <a:rPr lang="en-US" dirty="0"/>
-              <a:t> </a:t>
-            </a:r>
-            <a:r>
-              <a:rPr lang="en-US" dirty="0" err="1"/>
-              <a:t>tidak</a:t>
-            </a:r>
-            <a:r>
-              <a:rPr lang="en-US" dirty="0"/>
-              <a:t> </a:t>
-            </a:r>
-            <a:r>
-              <a:rPr lang="en-US" dirty="0" err="1"/>
-              <a:t>akan</a:t>
-            </a:r>
-            <a:r>
-              <a:rPr lang="en-US" dirty="0"/>
-              <a:t> </a:t>
-            </a:r>
-            <a:r>
-              <a:rPr lang="en-US" dirty="0" err="1"/>
-              <a:t>langsung</a:t>
-            </a:r>
-            <a:r>
-              <a:rPr lang="en-US" dirty="0"/>
-              <a:t> </a:t>
-            </a:r>
-            <a:r>
-              <a:rPr lang="en-US" dirty="0" err="1"/>
-              <a:t>membuat</a:t>
-            </a:r>
-            <a:r>
-              <a:rPr lang="en-US" dirty="0"/>
-              <a:t> website, </a:t>
-            </a:r>
-            <a:r>
-              <a:rPr lang="en-US" dirty="0" err="1"/>
-              <a:t>atau</a:t>
-            </a:r>
-            <a:r>
-              <a:rPr lang="en-US" dirty="0"/>
-              <a:t> </a:t>
-            </a:r>
-            <a:r>
-              <a:rPr lang="en-US" dirty="0" err="1"/>
-              <a:t>membangun</a:t>
-            </a:r>
-            <a:r>
-              <a:rPr lang="en-US" dirty="0"/>
-              <a:t> </a:t>
-            </a:r>
-            <a:r>
-              <a:rPr lang="en-US" dirty="0" err="1"/>
-              <a:t>sebuah</a:t>
-            </a:r>
-            <a:r>
-              <a:rPr lang="en-US" dirty="0"/>
-              <a:t> </a:t>
-            </a:r>
-            <a:r>
-              <a:rPr lang="en-US" dirty="0" err="1"/>
-              <a:t>aplikasi</a:t>
-            </a:r>
-            <a:r>
-              <a:rPr lang="en-US" dirty="0"/>
-              <a:t>. </a:t>
-            </a:r>
-            <a:r>
-              <a:rPr lang="en-US" dirty="0" err="1"/>
-              <a:t>Tapi</a:t>
-            </a:r>
-            <a:r>
-              <a:rPr lang="en-US" dirty="0"/>
-              <a:t> pada </a:t>
-            </a:r>
-            <a:r>
-              <a:rPr lang="en-US" dirty="0" err="1"/>
-              <a:t>seri</a:t>
-            </a:r>
-            <a:r>
-              <a:rPr lang="en-US" dirty="0"/>
-              <a:t> </a:t>
-            </a:r>
-            <a:r>
-              <a:rPr lang="en-US" dirty="0" err="1"/>
-              <a:t>ini</a:t>
-            </a:r>
-            <a:r>
-              <a:rPr lang="en-US" dirty="0"/>
-              <a:t> </a:t>
-            </a:r>
-            <a:r>
-              <a:rPr lang="en-US" dirty="0" err="1"/>
-              <a:t>kita</a:t>
-            </a:r>
-            <a:r>
-              <a:rPr lang="en-US" dirty="0"/>
-              <a:t> </a:t>
-            </a:r>
-            <a:r>
-              <a:rPr lang="en-US" dirty="0" err="1"/>
-              <a:t>akan</a:t>
-            </a:r>
-            <a:r>
-              <a:rPr lang="en-US" dirty="0"/>
-              <a:t> </a:t>
-            </a:r>
-            <a:r>
-              <a:rPr lang="en-US" dirty="0" err="1"/>
-              <a:t>belajar</a:t>
-            </a:r>
-            <a:r>
-              <a:rPr lang="en-US" dirty="0"/>
-              <a:t> </a:t>
-            </a:r>
-            <a:r>
-              <a:rPr lang="en-US" dirty="0" err="1"/>
-              <a:t>dasar</a:t>
-            </a:r>
-            <a:r>
-              <a:rPr lang="en-US" dirty="0"/>
-              <a:t> </a:t>
-            </a:r>
-            <a:r>
-              <a:rPr lang="en-US" dirty="0" err="1"/>
-              <a:t>dari</a:t>
-            </a:r>
-            <a:r>
-              <a:rPr lang="en-US" dirty="0"/>
-              <a:t> </a:t>
-            </a:r>
-            <a:r>
-              <a:rPr lang="en-US" dirty="0" err="1"/>
-              <a:t>pemrograman</a:t>
-            </a:r>
-            <a:r>
-              <a:rPr lang="en-US" dirty="0"/>
-              <a:t> </a:t>
-            </a:r>
-            <a:r>
-              <a:rPr lang="en-US" dirty="0" err="1"/>
-              <a:t>itu</a:t>
-            </a:r>
-            <a:r>
-              <a:rPr lang="en-US" dirty="0"/>
-              <a:t> </a:t>
-            </a:r>
-            <a:r>
-              <a:rPr lang="en-US" dirty="0" err="1"/>
-              <a:t>sendiri</a:t>
-            </a:r>
-            <a:r>
-              <a:rPr lang="en-US" dirty="0"/>
-              <a:t>. Kita juga </a:t>
-            </a:r>
-            <a:r>
-              <a:rPr lang="en-US" dirty="0" err="1"/>
-              <a:t>tidak</a:t>
-            </a:r>
-            <a:r>
-              <a:rPr lang="en-US" dirty="0"/>
-              <a:t> </a:t>
-            </a:r>
-            <a:r>
-              <a:rPr lang="en-US" dirty="0" err="1"/>
-              <a:t>akan</a:t>
-            </a:r>
-            <a:r>
-              <a:rPr lang="en-US" dirty="0"/>
-              <a:t> </a:t>
-            </a:r>
-            <a:r>
-              <a:rPr lang="en-US" dirty="0" err="1"/>
-              <a:t>menjadi</a:t>
-            </a:r>
-            <a:r>
-              <a:rPr lang="en-US" dirty="0"/>
-              <a:t> master </a:t>
-            </a:r>
-            <a:r>
-              <a:rPr lang="en-US" dirty="0" err="1"/>
-              <a:t>javascript</a:t>
-            </a:r>
-            <a:r>
-              <a:rPr lang="en-US" dirty="0"/>
-              <a:t>, </a:t>
-            </a:r>
-            <a:r>
-              <a:rPr lang="en-US" dirty="0" err="1"/>
-              <a:t>tetapi</a:t>
-            </a:r>
-            <a:r>
-              <a:rPr lang="en-US" dirty="0"/>
-              <a:t> </a:t>
-            </a:r>
-            <a:r>
-              <a:rPr lang="en-US" dirty="0" err="1"/>
-              <a:t>belajar</a:t>
-            </a:r>
-            <a:r>
-              <a:rPr lang="en-US" dirty="0"/>
-              <a:t> </a:t>
-            </a:r>
-            <a:r>
-              <a:rPr lang="en-US" dirty="0" err="1"/>
-              <a:t>dasar</a:t>
-            </a:r>
-            <a:r>
-              <a:rPr lang="en-US" dirty="0"/>
-              <a:t> agar </a:t>
-            </a:r>
-            <a:r>
-              <a:rPr lang="en-US" dirty="0" err="1"/>
-              <a:t>memudahkan</a:t>
-            </a:r>
-            <a:r>
-              <a:rPr lang="en-US" dirty="0"/>
-              <a:t> </a:t>
-            </a:r>
-            <a:r>
-              <a:rPr lang="en-US" dirty="0" err="1"/>
-              <a:t>kita</a:t>
-            </a:r>
-            <a:r>
-              <a:rPr lang="en-US" dirty="0"/>
-              <a:t> </a:t>
-            </a:r>
-            <a:r>
-              <a:rPr lang="en-US" dirty="0" err="1"/>
-              <a:t>untuk</a:t>
-            </a:r>
-            <a:r>
-              <a:rPr lang="en-US" dirty="0"/>
-              <a:t> </a:t>
-            </a:r>
-            <a:r>
-              <a:rPr lang="en-US" dirty="0" err="1"/>
-              <a:t>memahami</a:t>
-            </a:r>
-            <a:r>
-              <a:rPr lang="en-US" dirty="0"/>
-              <a:t> bahasa2 yang lain.</a:t>
-            </a:r>
             <a:endParaRPr lang="en-ID" dirty="0"/>
           </a:p>
         </p:txBody>
@@ -1361,7 +1152,7 @@
           <a:p>
             <a:fld id="{69BCF7F6-0CAD-40EF-9436-CA56A9D8FDDF}" type="slidenum">
               <a:rPr lang="en-ID" smtClean="0"/>
-              <a:t>9</a:t>
+              <a:t>11</a:t>
             </a:fld>
             <a:endParaRPr lang="en-ID"/>
           </a:p>
@@ -1445,7 +1236,7 @@
           <a:p>
             <a:fld id="{69BCF7F6-0CAD-40EF-9436-CA56A9D8FDDF}" type="slidenum">
               <a:rPr lang="en-ID" smtClean="0"/>
-              <a:t>10</a:t>
+              <a:t>12</a:t>
             </a:fld>
             <a:endParaRPr lang="en-ID"/>
           </a:p>
@@ -1508,7 +1299,7 @@
           <a:bodyPr/>
           <a:lstStyle/>
           <a:p>
-            <a:endParaRPr lang="en-ID"/>
+            <a:endParaRPr lang="en-ID" dirty="0"/>
           </a:p>
         </p:txBody>
       </p:sp>
@@ -1529,7 +1320,7 @@
           <a:p>
             <a:fld id="{69BCF7F6-0CAD-40EF-9436-CA56A9D8FDDF}" type="slidenum">
               <a:rPr lang="en-ID" smtClean="0"/>
-              <a:t>14</a:t>
+              <a:t>13</a:t>
             </a:fld>
             <a:endParaRPr lang="en-ID"/>
           </a:p>
@@ -1538,7 +1329,7 @@
     </p:spTree>
     <p:extLst>
       <p:ext uri="{BB962C8B-B14F-4D97-AF65-F5344CB8AC3E}">
-        <p14:creationId xmlns:p14="http://schemas.microsoft.com/office/powerpoint/2010/main" val="1688621585"/>
+        <p14:creationId xmlns:p14="http://schemas.microsoft.com/office/powerpoint/2010/main" val="486772342"/>
       </p:ext>
     </p:extLst>
   </p:cSld>
@@ -1592,7 +1383,7 @@
           <a:bodyPr/>
           <a:lstStyle/>
           <a:p>
-            <a:endParaRPr lang="en-ID" dirty="0"/>
+            <a:endParaRPr lang="en-ID"/>
           </a:p>
         </p:txBody>
       </p:sp>
@@ -1613,7 +1404,7 @@
           <a:p>
             <a:fld id="{69BCF7F6-0CAD-40EF-9436-CA56A9D8FDDF}" type="slidenum">
               <a:rPr lang="en-ID" smtClean="0"/>
-              <a:t>15</a:t>
+              <a:t>19</a:t>
             </a:fld>
             <a:endParaRPr lang="en-ID"/>
           </a:p>
@@ -1622,7 +1413,7 @@
     </p:spTree>
     <p:extLst>
       <p:ext uri="{BB962C8B-B14F-4D97-AF65-F5344CB8AC3E}">
-        <p14:creationId xmlns:p14="http://schemas.microsoft.com/office/powerpoint/2010/main" val="3978445224"/>
+        <p14:creationId xmlns:p14="http://schemas.microsoft.com/office/powerpoint/2010/main" val="1688621585"/>
       </p:ext>
     </p:extLst>
   </p:cSld>
@@ -1781,7 +1572,7 @@
           <a:p>
             <a:fld id="{DC3CD6D0-9CB9-4A89-9FCB-26F6B7747F7C}" type="datetimeFigureOut">
               <a:rPr lang="en-ID" smtClean="0"/>
-              <a:t>13/04/2022</a:t>
+              <a:t>10/05/22</a:t>
             </a:fld>
             <a:endParaRPr lang="en-ID"/>
           </a:p>
@@ -1981,7 +1772,7 @@
           <a:p>
             <a:fld id="{DC3CD6D0-9CB9-4A89-9FCB-26F6B7747F7C}" type="datetimeFigureOut">
               <a:rPr lang="en-ID" smtClean="0"/>
-              <a:t>13/04/2022</a:t>
+              <a:t>10/05/22</a:t>
             </a:fld>
             <a:endParaRPr lang="en-ID"/>
           </a:p>
@@ -2191,7 +1982,7 @@
           <a:p>
             <a:fld id="{DC3CD6D0-9CB9-4A89-9FCB-26F6B7747F7C}" type="datetimeFigureOut">
               <a:rPr lang="en-ID" smtClean="0"/>
-              <a:t>13/04/2022</a:t>
+              <a:t>10/05/22</a:t>
             </a:fld>
             <a:endParaRPr lang="en-ID"/>
           </a:p>
@@ -2391,7 +2182,7 @@
           <a:p>
             <a:fld id="{DC3CD6D0-9CB9-4A89-9FCB-26F6B7747F7C}" type="datetimeFigureOut">
               <a:rPr lang="en-ID" smtClean="0"/>
-              <a:t>13/04/2022</a:t>
+              <a:t>10/05/22</a:t>
             </a:fld>
             <a:endParaRPr lang="en-ID"/>
           </a:p>
@@ -2667,7 +2458,7 @@
           <a:p>
             <a:fld id="{DC3CD6D0-9CB9-4A89-9FCB-26F6B7747F7C}" type="datetimeFigureOut">
               <a:rPr lang="en-ID" smtClean="0"/>
-              <a:t>13/04/2022</a:t>
+              <a:t>10/05/22</a:t>
             </a:fld>
             <a:endParaRPr lang="en-ID"/>
           </a:p>
@@ -2935,7 +2726,7 @@
           <a:p>
             <a:fld id="{DC3CD6D0-9CB9-4A89-9FCB-26F6B7747F7C}" type="datetimeFigureOut">
               <a:rPr lang="en-ID" smtClean="0"/>
-              <a:t>13/04/2022</a:t>
+              <a:t>10/05/22</a:t>
             </a:fld>
             <a:endParaRPr lang="en-ID"/>
           </a:p>
@@ -3350,7 +3141,7 @@
           <a:p>
             <a:fld id="{DC3CD6D0-9CB9-4A89-9FCB-26F6B7747F7C}" type="datetimeFigureOut">
               <a:rPr lang="en-ID" smtClean="0"/>
-              <a:t>13/04/2022</a:t>
+              <a:t>10/05/22</a:t>
             </a:fld>
             <a:endParaRPr lang="en-ID"/>
           </a:p>
@@ -3492,7 +3283,7 @@
           <a:p>
             <a:fld id="{DC3CD6D0-9CB9-4A89-9FCB-26F6B7747F7C}" type="datetimeFigureOut">
               <a:rPr lang="en-ID" smtClean="0"/>
-              <a:t>13/04/2022</a:t>
+              <a:t>10/05/22</a:t>
             </a:fld>
             <a:endParaRPr lang="en-ID"/>
           </a:p>
@@ -3605,7 +3396,7 @@
           <a:p>
             <a:fld id="{DC3CD6D0-9CB9-4A89-9FCB-26F6B7747F7C}" type="datetimeFigureOut">
               <a:rPr lang="en-ID" smtClean="0"/>
-              <a:t>13/04/2022</a:t>
+              <a:t>10/05/22</a:t>
             </a:fld>
             <a:endParaRPr lang="en-ID"/>
           </a:p>
@@ -3918,7 +3709,7 @@
           <a:p>
             <a:fld id="{DC3CD6D0-9CB9-4A89-9FCB-26F6B7747F7C}" type="datetimeFigureOut">
               <a:rPr lang="en-ID" smtClean="0"/>
-              <a:t>13/04/2022</a:t>
+              <a:t>10/05/22</a:t>
             </a:fld>
             <a:endParaRPr lang="en-ID"/>
           </a:p>
@@ -4207,7 +3998,7 @@
           <a:p>
             <a:fld id="{DC3CD6D0-9CB9-4A89-9FCB-26F6B7747F7C}" type="datetimeFigureOut">
               <a:rPr lang="en-ID" smtClean="0"/>
-              <a:t>13/04/2022</a:t>
+              <a:t>10/05/22</a:t>
             </a:fld>
             <a:endParaRPr lang="en-ID"/>
           </a:p>
@@ -4459,7 +4250,7 @@
           <a:p>
             <a:fld id="{DC3CD6D0-9CB9-4A89-9FCB-26F6B7747F7C}" type="datetimeFigureOut">
               <a:rPr lang="en-ID" smtClean="0"/>
-              <a:t>13/04/2022</a:t>
+              <a:t>10/05/22</a:t>
             </a:fld>
             <a:endParaRPr lang="en-ID"/>
           </a:p>
@@ -5018,6 +4809,2087 @@
 </file>
 
 <file path=ppt/slides/slide10.xml><?xml version="1.0" encoding="utf-8"?>
+<p:sld xmlns:a="http://schemas.openxmlformats.org/drawingml/2006/main" xmlns:r="http://schemas.openxmlformats.org/officeDocument/2006/relationships" xmlns:p="http://schemas.openxmlformats.org/presentationml/2006/main">
+  <p:cSld>
+    <p:spTree>
+      <p:nvGrpSpPr>
+        <p:cNvPr id="1" name=""/>
+        <p:cNvGrpSpPr/>
+        <p:nvPr/>
+      </p:nvGrpSpPr>
+      <p:grpSpPr>
+        <a:xfrm>
+          <a:off x="0" y="0"/>
+          <a:ext cx="0" cy="0"/>
+          <a:chOff x="0" y="0"/>
+          <a:chExt cx="0" cy="0"/>
+        </a:xfrm>
+      </p:grpSpPr>
+      <p:sp>
+        <p:nvSpPr>
+          <p:cNvPr id="4" name="TextBox 3">
+            <a:extLst>
+              <a:ext uri="{FF2B5EF4-FFF2-40B4-BE49-F238E27FC236}">
+                <a16:creationId xmlns:a16="http://schemas.microsoft.com/office/drawing/2014/main" id="{33B24114-B058-4932-8F2E-B913ED295BA8}"/>
+              </a:ext>
+            </a:extLst>
+          </p:cNvPr>
+          <p:cNvSpPr txBox="1"/>
+          <p:nvPr/>
+        </p:nvSpPr>
+        <p:spPr>
+          <a:xfrm>
+            <a:off x="1040524" y="4650828"/>
+            <a:ext cx="3405352" cy="830997"/>
+          </a:xfrm>
+          <a:prstGeom prst="rect">
+            <a:avLst/>
+          </a:prstGeom>
+          <a:noFill/>
+        </p:spPr>
+        <p:txBody>
+          <a:bodyPr wrap="square" rtlCol="0">
+            <a:spAutoFit/>
+          </a:bodyPr>
+          <a:lstStyle/>
+          <a:p>
+            <a:pPr algn="ctr"/>
+            <a:r>
+              <a:rPr lang="en-US" sz="2400" dirty="0">
+                <a:solidFill>
+                  <a:schemeClr val="bg1"/>
+                </a:solidFill>
+                <a:effectLst>
+                  <a:outerShdw blurRad="38100" dist="38100" dir="2700000" algn="tl">
+                    <a:srgbClr val="000000">
+                      <a:alpha val="43137"/>
+                    </a:srgbClr>
+                  </a:outerShdw>
+                </a:effectLst>
+                <a:latin typeface="Aharoni" panose="02010803020104030203" pitchFamily="2" charset="-79"/>
+                <a:cs typeface="Aharoni" panose="02010803020104030203" pitchFamily="2" charset="-79"/>
+              </a:rPr>
+              <a:t>Mark Zuckerberg</a:t>
+            </a:r>
+          </a:p>
+          <a:p>
+            <a:pPr algn="ctr"/>
+            <a:r>
+              <a:rPr lang="en-US" sz="2400" dirty="0">
+                <a:solidFill>
+                  <a:schemeClr val="bg1"/>
+                </a:solidFill>
+                <a:effectLst>
+                  <a:outerShdw blurRad="38100" dist="38100" dir="2700000" algn="tl">
+                    <a:srgbClr val="000000">
+                      <a:alpha val="43137"/>
+                    </a:srgbClr>
+                  </a:outerShdw>
+                </a:effectLst>
+                <a:latin typeface="Aharoni" panose="02010803020104030203" pitchFamily="2" charset="-79"/>
+                <a:cs typeface="Aharoni" panose="02010803020104030203" pitchFamily="2" charset="-79"/>
+              </a:rPr>
+              <a:t>Meta founder</a:t>
+            </a:r>
+            <a:endParaRPr lang="en-ID" sz="2400" dirty="0">
+              <a:solidFill>
+                <a:schemeClr val="bg1"/>
+              </a:solidFill>
+              <a:effectLst>
+                <a:outerShdw blurRad="38100" dist="38100" dir="2700000" algn="tl">
+                  <a:srgbClr val="000000">
+                    <a:alpha val="43137"/>
+                  </a:srgbClr>
+                </a:outerShdw>
+              </a:effectLst>
+              <a:latin typeface="Aharoni" panose="02010803020104030203" pitchFamily="2" charset="-79"/>
+              <a:cs typeface="Aharoni" panose="02010803020104030203" pitchFamily="2" charset="-79"/>
+            </a:endParaRPr>
+          </a:p>
+        </p:txBody>
+      </p:sp>
+      <p:sp>
+        <p:nvSpPr>
+          <p:cNvPr id="5" name="TextBox 4">
+            <a:extLst>
+              <a:ext uri="{FF2B5EF4-FFF2-40B4-BE49-F238E27FC236}">
+                <a16:creationId xmlns:a16="http://schemas.microsoft.com/office/drawing/2014/main" id="{E7B1E75C-9D89-48CC-8721-1B9FC35FDB70}"/>
+              </a:ext>
+            </a:extLst>
+          </p:cNvPr>
+          <p:cNvSpPr txBox="1"/>
+          <p:nvPr/>
+        </p:nvSpPr>
+        <p:spPr>
+          <a:xfrm>
+            <a:off x="5029200" y="1648877"/>
+            <a:ext cx="6290441" cy="3785652"/>
+          </a:xfrm>
+          <a:prstGeom prst="rect">
+            <a:avLst/>
+          </a:prstGeom>
+          <a:noFill/>
+        </p:spPr>
+        <p:txBody>
+          <a:bodyPr wrap="square" rtlCol="0">
+            <a:spAutoFit/>
+          </a:bodyPr>
+          <a:lstStyle/>
+          <a:p>
+            <a:r>
+              <a:rPr lang="en-US" sz="4000" dirty="0">
+                <a:solidFill>
+                  <a:schemeClr val="bg1"/>
+                </a:solidFill>
+                <a:latin typeface="Century Gothic" panose="020B0502020202020204" pitchFamily="34" charset="0"/>
+              </a:rPr>
+              <a:t>“In </a:t>
+            </a:r>
+            <a:r>
+              <a:rPr lang="en-US" sz="4000" dirty="0" err="1">
+                <a:solidFill>
+                  <a:schemeClr val="bg1"/>
+                </a:solidFill>
+                <a:latin typeface="Century Gothic" panose="020B0502020202020204" pitchFamily="34" charset="0"/>
+              </a:rPr>
+              <a:t>fifeteen</a:t>
+            </a:r>
+            <a:r>
+              <a:rPr lang="en-US" sz="4000" dirty="0">
+                <a:solidFill>
+                  <a:schemeClr val="bg1"/>
+                </a:solidFill>
+                <a:latin typeface="Century Gothic" panose="020B0502020202020204" pitchFamily="34" charset="0"/>
+              </a:rPr>
+              <a:t> years we’ll be teaching </a:t>
+            </a:r>
+            <a:r>
+              <a:rPr lang="en-US" sz="4000" dirty="0">
+                <a:solidFill>
+                  <a:srgbClr val="00B0F0"/>
+                </a:solidFill>
+                <a:latin typeface="Century Gothic" panose="020B0502020202020204" pitchFamily="34" charset="0"/>
+              </a:rPr>
+              <a:t>programming</a:t>
+            </a:r>
+            <a:r>
+              <a:rPr lang="en-US" sz="4000" dirty="0">
+                <a:solidFill>
+                  <a:schemeClr val="bg1"/>
+                </a:solidFill>
+                <a:latin typeface="Century Gothic" panose="020B0502020202020204" pitchFamily="34" charset="0"/>
+              </a:rPr>
+              <a:t> just like reading and writing, and </a:t>
+            </a:r>
+            <a:r>
+              <a:rPr lang="en-US" sz="4000" dirty="0" err="1">
+                <a:solidFill>
+                  <a:schemeClr val="bg1"/>
+                </a:solidFill>
+                <a:latin typeface="Century Gothic" panose="020B0502020202020204" pitchFamily="34" charset="0"/>
+              </a:rPr>
+              <a:t>woundering</a:t>
+            </a:r>
+            <a:r>
+              <a:rPr lang="en-US" sz="4000" dirty="0">
+                <a:solidFill>
+                  <a:schemeClr val="bg1"/>
+                </a:solidFill>
+                <a:latin typeface="Century Gothic" panose="020B0502020202020204" pitchFamily="34" charset="0"/>
+              </a:rPr>
+              <a:t> why we didn’t do it sooner.” </a:t>
+            </a:r>
+            <a:endParaRPr lang="en-ID" sz="4000" dirty="0">
+              <a:solidFill>
+                <a:schemeClr val="bg1"/>
+              </a:solidFill>
+              <a:latin typeface="Century Gothic" panose="020B0502020202020204" pitchFamily="34" charset="0"/>
+            </a:endParaRPr>
+          </a:p>
+        </p:txBody>
+      </p:sp>
+      <p:pic>
+        <p:nvPicPr>
+          <p:cNvPr id="3074" name="Picture 2" descr="Mark Zuckerberg Rugi Rp 414 Triliun dalam Sehari, Saham Meta Anjlok - Dunia  Tempo.co">
+            <a:extLst>
+              <a:ext uri="{FF2B5EF4-FFF2-40B4-BE49-F238E27FC236}">
+                <a16:creationId xmlns:a16="http://schemas.microsoft.com/office/drawing/2014/main" id="{313E7A8C-7FA7-4B12-A3CF-B3D66F398A9C}"/>
+              </a:ext>
+            </a:extLst>
+          </p:cNvPr>
+          <p:cNvPicPr>
+            <a:picLocks noChangeAspect="1" noChangeArrowheads="1"/>
+          </p:cNvPicPr>
+          <p:nvPr/>
+        </p:nvPicPr>
+        <p:blipFill rotWithShape="1">
+          <a:blip r:embed="rId2">
+            <a:extLst>
+              <a:ext uri="{28A0092B-C50C-407E-A947-70E740481C1C}">
+                <a14:useLocalDpi xmlns:a14="http://schemas.microsoft.com/office/drawing/2010/main" val="0"/>
+              </a:ext>
+            </a:extLst>
+          </a:blip>
+          <a:srcRect l="3180" r="47165" b="18327"/>
+          <a:stretch/>
+        </p:blipFill>
+        <p:spPr bwMode="auto">
+          <a:xfrm>
+            <a:off x="1489841" y="1733187"/>
+            <a:ext cx="2733165" cy="2628266"/>
+          </a:xfrm>
+          <a:prstGeom prst="ellipse">
+            <a:avLst/>
+          </a:prstGeom>
+          <a:ln w="63500" cap="rnd">
+            <a:solidFill>
+              <a:srgbClr val="00B0F0"/>
+            </a:solidFill>
+          </a:ln>
+          <a:effectLst>
+            <a:outerShdw blurRad="381000" dist="292100" dir="5400000" sx="-80000" sy="-18000" rotWithShape="0">
+              <a:srgbClr val="000000">
+                <a:alpha val="22000"/>
+              </a:srgbClr>
+            </a:outerShdw>
+          </a:effectLst>
+          <a:scene3d>
+            <a:camera prst="orthographicFront"/>
+            <a:lightRig rig="contrasting" dir="t">
+              <a:rot lat="0" lon="0" rev="3000000"/>
+            </a:lightRig>
+          </a:scene3d>
+          <a:sp3d contourW="7620">
+            <a:bevelT w="95250" h="31750"/>
+            <a:contourClr>
+              <a:srgbClr val="333333"/>
+            </a:contourClr>
+          </a:sp3d>
+          <a:extLst>
+            <a:ext uri="{909E8E84-426E-40DD-AFC4-6F175D3DCCD1}">
+              <a14:hiddenFill xmlns:a14="http://schemas.microsoft.com/office/drawing/2010/main">
+                <a:solidFill>
+                  <a:srgbClr val="FFFFFF"/>
+                </a:solidFill>
+              </a14:hiddenFill>
+            </a:ext>
+          </a:extLst>
+        </p:spPr>
+      </p:pic>
+    </p:spTree>
+    <p:extLst>
+      <p:ext uri="{BB962C8B-B14F-4D97-AF65-F5344CB8AC3E}">
+        <p14:creationId xmlns:p14="http://schemas.microsoft.com/office/powerpoint/2010/main" val="2989803847"/>
+      </p:ext>
+    </p:extLst>
+  </p:cSld>
+  <p:clrMapOvr>
+    <a:masterClrMapping/>
+  </p:clrMapOvr>
+</p:sld>
+</file>
+
+<file path=ppt/slides/slide11.xml><?xml version="1.0" encoding="utf-8"?>
+<p:sld xmlns:a="http://schemas.openxmlformats.org/drawingml/2006/main" xmlns:r="http://schemas.openxmlformats.org/officeDocument/2006/relationships" xmlns:p="http://schemas.openxmlformats.org/presentationml/2006/main">
+  <p:cSld>
+    <p:spTree>
+      <p:nvGrpSpPr>
+        <p:cNvPr id="1" name=""/>
+        <p:cNvGrpSpPr/>
+        <p:nvPr/>
+      </p:nvGrpSpPr>
+      <p:grpSpPr>
+        <a:xfrm>
+          <a:off x="0" y="0"/>
+          <a:ext cx="0" cy="0"/>
+          <a:chOff x="0" y="0"/>
+          <a:chExt cx="0" cy="0"/>
+        </a:xfrm>
+      </p:grpSpPr>
+      <p:pic>
+        <p:nvPicPr>
+          <p:cNvPr id="4" name="Picture 2">
+            <a:extLst>
+              <a:ext uri="{FF2B5EF4-FFF2-40B4-BE49-F238E27FC236}">
+                <a16:creationId xmlns:a16="http://schemas.microsoft.com/office/drawing/2014/main" id="{29E01050-7EBB-4373-A261-A0A08FBCE36E}"/>
+              </a:ext>
+            </a:extLst>
+          </p:cNvPr>
+          <p:cNvPicPr>
+            <a:picLocks noChangeAspect="1" noChangeArrowheads="1"/>
+          </p:cNvPicPr>
+          <p:nvPr/>
+        </p:nvPicPr>
+        <p:blipFill>
+          <a:blip r:embed="rId3">
+            <a:lum bright="70000" contrast="-70000"/>
+            <a:extLst>
+              <a:ext uri="{28A0092B-C50C-407E-A947-70E740481C1C}">
+                <a14:useLocalDpi xmlns:a14="http://schemas.microsoft.com/office/drawing/2010/main" val="0"/>
+              </a:ext>
+            </a:extLst>
+          </a:blip>
+          <a:srcRect/>
+          <a:stretch>
+            <a:fillRect/>
+          </a:stretch>
+        </p:blipFill>
+        <p:spPr bwMode="auto">
+          <a:xfrm>
+            <a:off x="11338560" y="1187546"/>
+            <a:ext cx="1491175" cy="1491175"/>
+          </a:xfrm>
+          <a:prstGeom prst="rect">
+            <a:avLst/>
+          </a:prstGeom>
+          <a:noFill/>
+          <a:extLst>
+            <a:ext uri="{909E8E84-426E-40DD-AFC4-6F175D3DCCD1}">
+              <a14:hiddenFill xmlns:a14="http://schemas.microsoft.com/office/drawing/2010/main">
+                <a:solidFill>
+                  <a:srgbClr val="FFFFFF"/>
+                </a:solidFill>
+              </a14:hiddenFill>
+            </a:ext>
+          </a:extLst>
+        </p:spPr>
+      </p:pic>
+      <p:grpSp>
+        <p:nvGrpSpPr>
+          <p:cNvPr id="5" name="Group 4">
+            <a:extLst>
+              <a:ext uri="{FF2B5EF4-FFF2-40B4-BE49-F238E27FC236}">
+                <a16:creationId xmlns:a16="http://schemas.microsoft.com/office/drawing/2014/main" id="{3948DCB1-8A01-4676-9F85-D8F42B33E133}"/>
+              </a:ext>
+            </a:extLst>
+          </p:cNvPr>
+          <p:cNvGrpSpPr/>
+          <p:nvPr/>
+        </p:nvGrpSpPr>
+        <p:grpSpPr>
+          <a:xfrm>
+            <a:off x="-211015" y="1145342"/>
+            <a:ext cx="5740203" cy="596706"/>
+            <a:chOff x="-211015" y="1187546"/>
+            <a:chExt cx="5740203" cy="596706"/>
+          </a:xfrm>
+        </p:grpSpPr>
+        <p:grpSp>
+          <p:nvGrpSpPr>
+            <p:cNvPr id="6" name="Group 5">
+              <a:extLst>
+                <a:ext uri="{FF2B5EF4-FFF2-40B4-BE49-F238E27FC236}">
+                  <a16:creationId xmlns:a16="http://schemas.microsoft.com/office/drawing/2014/main" id="{65252EF4-3401-4D4A-9B76-2CDC7965C2BE}"/>
+                </a:ext>
+              </a:extLst>
+            </p:cNvPr>
+            <p:cNvGrpSpPr/>
+            <p:nvPr/>
+          </p:nvGrpSpPr>
+          <p:grpSpPr>
+            <a:xfrm>
+              <a:off x="-211015" y="1187546"/>
+              <a:ext cx="5740203" cy="596706"/>
+              <a:chOff x="-211015" y="1187546"/>
+              <a:chExt cx="5740203" cy="596706"/>
+            </a:xfrm>
+          </p:grpSpPr>
+          <p:sp>
+            <p:nvSpPr>
+              <p:cNvPr id="8" name="Rectangle 7">
+                <a:extLst>
+                  <a:ext uri="{FF2B5EF4-FFF2-40B4-BE49-F238E27FC236}">
+                    <a16:creationId xmlns:a16="http://schemas.microsoft.com/office/drawing/2014/main" id="{4467AA68-F481-4314-8A35-C1CB75588A68}"/>
+                  </a:ext>
+                </a:extLst>
+              </p:cNvPr>
+              <p:cNvSpPr/>
+              <p:nvPr/>
+            </p:nvSpPr>
+            <p:spPr>
+              <a:xfrm>
+                <a:off x="-211015" y="1187546"/>
+                <a:ext cx="5740203" cy="444306"/>
+              </a:xfrm>
+              <a:prstGeom prst="rect">
+                <a:avLst/>
+              </a:prstGeom>
+              <a:noFill/>
+              <a:ln w="28575">
+                <a:solidFill>
+                  <a:schemeClr val="bg1"/>
+                </a:solidFill>
+                <a:prstDash val="sysDash"/>
+              </a:ln>
+            </p:spPr>
+            <p:style>
+              <a:lnRef idx="2">
+                <a:schemeClr val="accent1">
+                  <a:shade val="50000"/>
+                </a:schemeClr>
+              </a:lnRef>
+              <a:fillRef idx="1">
+                <a:schemeClr val="accent1"/>
+              </a:fillRef>
+              <a:effectRef idx="0">
+                <a:schemeClr val="accent1"/>
+              </a:effectRef>
+              <a:fontRef idx="minor">
+                <a:schemeClr val="lt1"/>
+              </a:fontRef>
+            </p:style>
+            <p:txBody>
+              <a:bodyPr rtlCol="0" anchor="ctr"/>
+              <a:lstStyle/>
+              <a:p>
+                <a:pPr algn="ctr"/>
+                <a:endParaRPr lang="en-ID"/>
+              </a:p>
+            </p:txBody>
+          </p:sp>
+          <p:sp>
+            <p:nvSpPr>
+              <p:cNvPr id="9" name="Rectangle 8">
+                <a:extLst>
+                  <a:ext uri="{FF2B5EF4-FFF2-40B4-BE49-F238E27FC236}">
+                    <a16:creationId xmlns:a16="http://schemas.microsoft.com/office/drawing/2014/main" id="{E5937F95-4780-42B6-BD55-F6641B82D14D}"/>
+                  </a:ext>
+                </a:extLst>
+              </p:cNvPr>
+              <p:cNvSpPr/>
+              <p:nvPr/>
+            </p:nvSpPr>
+            <p:spPr>
+              <a:xfrm>
+                <a:off x="0" y="1339946"/>
+                <a:ext cx="5371514" cy="444306"/>
+              </a:xfrm>
+              <a:prstGeom prst="rect">
+                <a:avLst/>
+              </a:prstGeom>
+              <a:solidFill>
+                <a:srgbClr val="00B0F0"/>
+              </a:solidFill>
+              <a:ln>
+                <a:noFill/>
+              </a:ln>
+            </p:spPr>
+            <p:style>
+              <a:lnRef idx="2">
+                <a:schemeClr val="accent1">
+                  <a:shade val="50000"/>
+                </a:schemeClr>
+              </a:lnRef>
+              <a:fillRef idx="1">
+                <a:schemeClr val="accent1"/>
+              </a:fillRef>
+              <a:effectRef idx="0">
+                <a:schemeClr val="accent1"/>
+              </a:effectRef>
+              <a:fontRef idx="minor">
+                <a:schemeClr val="lt1"/>
+              </a:fontRef>
+            </p:style>
+            <p:txBody>
+              <a:bodyPr rtlCol="0" anchor="ctr"/>
+              <a:lstStyle/>
+              <a:p>
+                <a:pPr algn="ctr"/>
+                <a:endParaRPr lang="en-ID"/>
+              </a:p>
+            </p:txBody>
+          </p:sp>
+        </p:grpSp>
+        <p:sp>
+          <p:nvSpPr>
+            <p:cNvPr id="7" name="TextBox 6">
+              <a:extLst>
+                <a:ext uri="{FF2B5EF4-FFF2-40B4-BE49-F238E27FC236}">
+                  <a16:creationId xmlns:a16="http://schemas.microsoft.com/office/drawing/2014/main" id="{B565ED75-421F-42CE-BF2B-14DCFE2D7275}"/>
+                </a:ext>
+              </a:extLst>
+            </p:cNvPr>
+            <p:cNvSpPr txBox="1"/>
+            <p:nvPr/>
+          </p:nvSpPr>
+          <p:spPr>
+            <a:xfrm>
+              <a:off x="450166" y="1322587"/>
+              <a:ext cx="4921348" cy="461665"/>
+            </a:xfrm>
+            <a:prstGeom prst="rect">
+              <a:avLst/>
+            </a:prstGeom>
+            <a:noFill/>
+          </p:spPr>
+          <p:txBody>
+            <a:bodyPr wrap="square" rtlCol="0">
+              <a:spAutoFit/>
+            </a:bodyPr>
+            <a:lstStyle/>
+            <a:p>
+              <a:r>
+                <a:rPr lang="en-US" sz="2400" b="1" dirty="0" err="1">
+                  <a:solidFill>
+                    <a:schemeClr val="bg1"/>
+                  </a:solidFill>
+                  <a:effectLst>
+                    <a:outerShdw blurRad="38100" dist="38100" dir="2700000" algn="tl">
+                      <a:srgbClr val="000000">
+                        <a:alpha val="43137"/>
+                      </a:srgbClr>
+                    </a:outerShdw>
+                  </a:effectLst>
+                  <a:latin typeface="Century Gothic" panose="020B0502020202020204" pitchFamily="34" charset="0"/>
+                </a:rPr>
+                <a:t>Manfaat</a:t>
+              </a:r>
+              <a:r>
+                <a:rPr lang="en-US" sz="2400" b="1" dirty="0">
+                  <a:solidFill>
+                    <a:schemeClr val="bg1"/>
+                  </a:solidFill>
+                  <a:effectLst>
+                    <a:outerShdw blurRad="38100" dist="38100" dir="2700000" algn="tl">
+                      <a:srgbClr val="000000">
+                        <a:alpha val="43137"/>
+                      </a:srgbClr>
+                    </a:outerShdw>
+                  </a:effectLst>
+                  <a:latin typeface="Century Gothic" panose="020B0502020202020204" pitchFamily="34" charset="0"/>
+                </a:rPr>
+                <a:t> </a:t>
+              </a:r>
+              <a:r>
+                <a:rPr lang="en-US" sz="2400" b="1" dirty="0" err="1">
+                  <a:solidFill>
+                    <a:schemeClr val="bg1"/>
+                  </a:solidFill>
+                  <a:effectLst>
+                    <a:outerShdw blurRad="38100" dist="38100" dir="2700000" algn="tl">
+                      <a:srgbClr val="000000">
+                        <a:alpha val="43137"/>
+                      </a:srgbClr>
+                    </a:outerShdw>
+                  </a:effectLst>
+                  <a:latin typeface="Century Gothic" panose="020B0502020202020204" pitchFamily="34" charset="0"/>
+                </a:rPr>
+                <a:t>Pemrograman</a:t>
+              </a:r>
+              <a:endParaRPr lang="en-ID" sz="2400" b="1" dirty="0">
+                <a:solidFill>
+                  <a:schemeClr val="bg1"/>
+                </a:solidFill>
+                <a:effectLst>
+                  <a:outerShdw blurRad="38100" dist="38100" dir="2700000" algn="tl">
+                    <a:srgbClr val="000000">
+                      <a:alpha val="43137"/>
+                    </a:srgbClr>
+                  </a:outerShdw>
+                </a:effectLst>
+                <a:latin typeface="Century Gothic" panose="020B0502020202020204" pitchFamily="34" charset="0"/>
+              </a:endParaRPr>
+            </a:p>
+          </p:txBody>
+        </p:sp>
+      </p:grpSp>
+      <p:sp>
+        <p:nvSpPr>
+          <p:cNvPr id="10" name="Oval 9">
+            <a:extLst>
+              <a:ext uri="{FF2B5EF4-FFF2-40B4-BE49-F238E27FC236}">
+                <a16:creationId xmlns:a16="http://schemas.microsoft.com/office/drawing/2014/main" id="{40D7D7FB-638D-4738-8FF7-7B2A4F575394}"/>
+              </a:ext>
+            </a:extLst>
+          </p:cNvPr>
+          <p:cNvSpPr/>
+          <p:nvPr/>
+        </p:nvSpPr>
+        <p:spPr>
+          <a:xfrm>
+            <a:off x="998806" y="2678721"/>
+            <a:ext cx="1491175" cy="1491175"/>
+          </a:xfrm>
+          <a:prstGeom prst="ellipse">
+            <a:avLst/>
+          </a:prstGeom>
+          <a:solidFill>
+            <a:schemeClr val="accent5">
+              <a:lumMod val="60000"/>
+              <a:lumOff val="40000"/>
+            </a:schemeClr>
+          </a:solidFill>
+          <a:ln>
+            <a:noFill/>
+          </a:ln>
+        </p:spPr>
+        <p:style>
+          <a:lnRef idx="2">
+            <a:schemeClr val="accent1">
+              <a:shade val="50000"/>
+            </a:schemeClr>
+          </a:lnRef>
+          <a:fillRef idx="1">
+            <a:schemeClr val="accent1"/>
+          </a:fillRef>
+          <a:effectRef idx="0">
+            <a:schemeClr val="accent1"/>
+          </a:effectRef>
+          <a:fontRef idx="minor">
+            <a:schemeClr val="lt1"/>
+          </a:fontRef>
+        </p:style>
+        <p:txBody>
+          <a:bodyPr rtlCol="0" anchor="ctr"/>
+          <a:lstStyle/>
+          <a:p>
+            <a:pPr algn="ctr"/>
+            <a:endParaRPr lang="en-ID"/>
+          </a:p>
+        </p:txBody>
+      </p:sp>
+      <p:sp>
+        <p:nvSpPr>
+          <p:cNvPr id="11" name="Oval 10">
+            <a:extLst>
+              <a:ext uri="{FF2B5EF4-FFF2-40B4-BE49-F238E27FC236}">
+                <a16:creationId xmlns:a16="http://schemas.microsoft.com/office/drawing/2014/main" id="{06DE1466-9A9A-4821-8DDE-54857C30638D}"/>
+              </a:ext>
+            </a:extLst>
+          </p:cNvPr>
+          <p:cNvSpPr/>
+          <p:nvPr/>
+        </p:nvSpPr>
+        <p:spPr>
+          <a:xfrm>
+            <a:off x="3158196" y="2678718"/>
+            <a:ext cx="1491175" cy="1491175"/>
+          </a:xfrm>
+          <a:prstGeom prst="ellipse">
+            <a:avLst/>
+          </a:prstGeom>
+          <a:solidFill>
+            <a:srgbClr val="FF3300"/>
+          </a:solidFill>
+          <a:ln>
+            <a:noFill/>
+          </a:ln>
+        </p:spPr>
+        <p:style>
+          <a:lnRef idx="2">
+            <a:schemeClr val="accent1">
+              <a:shade val="50000"/>
+            </a:schemeClr>
+          </a:lnRef>
+          <a:fillRef idx="1">
+            <a:schemeClr val="accent1"/>
+          </a:fillRef>
+          <a:effectRef idx="0">
+            <a:schemeClr val="accent1"/>
+          </a:effectRef>
+          <a:fontRef idx="minor">
+            <a:schemeClr val="lt1"/>
+          </a:fontRef>
+        </p:style>
+        <p:txBody>
+          <a:bodyPr rtlCol="0" anchor="ctr"/>
+          <a:lstStyle/>
+          <a:p>
+            <a:pPr algn="ctr"/>
+            <a:endParaRPr lang="en-ID"/>
+          </a:p>
+        </p:txBody>
+      </p:sp>
+      <p:sp>
+        <p:nvSpPr>
+          <p:cNvPr id="12" name="Oval 11">
+            <a:extLst>
+              <a:ext uri="{FF2B5EF4-FFF2-40B4-BE49-F238E27FC236}">
+                <a16:creationId xmlns:a16="http://schemas.microsoft.com/office/drawing/2014/main" id="{1827CEDF-6011-4672-8027-C9AA6A0C1F17}"/>
+              </a:ext>
+            </a:extLst>
+          </p:cNvPr>
+          <p:cNvSpPr/>
+          <p:nvPr/>
+        </p:nvSpPr>
+        <p:spPr>
+          <a:xfrm>
+            <a:off x="5317586" y="2678717"/>
+            <a:ext cx="1491175" cy="1491175"/>
+          </a:xfrm>
+          <a:prstGeom prst="ellipse">
+            <a:avLst/>
+          </a:prstGeom>
+          <a:ln>
+            <a:noFill/>
+          </a:ln>
+        </p:spPr>
+        <p:style>
+          <a:lnRef idx="2">
+            <a:schemeClr val="accent1">
+              <a:shade val="50000"/>
+            </a:schemeClr>
+          </a:lnRef>
+          <a:fillRef idx="1">
+            <a:schemeClr val="accent1"/>
+          </a:fillRef>
+          <a:effectRef idx="0">
+            <a:schemeClr val="accent1"/>
+          </a:effectRef>
+          <a:fontRef idx="minor">
+            <a:schemeClr val="lt1"/>
+          </a:fontRef>
+        </p:style>
+        <p:txBody>
+          <a:bodyPr rtlCol="0" anchor="ctr"/>
+          <a:lstStyle/>
+          <a:p>
+            <a:pPr algn="ctr"/>
+            <a:endParaRPr lang="en-ID"/>
+          </a:p>
+        </p:txBody>
+      </p:sp>
+      <p:sp>
+        <p:nvSpPr>
+          <p:cNvPr id="13" name="Oval 12">
+            <a:extLst>
+              <a:ext uri="{FF2B5EF4-FFF2-40B4-BE49-F238E27FC236}">
+                <a16:creationId xmlns:a16="http://schemas.microsoft.com/office/drawing/2014/main" id="{99791331-0B11-4072-B239-AC0F941BA6C9}"/>
+              </a:ext>
+            </a:extLst>
+          </p:cNvPr>
+          <p:cNvSpPr/>
+          <p:nvPr/>
+        </p:nvSpPr>
+        <p:spPr>
+          <a:xfrm>
+            <a:off x="7476976" y="2678716"/>
+            <a:ext cx="1491175" cy="1491175"/>
+          </a:xfrm>
+          <a:prstGeom prst="ellipse">
+            <a:avLst/>
+          </a:prstGeom>
+          <a:solidFill>
+            <a:srgbClr val="00B050"/>
+          </a:solidFill>
+          <a:ln>
+            <a:noFill/>
+          </a:ln>
+        </p:spPr>
+        <p:style>
+          <a:lnRef idx="2">
+            <a:schemeClr val="accent1">
+              <a:shade val="50000"/>
+            </a:schemeClr>
+          </a:lnRef>
+          <a:fillRef idx="1">
+            <a:schemeClr val="accent1"/>
+          </a:fillRef>
+          <a:effectRef idx="0">
+            <a:schemeClr val="accent1"/>
+          </a:effectRef>
+          <a:fontRef idx="minor">
+            <a:schemeClr val="lt1"/>
+          </a:fontRef>
+        </p:style>
+        <p:txBody>
+          <a:bodyPr rtlCol="0" anchor="ctr"/>
+          <a:lstStyle/>
+          <a:p>
+            <a:pPr algn="ctr"/>
+            <a:endParaRPr lang="en-ID"/>
+          </a:p>
+        </p:txBody>
+      </p:sp>
+      <p:sp>
+        <p:nvSpPr>
+          <p:cNvPr id="14" name="Oval 13">
+            <a:extLst>
+              <a:ext uri="{FF2B5EF4-FFF2-40B4-BE49-F238E27FC236}">
+                <a16:creationId xmlns:a16="http://schemas.microsoft.com/office/drawing/2014/main" id="{E06503A2-9C6F-45AC-8DF9-ED709CAF2C5A}"/>
+              </a:ext>
+            </a:extLst>
+          </p:cNvPr>
+          <p:cNvSpPr/>
+          <p:nvPr/>
+        </p:nvSpPr>
+        <p:spPr>
+          <a:xfrm>
+            <a:off x="9636366" y="2678716"/>
+            <a:ext cx="1491175" cy="1491175"/>
+          </a:xfrm>
+          <a:prstGeom prst="ellipse">
+            <a:avLst/>
+          </a:prstGeom>
+          <a:solidFill>
+            <a:srgbClr val="FC1467"/>
+          </a:solidFill>
+          <a:ln>
+            <a:noFill/>
+          </a:ln>
+        </p:spPr>
+        <p:style>
+          <a:lnRef idx="2">
+            <a:schemeClr val="accent1">
+              <a:shade val="50000"/>
+            </a:schemeClr>
+          </a:lnRef>
+          <a:fillRef idx="1">
+            <a:schemeClr val="accent1"/>
+          </a:fillRef>
+          <a:effectRef idx="0">
+            <a:schemeClr val="accent1"/>
+          </a:effectRef>
+          <a:fontRef idx="minor">
+            <a:schemeClr val="lt1"/>
+          </a:fontRef>
+        </p:style>
+        <p:txBody>
+          <a:bodyPr rtlCol="0" anchor="ctr"/>
+          <a:lstStyle/>
+          <a:p>
+            <a:pPr algn="ctr"/>
+            <a:endParaRPr lang="en-ID"/>
+          </a:p>
+        </p:txBody>
+      </p:sp>
+      <p:sp>
+        <p:nvSpPr>
+          <p:cNvPr id="15" name="TextBox 14">
+            <a:extLst>
+              <a:ext uri="{FF2B5EF4-FFF2-40B4-BE49-F238E27FC236}">
+                <a16:creationId xmlns:a16="http://schemas.microsoft.com/office/drawing/2014/main" id="{3AC34AD4-B07E-4A69-989A-EA838631437D}"/>
+              </a:ext>
+            </a:extLst>
+          </p:cNvPr>
+          <p:cNvSpPr txBox="1"/>
+          <p:nvPr/>
+        </p:nvSpPr>
+        <p:spPr>
+          <a:xfrm>
+            <a:off x="900331" y="4284956"/>
+            <a:ext cx="1688123" cy="338554"/>
+          </a:xfrm>
+          <a:prstGeom prst="rect">
+            <a:avLst/>
+          </a:prstGeom>
+          <a:noFill/>
+        </p:spPr>
+        <p:txBody>
+          <a:bodyPr wrap="square" rtlCol="0">
+            <a:spAutoFit/>
+          </a:bodyPr>
+          <a:lstStyle/>
+          <a:p>
+            <a:pPr algn="ctr"/>
+            <a:r>
+              <a:rPr lang="en-US" sz="1600" b="1" dirty="0">
+                <a:solidFill>
+                  <a:schemeClr val="bg1"/>
+                </a:solidFill>
+                <a:effectLst>
+                  <a:outerShdw blurRad="38100" dist="38100" dir="2700000" algn="tl">
+                    <a:srgbClr val="000000">
+                      <a:alpha val="43137"/>
+                    </a:srgbClr>
+                  </a:outerShdw>
+                </a:effectLst>
+                <a:latin typeface="Century Gothic" panose="020B0502020202020204" pitchFamily="34" charset="0"/>
+              </a:rPr>
+              <a:t>DISIPLIN</a:t>
+            </a:r>
+            <a:endParaRPr lang="en-ID" sz="1600" b="1" dirty="0">
+              <a:solidFill>
+                <a:schemeClr val="bg1"/>
+              </a:solidFill>
+              <a:effectLst>
+                <a:outerShdw blurRad="38100" dist="38100" dir="2700000" algn="tl">
+                  <a:srgbClr val="000000">
+                    <a:alpha val="43137"/>
+                  </a:srgbClr>
+                </a:outerShdw>
+              </a:effectLst>
+              <a:latin typeface="Century Gothic" panose="020B0502020202020204" pitchFamily="34" charset="0"/>
+            </a:endParaRPr>
+          </a:p>
+        </p:txBody>
+      </p:sp>
+      <p:sp>
+        <p:nvSpPr>
+          <p:cNvPr id="16" name="TextBox 15">
+            <a:extLst>
+              <a:ext uri="{FF2B5EF4-FFF2-40B4-BE49-F238E27FC236}">
+                <a16:creationId xmlns:a16="http://schemas.microsoft.com/office/drawing/2014/main" id="{C0F7D8D5-9765-4EB1-9C48-CC574A9131AA}"/>
+              </a:ext>
+            </a:extLst>
+          </p:cNvPr>
+          <p:cNvSpPr txBox="1"/>
+          <p:nvPr/>
+        </p:nvSpPr>
+        <p:spPr>
+          <a:xfrm>
+            <a:off x="3059721" y="4284956"/>
+            <a:ext cx="1688123" cy="338554"/>
+          </a:xfrm>
+          <a:prstGeom prst="rect">
+            <a:avLst/>
+          </a:prstGeom>
+          <a:noFill/>
+        </p:spPr>
+        <p:txBody>
+          <a:bodyPr wrap="square" rtlCol="0">
+            <a:spAutoFit/>
+          </a:bodyPr>
+          <a:lstStyle/>
+          <a:p>
+            <a:pPr algn="ctr"/>
+            <a:r>
+              <a:rPr lang="en-US" sz="1600" b="1" dirty="0">
+                <a:solidFill>
+                  <a:schemeClr val="bg1"/>
+                </a:solidFill>
+                <a:effectLst>
+                  <a:outerShdw blurRad="38100" dist="38100" dir="2700000" algn="tl">
+                    <a:srgbClr val="000000">
+                      <a:alpha val="43137"/>
+                    </a:srgbClr>
+                  </a:outerShdw>
+                </a:effectLst>
+                <a:latin typeface="Century Gothic" panose="020B0502020202020204" pitchFamily="34" charset="0"/>
+              </a:rPr>
+              <a:t>TELITI</a:t>
+            </a:r>
+            <a:endParaRPr lang="en-ID" sz="1600" b="1" dirty="0">
+              <a:solidFill>
+                <a:schemeClr val="bg1"/>
+              </a:solidFill>
+              <a:effectLst>
+                <a:outerShdw blurRad="38100" dist="38100" dir="2700000" algn="tl">
+                  <a:srgbClr val="000000">
+                    <a:alpha val="43137"/>
+                  </a:srgbClr>
+                </a:outerShdw>
+              </a:effectLst>
+              <a:latin typeface="Century Gothic" panose="020B0502020202020204" pitchFamily="34" charset="0"/>
+            </a:endParaRPr>
+          </a:p>
+        </p:txBody>
+      </p:sp>
+      <p:sp>
+        <p:nvSpPr>
+          <p:cNvPr id="17" name="TextBox 16">
+            <a:extLst>
+              <a:ext uri="{FF2B5EF4-FFF2-40B4-BE49-F238E27FC236}">
+                <a16:creationId xmlns:a16="http://schemas.microsoft.com/office/drawing/2014/main" id="{31964D54-E562-452E-8E37-E65BE516EDEF}"/>
+              </a:ext>
+            </a:extLst>
+          </p:cNvPr>
+          <p:cNvSpPr txBox="1"/>
+          <p:nvPr/>
+        </p:nvSpPr>
+        <p:spPr>
+          <a:xfrm>
+            <a:off x="7378501" y="4284956"/>
+            <a:ext cx="1688123" cy="338554"/>
+          </a:xfrm>
+          <a:prstGeom prst="rect">
+            <a:avLst/>
+          </a:prstGeom>
+          <a:noFill/>
+        </p:spPr>
+        <p:txBody>
+          <a:bodyPr wrap="square" rtlCol="0">
+            <a:spAutoFit/>
+          </a:bodyPr>
+          <a:lstStyle/>
+          <a:p>
+            <a:pPr algn="ctr"/>
+            <a:r>
+              <a:rPr lang="en-US" sz="1600" b="1" dirty="0">
+                <a:solidFill>
+                  <a:schemeClr val="bg1"/>
+                </a:solidFill>
+                <a:effectLst>
+                  <a:outerShdw blurRad="38100" dist="38100" dir="2700000" algn="tl">
+                    <a:srgbClr val="000000">
+                      <a:alpha val="43137"/>
+                    </a:srgbClr>
+                  </a:outerShdw>
+                </a:effectLst>
+                <a:latin typeface="Century Gothic" panose="020B0502020202020204" pitchFamily="34" charset="0"/>
+              </a:rPr>
+              <a:t>OVERCLOCK</a:t>
+            </a:r>
+            <a:endParaRPr lang="en-ID" sz="1600" b="1" dirty="0">
+              <a:solidFill>
+                <a:schemeClr val="bg1"/>
+              </a:solidFill>
+              <a:effectLst>
+                <a:outerShdw blurRad="38100" dist="38100" dir="2700000" algn="tl">
+                  <a:srgbClr val="000000">
+                    <a:alpha val="43137"/>
+                  </a:srgbClr>
+                </a:outerShdw>
+              </a:effectLst>
+              <a:latin typeface="Century Gothic" panose="020B0502020202020204" pitchFamily="34" charset="0"/>
+            </a:endParaRPr>
+          </a:p>
+        </p:txBody>
+      </p:sp>
+      <p:sp>
+        <p:nvSpPr>
+          <p:cNvPr id="18" name="TextBox 17">
+            <a:extLst>
+              <a:ext uri="{FF2B5EF4-FFF2-40B4-BE49-F238E27FC236}">
+                <a16:creationId xmlns:a16="http://schemas.microsoft.com/office/drawing/2014/main" id="{3EC88353-2D44-4035-8E9D-9ACB7ED81A6F}"/>
+              </a:ext>
+            </a:extLst>
+          </p:cNvPr>
+          <p:cNvSpPr txBox="1"/>
+          <p:nvPr/>
+        </p:nvSpPr>
+        <p:spPr>
+          <a:xfrm>
+            <a:off x="9120585" y="4331122"/>
+            <a:ext cx="2522730" cy="584775"/>
+          </a:xfrm>
+          <a:prstGeom prst="rect">
+            <a:avLst/>
+          </a:prstGeom>
+          <a:noFill/>
+        </p:spPr>
+        <p:txBody>
+          <a:bodyPr wrap="square" rtlCol="0">
+            <a:spAutoFit/>
+          </a:bodyPr>
+          <a:lstStyle/>
+          <a:p>
+            <a:pPr algn="ctr"/>
+            <a:r>
+              <a:rPr lang="en-US" sz="1600" b="1" dirty="0">
+                <a:solidFill>
+                  <a:schemeClr val="bg1"/>
+                </a:solidFill>
+                <a:effectLst>
+                  <a:outerShdw blurRad="38100" dist="38100" dir="2700000" algn="tl">
+                    <a:srgbClr val="000000">
+                      <a:alpha val="43137"/>
+                    </a:srgbClr>
+                  </a:outerShdw>
+                </a:effectLst>
+                <a:latin typeface="Century Gothic" panose="020B0502020202020204" pitchFamily="34" charset="0"/>
+              </a:rPr>
+              <a:t>MEMBENTUK POLA KOMPUTASIONAL</a:t>
+            </a:r>
+            <a:endParaRPr lang="en-ID" sz="1600" b="1" dirty="0">
+              <a:solidFill>
+                <a:schemeClr val="bg1"/>
+              </a:solidFill>
+              <a:effectLst>
+                <a:outerShdw blurRad="38100" dist="38100" dir="2700000" algn="tl">
+                  <a:srgbClr val="000000">
+                    <a:alpha val="43137"/>
+                  </a:srgbClr>
+                </a:outerShdw>
+              </a:effectLst>
+              <a:latin typeface="Century Gothic" panose="020B0502020202020204" pitchFamily="34" charset="0"/>
+            </a:endParaRPr>
+          </a:p>
+        </p:txBody>
+      </p:sp>
+      <p:sp>
+        <p:nvSpPr>
+          <p:cNvPr id="19" name="TextBox 18">
+            <a:extLst>
+              <a:ext uri="{FF2B5EF4-FFF2-40B4-BE49-F238E27FC236}">
+                <a16:creationId xmlns:a16="http://schemas.microsoft.com/office/drawing/2014/main" id="{013557D9-5806-4E79-BD24-127DED781498}"/>
+              </a:ext>
+            </a:extLst>
+          </p:cNvPr>
+          <p:cNvSpPr txBox="1"/>
+          <p:nvPr/>
+        </p:nvSpPr>
+        <p:spPr>
+          <a:xfrm>
+            <a:off x="5116689" y="4290856"/>
+            <a:ext cx="1958618" cy="338554"/>
+          </a:xfrm>
+          <a:prstGeom prst="rect">
+            <a:avLst/>
+          </a:prstGeom>
+          <a:noFill/>
+        </p:spPr>
+        <p:txBody>
+          <a:bodyPr wrap="square" rtlCol="0">
+            <a:spAutoFit/>
+          </a:bodyPr>
+          <a:lstStyle/>
+          <a:p>
+            <a:pPr algn="ctr"/>
+            <a:r>
+              <a:rPr lang="en-US" sz="1600" b="1" dirty="0">
+                <a:solidFill>
+                  <a:schemeClr val="bg1"/>
+                </a:solidFill>
+                <a:effectLst>
+                  <a:outerShdw blurRad="38100" dist="38100" dir="2700000" algn="tl">
+                    <a:srgbClr val="000000">
+                      <a:alpha val="43137"/>
+                    </a:srgbClr>
+                  </a:outerShdw>
+                </a:effectLst>
+                <a:latin typeface="Century Gothic" panose="020B0502020202020204" pitchFamily="34" charset="0"/>
+              </a:rPr>
+              <a:t>BERPIKIR ABSTRAK</a:t>
+            </a:r>
+            <a:endParaRPr lang="en-ID" sz="1600" b="1" dirty="0">
+              <a:solidFill>
+                <a:schemeClr val="bg1"/>
+              </a:solidFill>
+              <a:effectLst>
+                <a:outerShdw blurRad="38100" dist="38100" dir="2700000" algn="tl">
+                  <a:srgbClr val="000000">
+                    <a:alpha val="43137"/>
+                  </a:srgbClr>
+                </a:outerShdw>
+              </a:effectLst>
+              <a:latin typeface="Century Gothic" panose="020B0502020202020204" pitchFamily="34" charset="0"/>
+            </a:endParaRPr>
+          </a:p>
+        </p:txBody>
+      </p:sp>
+      <p:sp>
+        <p:nvSpPr>
+          <p:cNvPr id="20" name="TextBox 19">
+            <a:extLst>
+              <a:ext uri="{FF2B5EF4-FFF2-40B4-BE49-F238E27FC236}">
+                <a16:creationId xmlns:a16="http://schemas.microsoft.com/office/drawing/2014/main" id="{B413F28D-A841-42C1-865A-D23B1308664E}"/>
+              </a:ext>
+            </a:extLst>
+          </p:cNvPr>
+          <p:cNvSpPr txBox="1"/>
+          <p:nvPr/>
+        </p:nvSpPr>
+        <p:spPr>
+          <a:xfrm>
+            <a:off x="868679" y="4760910"/>
+            <a:ext cx="1688123" cy="1323439"/>
+          </a:xfrm>
+          <a:prstGeom prst="rect">
+            <a:avLst/>
+          </a:prstGeom>
+          <a:noFill/>
+        </p:spPr>
+        <p:txBody>
+          <a:bodyPr wrap="square" rtlCol="0">
+            <a:spAutoFit/>
+          </a:bodyPr>
+          <a:lstStyle/>
+          <a:p>
+            <a:pPr algn="ctr"/>
+            <a:r>
+              <a:rPr lang="en-US" sz="1600" dirty="0">
+                <a:solidFill>
+                  <a:schemeClr val="bg1"/>
+                </a:solidFill>
+                <a:latin typeface="Avenir Next LT Pro" panose="020B0504020202020204" pitchFamily="34" charset="0"/>
+              </a:rPr>
+              <a:t>Bahasa </a:t>
+            </a:r>
+            <a:r>
+              <a:rPr lang="en-US" sz="1600" dirty="0" err="1">
+                <a:solidFill>
+                  <a:schemeClr val="bg1"/>
+                </a:solidFill>
+                <a:latin typeface="Avenir Next LT Pro" panose="020B0504020202020204" pitchFamily="34" charset="0"/>
+              </a:rPr>
+              <a:t>pemrograman</a:t>
+            </a:r>
+            <a:r>
+              <a:rPr lang="en-US" sz="1600" dirty="0">
+                <a:solidFill>
+                  <a:schemeClr val="bg1"/>
+                </a:solidFill>
+                <a:latin typeface="Avenir Next LT Pro" panose="020B0504020202020204" pitchFamily="34" charset="0"/>
+              </a:rPr>
+              <a:t> </a:t>
+            </a:r>
+            <a:r>
+              <a:rPr lang="en-US" sz="1600" dirty="0" err="1">
+                <a:solidFill>
+                  <a:schemeClr val="bg1"/>
+                </a:solidFill>
+                <a:latin typeface="Avenir Next LT Pro" panose="020B0504020202020204" pitchFamily="34" charset="0"/>
+              </a:rPr>
+              <a:t>memiliki</a:t>
+            </a:r>
+            <a:r>
+              <a:rPr lang="en-US" sz="1600" dirty="0">
+                <a:solidFill>
+                  <a:schemeClr val="bg1"/>
+                </a:solidFill>
+                <a:latin typeface="Avenir Next LT Pro" panose="020B0504020202020204" pitchFamily="34" charset="0"/>
+              </a:rPr>
+              <a:t> </a:t>
+            </a:r>
+            <a:r>
+              <a:rPr lang="en-US" sz="1600" dirty="0" err="1">
+                <a:solidFill>
+                  <a:schemeClr val="bg1"/>
+                </a:solidFill>
+                <a:latin typeface="Avenir Next LT Pro" panose="020B0504020202020204" pitchFamily="34" charset="0"/>
+              </a:rPr>
+              <a:t>aturan</a:t>
+            </a:r>
+            <a:r>
+              <a:rPr lang="en-US" sz="1600" dirty="0">
+                <a:solidFill>
+                  <a:schemeClr val="bg1"/>
+                </a:solidFill>
+                <a:latin typeface="Avenir Next LT Pro" panose="020B0504020202020204" pitchFamily="34" charset="0"/>
+              </a:rPr>
+              <a:t> yang </a:t>
+            </a:r>
+            <a:r>
+              <a:rPr lang="en-US" sz="1600" dirty="0" err="1">
+                <a:solidFill>
+                  <a:schemeClr val="bg1"/>
+                </a:solidFill>
+                <a:latin typeface="Avenir Next LT Pro" panose="020B0504020202020204" pitchFamily="34" charset="0"/>
+              </a:rPr>
+              <a:t>berbeda</a:t>
+            </a:r>
+            <a:r>
+              <a:rPr lang="en-US" sz="1600" dirty="0">
+                <a:solidFill>
+                  <a:schemeClr val="bg1"/>
+                </a:solidFill>
+                <a:latin typeface="Avenir Next LT Pro" panose="020B0504020202020204" pitchFamily="34" charset="0"/>
+              </a:rPr>
+              <a:t> </a:t>
+            </a:r>
+            <a:r>
+              <a:rPr lang="en-US" sz="1600" dirty="0" err="1">
+                <a:solidFill>
+                  <a:schemeClr val="bg1"/>
+                </a:solidFill>
+                <a:latin typeface="Avenir Next LT Pro" panose="020B0504020202020204" pitchFamily="34" charset="0"/>
+              </a:rPr>
+              <a:t>beda</a:t>
+            </a:r>
+            <a:endParaRPr lang="en-ID" sz="1600" dirty="0">
+              <a:solidFill>
+                <a:schemeClr val="bg1"/>
+              </a:solidFill>
+              <a:latin typeface="Avenir Next LT Pro" panose="020B0504020202020204" pitchFamily="34" charset="0"/>
+            </a:endParaRPr>
+          </a:p>
+        </p:txBody>
+      </p:sp>
+      <p:sp>
+        <p:nvSpPr>
+          <p:cNvPr id="21" name="TextBox 20">
+            <a:extLst>
+              <a:ext uri="{FF2B5EF4-FFF2-40B4-BE49-F238E27FC236}">
+                <a16:creationId xmlns:a16="http://schemas.microsoft.com/office/drawing/2014/main" id="{442AFC9E-4A7E-41D0-B9F0-7DABF892E262}"/>
+              </a:ext>
+            </a:extLst>
+          </p:cNvPr>
+          <p:cNvSpPr txBox="1"/>
+          <p:nvPr/>
+        </p:nvSpPr>
+        <p:spPr>
+          <a:xfrm>
+            <a:off x="3059721" y="4791463"/>
+            <a:ext cx="1688123" cy="1323439"/>
+          </a:xfrm>
+          <a:prstGeom prst="rect">
+            <a:avLst/>
+          </a:prstGeom>
+          <a:noFill/>
+        </p:spPr>
+        <p:txBody>
+          <a:bodyPr wrap="square" rtlCol="0">
+            <a:spAutoFit/>
+          </a:bodyPr>
+          <a:lstStyle/>
+          <a:p>
+            <a:pPr algn="ctr"/>
+            <a:r>
+              <a:rPr lang="en-US" sz="1600" dirty="0" err="1">
+                <a:solidFill>
+                  <a:schemeClr val="bg1"/>
+                </a:solidFill>
+                <a:latin typeface="Avenir Next LT Pro" panose="020B0504020202020204" pitchFamily="34" charset="0"/>
+              </a:rPr>
+              <a:t>Saat</a:t>
+            </a:r>
+            <a:r>
+              <a:rPr lang="en-US" sz="1600" dirty="0">
+                <a:solidFill>
+                  <a:schemeClr val="bg1"/>
+                </a:solidFill>
+                <a:latin typeface="Avenir Next LT Pro" panose="020B0504020202020204" pitchFamily="34" charset="0"/>
+              </a:rPr>
+              <a:t> </a:t>
+            </a:r>
+            <a:r>
+              <a:rPr lang="en-US" sz="1600" dirty="0" err="1">
+                <a:solidFill>
+                  <a:schemeClr val="bg1"/>
+                </a:solidFill>
+                <a:latin typeface="Avenir Next LT Pro" panose="020B0504020202020204" pitchFamily="34" charset="0"/>
+              </a:rPr>
+              <a:t>menuliskan</a:t>
+            </a:r>
+            <a:r>
+              <a:rPr lang="en-US" sz="1600" dirty="0">
+                <a:solidFill>
+                  <a:schemeClr val="bg1"/>
+                </a:solidFill>
+                <a:latin typeface="Avenir Next LT Pro" panose="020B0504020202020204" pitchFamily="34" charset="0"/>
+              </a:rPr>
+              <a:t> </a:t>
+            </a:r>
+            <a:r>
+              <a:rPr lang="en-US" sz="1600" dirty="0" err="1">
+                <a:solidFill>
+                  <a:schemeClr val="bg1"/>
+                </a:solidFill>
+                <a:latin typeface="Avenir Next LT Pro" panose="020B0504020202020204" pitchFamily="34" charset="0"/>
+              </a:rPr>
+              <a:t>sebuah</a:t>
+            </a:r>
+            <a:r>
+              <a:rPr lang="en-US" sz="1600" dirty="0">
+                <a:solidFill>
+                  <a:schemeClr val="bg1"/>
+                </a:solidFill>
+                <a:latin typeface="Avenir Next LT Pro" panose="020B0504020202020204" pitchFamily="34" charset="0"/>
+              </a:rPr>
+              <a:t> function </a:t>
+            </a:r>
+            <a:r>
+              <a:rPr lang="en-US" sz="1600" dirty="0" err="1">
+                <a:solidFill>
+                  <a:schemeClr val="bg1"/>
+                </a:solidFill>
+                <a:latin typeface="Avenir Next LT Pro" panose="020B0504020202020204" pitchFamily="34" charset="0"/>
+              </a:rPr>
+              <a:t>terkadang</a:t>
+            </a:r>
+            <a:r>
+              <a:rPr lang="en-US" sz="1600" dirty="0">
+                <a:solidFill>
+                  <a:schemeClr val="bg1"/>
+                </a:solidFill>
+                <a:latin typeface="Avenir Next LT Pro" panose="020B0504020202020204" pitchFamily="34" charset="0"/>
+              </a:rPr>
+              <a:t> </a:t>
+            </a:r>
+            <a:r>
+              <a:rPr lang="en-US" sz="1600" dirty="0" err="1">
+                <a:solidFill>
+                  <a:schemeClr val="bg1"/>
+                </a:solidFill>
+                <a:latin typeface="Avenir Next LT Pro" panose="020B0504020202020204" pitchFamily="34" charset="0"/>
+              </a:rPr>
+              <a:t>harus</a:t>
+            </a:r>
+            <a:r>
+              <a:rPr lang="en-US" sz="1600" dirty="0">
+                <a:solidFill>
+                  <a:schemeClr val="bg1"/>
+                </a:solidFill>
+                <a:latin typeface="Avenir Next LT Pro" panose="020B0504020202020204" pitchFamily="34" charset="0"/>
+              </a:rPr>
+              <a:t> sensitive case</a:t>
+            </a:r>
+            <a:endParaRPr lang="en-ID" sz="1600" dirty="0">
+              <a:solidFill>
+                <a:schemeClr val="bg1"/>
+              </a:solidFill>
+              <a:latin typeface="Avenir Next LT Pro" panose="020B0504020202020204" pitchFamily="34" charset="0"/>
+            </a:endParaRPr>
+          </a:p>
+        </p:txBody>
+      </p:sp>
+      <p:sp>
+        <p:nvSpPr>
+          <p:cNvPr id="22" name="TextBox 21">
+            <a:extLst>
+              <a:ext uri="{FF2B5EF4-FFF2-40B4-BE49-F238E27FC236}">
+                <a16:creationId xmlns:a16="http://schemas.microsoft.com/office/drawing/2014/main" id="{443E9671-544D-4557-B7F0-38CF029ABF53}"/>
+              </a:ext>
+            </a:extLst>
+          </p:cNvPr>
+          <p:cNvSpPr txBox="1"/>
+          <p:nvPr/>
+        </p:nvSpPr>
+        <p:spPr>
+          <a:xfrm>
+            <a:off x="5251938" y="4800840"/>
+            <a:ext cx="1688123" cy="1569660"/>
+          </a:xfrm>
+          <a:prstGeom prst="rect">
+            <a:avLst/>
+          </a:prstGeom>
+          <a:noFill/>
+        </p:spPr>
+        <p:txBody>
+          <a:bodyPr wrap="square" rtlCol="0">
+            <a:spAutoFit/>
+          </a:bodyPr>
+          <a:lstStyle/>
+          <a:p>
+            <a:pPr algn="ctr"/>
+            <a:r>
+              <a:rPr lang="en-US" sz="1600" dirty="0" err="1">
+                <a:solidFill>
+                  <a:schemeClr val="bg1"/>
+                </a:solidFill>
+                <a:latin typeface="Avenir Next LT Pro" panose="020B0504020202020204" pitchFamily="34" charset="0"/>
+              </a:rPr>
+              <a:t>Menyembunyikan</a:t>
+            </a:r>
+            <a:r>
+              <a:rPr lang="en-US" sz="1600" dirty="0">
+                <a:solidFill>
+                  <a:schemeClr val="bg1"/>
+                </a:solidFill>
+                <a:latin typeface="Avenir Next LT Pro" panose="020B0504020202020204" pitchFamily="34" charset="0"/>
+              </a:rPr>
+              <a:t> </a:t>
+            </a:r>
+            <a:r>
+              <a:rPr lang="en-US" sz="1600" dirty="0" err="1">
+                <a:solidFill>
+                  <a:schemeClr val="bg1"/>
+                </a:solidFill>
+                <a:latin typeface="Avenir Next LT Pro" panose="020B0504020202020204" pitchFamily="34" charset="0"/>
+              </a:rPr>
+              <a:t>kesulitan</a:t>
+            </a:r>
+            <a:r>
+              <a:rPr lang="en-US" sz="1600" dirty="0">
+                <a:solidFill>
+                  <a:schemeClr val="bg1"/>
+                </a:solidFill>
+                <a:latin typeface="Avenir Next LT Pro" panose="020B0504020202020204" pitchFamily="34" charset="0"/>
+              </a:rPr>
+              <a:t> </a:t>
+            </a:r>
+            <a:r>
+              <a:rPr lang="en-US" sz="1600" dirty="0" err="1">
+                <a:solidFill>
+                  <a:schemeClr val="bg1"/>
+                </a:solidFill>
+                <a:latin typeface="Avenir Next LT Pro" panose="020B0504020202020204" pitchFamily="34" charset="0"/>
+              </a:rPr>
+              <a:t>atau</a:t>
+            </a:r>
+            <a:r>
+              <a:rPr lang="en-US" sz="1600" dirty="0">
+                <a:solidFill>
+                  <a:schemeClr val="bg1"/>
+                </a:solidFill>
+                <a:latin typeface="Avenir Next LT Pro" panose="020B0504020202020204" pitchFamily="34" charset="0"/>
+              </a:rPr>
+              <a:t> </a:t>
+            </a:r>
+            <a:r>
+              <a:rPr lang="en-US" sz="1600" dirty="0" err="1">
+                <a:solidFill>
+                  <a:schemeClr val="bg1"/>
+                </a:solidFill>
+                <a:latin typeface="Avenir Next LT Pro" panose="020B0504020202020204" pitchFamily="34" charset="0"/>
+              </a:rPr>
+              <a:t>kompleksitifitas</a:t>
+            </a:r>
+            <a:r>
+              <a:rPr lang="en-US" sz="1600" dirty="0">
+                <a:solidFill>
+                  <a:schemeClr val="bg1"/>
+                </a:solidFill>
+                <a:latin typeface="Avenir Next LT Pro" panose="020B0504020202020204" pitchFamily="34" charset="0"/>
+              </a:rPr>
+              <a:t> agar </a:t>
+            </a:r>
+            <a:r>
+              <a:rPr lang="en-US" sz="1600" dirty="0" err="1">
+                <a:solidFill>
+                  <a:schemeClr val="bg1"/>
+                </a:solidFill>
+                <a:latin typeface="Avenir Next LT Pro" panose="020B0504020202020204" pitchFamily="34" charset="0"/>
+              </a:rPr>
+              <a:t>lebih</a:t>
+            </a:r>
+            <a:r>
+              <a:rPr lang="en-US" sz="1600" dirty="0">
+                <a:solidFill>
+                  <a:schemeClr val="bg1"/>
+                </a:solidFill>
+                <a:latin typeface="Avenir Next LT Pro" panose="020B0504020202020204" pitchFamily="34" charset="0"/>
+              </a:rPr>
+              <a:t> </a:t>
+            </a:r>
+            <a:r>
+              <a:rPr lang="en-US" sz="1600" dirty="0" err="1">
+                <a:solidFill>
+                  <a:schemeClr val="bg1"/>
+                </a:solidFill>
+                <a:latin typeface="Avenir Next LT Pro" panose="020B0504020202020204" pitchFamily="34" charset="0"/>
+              </a:rPr>
+              <a:t>mudah</a:t>
+            </a:r>
+            <a:endParaRPr lang="en-ID" sz="1600" dirty="0">
+              <a:solidFill>
+                <a:schemeClr val="bg1"/>
+              </a:solidFill>
+              <a:latin typeface="Avenir Next LT Pro" panose="020B0504020202020204" pitchFamily="34" charset="0"/>
+            </a:endParaRPr>
+          </a:p>
+        </p:txBody>
+      </p:sp>
+      <p:sp>
+        <p:nvSpPr>
+          <p:cNvPr id="23" name="TextBox 22">
+            <a:extLst>
+              <a:ext uri="{FF2B5EF4-FFF2-40B4-BE49-F238E27FC236}">
+                <a16:creationId xmlns:a16="http://schemas.microsoft.com/office/drawing/2014/main" id="{896B19E5-9D7E-45CE-A03B-26A8D99F0ED0}"/>
+              </a:ext>
+            </a:extLst>
+          </p:cNvPr>
+          <p:cNvSpPr txBox="1"/>
+          <p:nvPr/>
+        </p:nvSpPr>
+        <p:spPr>
+          <a:xfrm>
+            <a:off x="7378500" y="4800840"/>
+            <a:ext cx="1688123" cy="1077218"/>
+          </a:xfrm>
+          <a:prstGeom prst="rect">
+            <a:avLst/>
+          </a:prstGeom>
+          <a:noFill/>
+        </p:spPr>
+        <p:txBody>
+          <a:bodyPr wrap="square" rtlCol="0">
+            <a:spAutoFit/>
+          </a:bodyPr>
+          <a:lstStyle/>
+          <a:p>
+            <a:pPr algn="ctr"/>
+            <a:r>
+              <a:rPr lang="en-US" sz="1600" dirty="0" err="1">
+                <a:solidFill>
+                  <a:schemeClr val="bg1"/>
+                </a:solidFill>
+                <a:latin typeface="Avenir Next LT Pro" panose="020B0504020202020204" pitchFamily="34" charset="0"/>
+              </a:rPr>
+              <a:t>Mengubah</a:t>
+            </a:r>
+            <a:r>
+              <a:rPr lang="en-US" sz="1600" dirty="0">
+                <a:solidFill>
+                  <a:schemeClr val="bg1"/>
+                </a:solidFill>
+                <a:latin typeface="Avenir Next LT Pro" panose="020B0504020202020204" pitchFamily="34" charset="0"/>
+              </a:rPr>
+              <a:t> computer </a:t>
+            </a:r>
+            <a:r>
+              <a:rPr lang="en-US" sz="1600" dirty="0" err="1">
+                <a:solidFill>
+                  <a:schemeClr val="bg1"/>
+                </a:solidFill>
+                <a:latin typeface="Avenir Next LT Pro" panose="020B0504020202020204" pitchFamily="34" charset="0"/>
+              </a:rPr>
+              <a:t>menjadi</a:t>
+            </a:r>
+            <a:r>
+              <a:rPr lang="en-US" sz="1600" dirty="0">
+                <a:solidFill>
+                  <a:schemeClr val="bg1"/>
+                </a:solidFill>
+                <a:latin typeface="Avenir Next LT Pro" panose="020B0504020202020204" pitchFamily="34" charset="0"/>
+              </a:rPr>
+              <a:t> </a:t>
+            </a:r>
+            <a:r>
+              <a:rPr lang="en-US" sz="1600" dirty="0" err="1">
+                <a:solidFill>
+                  <a:schemeClr val="bg1"/>
+                </a:solidFill>
+                <a:latin typeface="Avenir Next LT Pro" panose="020B0504020202020204" pitchFamily="34" charset="0"/>
+              </a:rPr>
+              <a:t>alat</a:t>
+            </a:r>
+            <a:r>
+              <a:rPr lang="en-US" sz="1600" dirty="0">
+                <a:solidFill>
+                  <a:schemeClr val="bg1"/>
+                </a:solidFill>
+                <a:latin typeface="Avenir Next LT Pro" panose="020B0504020202020204" pitchFamily="34" charset="0"/>
+              </a:rPr>
+              <a:t> yang </a:t>
+            </a:r>
+            <a:r>
+              <a:rPr lang="en-US" sz="1600" dirty="0" err="1">
+                <a:solidFill>
+                  <a:schemeClr val="bg1"/>
+                </a:solidFill>
+                <a:latin typeface="Avenir Next LT Pro" panose="020B0504020202020204" pitchFamily="34" charset="0"/>
+              </a:rPr>
+              <a:t>powerfull</a:t>
+            </a:r>
+            <a:endParaRPr lang="en-ID" sz="1600" dirty="0">
+              <a:solidFill>
+                <a:schemeClr val="bg1"/>
+              </a:solidFill>
+              <a:latin typeface="Avenir Next LT Pro" panose="020B0504020202020204" pitchFamily="34" charset="0"/>
+            </a:endParaRPr>
+          </a:p>
+        </p:txBody>
+      </p:sp>
+      <p:sp>
+        <p:nvSpPr>
+          <p:cNvPr id="24" name="TextBox 23">
+            <a:extLst>
+              <a:ext uri="{FF2B5EF4-FFF2-40B4-BE49-F238E27FC236}">
+                <a16:creationId xmlns:a16="http://schemas.microsoft.com/office/drawing/2014/main" id="{F088EA85-2CC3-44AE-9647-4FB1E0771E74}"/>
+              </a:ext>
+            </a:extLst>
+          </p:cNvPr>
+          <p:cNvSpPr txBox="1"/>
+          <p:nvPr/>
+        </p:nvSpPr>
+        <p:spPr>
+          <a:xfrm>
+            <a:off x="9537888" y="4983166"/>
+            <a:ext cx="1688123" cy="1077218"/>
+          </a:xfrm>
+          <a:prstGeom prst="rect">
+            <a:avLst/>
+          </a:prstGeom>
+          <a:noFill/>
+        </p:spPr>
+        <p:txBody>
+          <a:bodyPr wrap="square" rtlCol="0">
+            <a:spAutoFit/>
+          </a:bodyPr>
+          <a:lstStyle/>
+          <a:p>
+            <a:pPr algn="ctr"/>
+            <a:r>
+              <a:rPr lang="en-US" sz="1600" dirty="0" err="1">
+                <a:solidFill>
+                  <a:schemeClr val="bg1"/>
+                </a:solidFill>
+                <a:latin typeface="Avenir Next LT Pro" panose="020B0504020202020204" pitchFamily="34" charset="0"/>
+              </a:rPr>
+              <a:t>Belajar</a:t>
+            </a:r>
+            <a:r>
+              <a:rPr lang="en-US" sz="1600" dirty="0">
+                <a:solidFill>
+                  <a:schemeClr val="bg1"/>
+                </a:solidFill>
+                <a:latin typeface="Avenir Next LT Pro" panose="020B0504020202020204" pitchFamily="34" charset="0"/>
+              </a:rPr>
+              <a:t> </a:t>
+            </a:r>
+            <a:r>
+              <a:rPr lang="en-US" sz="1600" dirty="0" err="1">
+                <a:solidFill>
+                  <a:schemeClr val="bg1"/>
+                </a:solidFill>
+                <a:latin typeface="Avenir Next LT Pro" panose="020B0504020202020204" pitchFamily="34" charset="0"/>
+              </a:rPr>
+              <a:t>algoritma</a:t>
+            </a:r>
+            <a:r>
+              <a:rPr lang="en-US" sz="1600" dirty="0">
+                <a:solidFill>
+                  <a:schemeClr val="bg1"/>
+                </a:solidFill>
+                <a:latin typeface="Avenir Next LT Pro" panose="020B0504020202020204" pitchFamily="34" charset="0"/>
+              </a:rPr>
+              <a:t> </a:t>
+            </a:r>
+            <a:r>
+              <a:rPr lang="en-US" sz="1600" dirty="0" err="1">
+                <a:solidFill>
+                  <a:schemeClr val="bg1"/>
+                </a:solidFill>
+                <a:latin typeface="Avenir Next LT Pro" panose="020B0504020202020204" pitchFamily="34" charset="0"/>
+              </a:rPr>
+              <a:t>untuk</a:t>
+            </a:r>
+            <a:r>
+              <a:rPr lang="en-US" sz="1600" dirty="0">
+                <a:solidFill>
+                  <a:schemeClr val="bg1"/>
+                </a:solidFill>
+                <a:latin typeface="Avenir Next LT Pro" panose="020B0504020202020204" pitchFamily="34" charset="0"/>
+              </a:rPr>
+              <a:t> </a:t>
+            </a:r>
+            <a:r>
+              <a:rPr lang="en-US" sz="1600" dirty="0" err="1">
+                <a:solidFill>
+                  <a:schemeClr val="bg1"/>
+                </a:solidFill>
+                <a:latin typeface="Avenir Next LT Pro" panose="020B0504020202020204" pitchFamily="34" charset="0"/>
+              </a:rPr>
+              <a:t>memecahkan</a:t>
+            </a:r>
+            <a:r>
+              <a:rPr lang="en-US" sz="1600" dirty="0">
+                <a:solidFill>
+                  <a:schemeClr val="bg1"/>
+                </a:solidFill>
+                <a:latin typeface="Avenir Next LT Pro" panose="020B0504020202020204" pitchFamily="34" charset="0"/>
+              </a:rPr>
+              <a:t> </a:t>
+            </a:r>
+            <a:r>
+              <a:rPr lang="en-US" sz="1600" dirty="0" err="1">
+                <a:solidFill>
+                  <a:schemeClr val="bg1"/>
+                </a:solidFill>
+                <a:latin typeface="Avenir Next LT Pro" panose="020B0504020202020204" pitchFamily="34" charset="0"/>
+              </a:rPr>
+              <a:t>masalah</a:t>
+            </a:r>
+            <a:endParaRPr lang="en-ID" sz="1600" dirty="0">
+              <a:solidFill>
+                <a:schemeClr val="bg1"/>
+              </a:solidFill>
+              <a:latin typeface="Avenir Next LT Pro" panose="020B0504020202020204" pitchFamily="34" charset="0"/>
+            </a:endParaRPr>
+          </a:p>
+        </p:txBody>
+      </p:sp>
+      <p:sp>
+        <p:nvSpPr>
+          <p:cNvPr id="25" name="TextBox 24">
+            <a:extLst>
+              <a:ext uri="{FF2B5EF4-FFF2-40B4-BE49-F238E27FC236}">
+                <a16:creationId xmlns:a16="http://schemas.microsoft.com/office/drawing/2014/main" id="{983639B1-C53F-4A54-B17F-97398BEB9D1F}"/>
+              </a:ext>
+            </a:extLst>
+          </p:cNvPr>
+          <p:cNvSpPr txBox="1"/>
+          <p:nvPr/>
+        </p:nvSpPr>
+        <p:spPr>
+          <a:xfrm>
+            <a:off x="1145929" y="3039582"/>
+            <a:ext cx="1133621" cy="769441"/>
+          </a:xfrm>
+          <a:prstGeom prst="rect">
+            <a:avLst/>
+          </a:prstGeom>
+          <a:noFill/>
+        </p:spPr>
+        <p:txBody>
+          <a:bodyPr wrap="square" rtlCol="0">
+            <a:spAutoFit/>
+          </a:bodyPr>
+          <a:lstStyle/>
+          <a:p>
+            <a:pPr algn="ctr"/>
+            <a:r>
+              <a:rPr lang="en-US" sz="4400" b="1" dirty="0">
+                <a:solidFill>
+                  <a:schemeClr val="bg1"/>
+                </a:solidFill>
+                <a:effectLst>
+                  <a:outerShdw blurRad="38100" dist="38100" dir="2700000" algn="tl">
+                    <a:srgbClr val="000000">
+                      <a:alpha val="43137"/>
+                    </a:srgbClr>
+                  </a:outerShdw>
+                </a:effectLst>
+                <a:latin typeface="Arial Black" panose="020B0A04020102020204" pitchFamily="34" charset="0"/>
+              </a:rPr>
+              <a:t>01</a:t>
+            </a:r>
+            <a:endParaRPr lang="en-ID" sz="4400" b="1" dirty="0">
+              <a:solidFill>
+                <a:schemeClr val="bg1"/>
+              </a:solidFill>
+              <a:effectLst>
+                <a:outerShdw blurRad="38100" dist="38100" dir="2700000" algn="tl">
+                  <a:srgbClr val="000000">
+                    <a:alpha val="43137"/>
+                  </a:srgbClr>
+                </a:outerShdw>
+              </a:effectLst>
+              <a:latin typeface="Arial Black" panose="020B0A04020102020204" pitchFamily="34" charset="0"/>
+            </a:endParaRPr>
+          </a:p>
+        </p:txBody>
+      </p:sp>
+      <p:sp>
+        <p:nvSpPr>
+          <p:cNvPr id="26" name="TextBox 25">
+            <a:extLst>
+              <a:ext uri="{FF2B5EF4-FFF2-40B4-BE49-F238E27FC236}">
+                <a16:creationId xmlns:a16="http://schemas.microsoft.com/office/drawing/2014/main" id="{C246FE37-5683-4CEC-A3CB-880B5C75B974}"/>
+              </a:ext>
+            </a:extLst>
+          </p:cNvPr>
+          <p:cNvSpPr txBox="1"/>
+          <p:nvPr/>
+        </p:nvSpPr>
+        <p:spPr>
+          <a:xfrm>
+            <a:off x="3336971" y="3039581"/>
+            <a:ext cx="1133621" cy="769441"/>
+          </a:xfrm>
+          <a:prstGeom prst="rect">
+            <a:avLst/>
+          </a:prstGeom>
+          <a:noFill/>
+        </p:spPr>
+        <p:txBody>
+          <a:bodyPr wrap="square" rtlCol="0">
+            <a:spAutoFit/>
+          </a:bodyPr>
+          <a:lstStyle/>
+          <a:p>
+            <a:pPr algn="ctr"/>
+            <a:r>
+              <a:rPr lang="en-US" sz="4400" b="1" dirty="0">
+                <a:solidFill>
+                  <a:schemeClr val="bg1"/>
+                </a:solidFill>
+                <a:effectLst>
+                  <a:outerShdw blurRad="38100" dist="38100" dir="2700000" algn="tl">
+                    <a:srgbClr val="000000">
+                      <a:alpha val="43137"/>
+                    </a:srgbClr>
+                  </a:outerShdw>
+                </a:effectLst>
+                <a:latin typeface="Arial Black" panose="020B0A04020102020204" pitchFamily="34" charset="0"/>
+              </a:rPr>
+              <a:t>02</a:t>
+            </a:r>
+            <a:endParaRPr lang="en-ID" sz="4400" b="1" dirty="0">
+              <a:solidFill>
+                <a:schemeClr val="bg1"/>
+              </a:solidFill>
+              <a:effectLst>
+                <a:outerShdw blurRad="38100" dist="38100" dir="2700000" algn="tl">
+                  <a:srgbClr val="000000">
+                    <a:alpha val="43137"/>
+                  </a:srgbClr>
+                </a:outerShdw>
+              </a:effectLst>
+              <a:latin typeface="Arial Black" panose="020B0A04020102020204" pitchFamily="34" charset="0"/>
+            </a:endParaRPr>
+          </a:p>
+        </p:txBody>
+      </p:sp>
+      <p:sp>
+        <p:nvSpPr>
+          <p:cNvPr id="27" name="TextBox 26">
+            <a:extLst>
+              <a:ext uri="{FF2B5EF4-FFF2-40B4-BE49-F238E27FC236}">
+                <a16:creationId xmlns:a16="http://schemas.microsoft.com/office/drawing/2014/main" id="{DC5DAAD4-96DB-4E1D-A85A-2A063167AB74}"/>
+              </a:ext>
+            </a:extLst>
+          </p:cNvPr>
+          <p:cNvSpPr txBox="1"/>
+          <p:nvPr/>
+        </p:nvSpPr>
+        <p:spPr>
+          <a:xfrm>
+            <a:off x="7655753" y="3039580"/>
+            <a:ext cx="1133621" cy="769441"/>
+          </a:xfrm>
+          <a:prstGeom prst="rect">
+            <a:avLst/>
+          </a:prstGeom>
+          <a:noFill/>
+        </p:spPr>
+        <p:txBody>
+          <a:bodyPr wrap="square" rtlCol="0">
+            <a:spAutoFit/>
+          </a:bodyPr>
+          <a:lstStyle/>
+          <a:p>
+            <a:pPr algn="ctr"/>
+            <a:r>
+              <a:rPr lang="en-US" sz="4400" b="1" dirty="0">
+                <a:solidFill>
+                  <a:schemeClr val="bg1"/>
+                </a:solidFill>
+                <a:effectLst>
+                  <a:outerShdw blurRad="38100" dist="38100" dir="2700000" algn="tl">
+                    <a:srgbClr val="000000">
+                      <a:alpha val="43137"/>
+                    </a:srgbClr>
+                  </a:outerShdw>
+                </a:effectLst>
+                <a:latin typeface="Arial Black" panose="020B0A04020102020204" pitchFamily="34" charset="0"/>
+              </a:rPr>
+              <a:t>04</a:t>
+            </a:r>
+            <a:endParaRPr lang="en-ID" sz="4400" b="1" dirty="0">
+              <a:solidFill>
+                <a:schemeClr val="bg1"/>
+              </a:solidFill>
+              <a:effectLst>
+                <a:outerShdw blurRad="38100" dist="38100" dir="2700000" algn="tl">
+                  <a:srgbClr val="000000">
+                    <a:alpha val="43137"/>
+                  </a:srgbClr>
+                </a:outerShdw>
+              </a:effectLst>
+              <a:latin typeface="Arial Black" panose="020B0A04020102020204" pitchFamily="34" charset="0"/>
+            </a:endParaRPr>
+          </a:p>
+        </p:txBody>
+      </p:sp>
+      <p:sp>
+        <p:nvSpPr>
+          <p:cNvPr id="28" name="TextBox 27">
+            <a:extLst>
+              <a:ext uri="{FF2B5EF4-FFF2-40B4-BE49-F238E27FC236}">
+                <a16:creationId xmlns:a16="http://schemas.microsoft.com/office/drawing/2014/main" id="{0F796EBC-790D-4346-B118-CBD3BE4D0295}"/>
+              </a:ext>
+            </a:extLst>
+          </p:cNvPr>
+          <p:cNvSpPr txBox="1"/>
+          <p:nvPr/>
+        </p:nvSpPr>
+        <p:spPr>
+          <a:xfrm>
+            <a:off x="9815140" y="3039580"/>
+            <a:ext cx="1133621" cy="769441"/>
+          </a:xfrm>
+          <a:prstGeom prst="rect">
+            <a:avLst/>
+          </a:prstGeom>
+          <a:noFill/>
+        </p:spPr>
+        <p:txBody>
+          <a:bodyPr wrap="square" rtlCol="0">
+            <a:spAutoFit/>
+          </a:bodyPr>
+          <a:lstStyle/>
+          <a:p>
+            <a:pPr algn="ctr"/>
+            <a:r>
+              <a:rPr lang="en-US" sz="4400" b="1" dirty="0">
+                <a:solidFill>
+                  <a:schemeClr val="bg1"/>
+                </a:solidFill>
+                <a:effectLst>
+                  <a:outerShdw blurRad="38100" dist="38100" dir="2700000" algn="tl">
+                    <a:srgbClr val="000000">
+                      <a:alpha val="43137"/>
+                    </a:srgbClr>
+                  </a:outerShdw>
+                </a:effectLst>
+                <a:latin typeface="Arial Black" panose="020B0A04020102020204" pitchFamily="34" charset="0"/>
+              </a:rPr>
+              <a:t>05</a:t>
+            </a:r>
+            <a:endParaRPr lang="en-ID" sz="4400" b="1" dirty="0">
+              <a:solidFill>
+                <a:schemeClr val="bg1"/>
+              </a:solidFill>
+              <a:effectLst>
+                <a:outerShdw blurRad="38100" dist="38100" dir="2700000" algn="tl">
+                  <a:srgbClr val="000000">
+                    <a:alpha val="43137"/>
+                  </a:srgbClr>
+                </a:outerShdw>
+              </a:effectLst>
+              <a:latin typeface="Arial Black" panose="020B0A04020102020204" pitchFamily="34" charset="0"/>
+            </a:endParaRPr>
+          </a:p>
+        </p:txBody>
+      </p:sp>
+      <p:sp>
+        <p:nvSpPr>
+          <p:cNvPr id="29" name="TextBox 28">
+            <a:extLst>
+              <a:ext uri="{FF2B5EF4-FFF2-40B4-BE49-F238E27FC236}">
+                <a16:creationId xmlns:a16="http://schemas.microsoft.com/office/drawing/2014/main" id="{1C6C456A-9AF4-4926-BEE2-E08B524D70A1}"/>
+              </a:ext>
+            </a:extLst>
+          </p:cNvPr>
+          <p:cNvSpPr txBox="1"/>
+          <p:nvPr/>
+        </p:nvSpPr>
+        <p:spPr>
+          <a:xfrm>
+            <a:off x="5529188" y="3039579"/>
+            <a:ext cx="1133621" cy="769441"/>
+          </a:xfrm>
+          <a:prstGeom prst="rect">
+            <a:avLst/>
+          </a:prstGeom>
+          <a:noFill/>
+        </p:spPr>
+        <p:txBody>
+          <a:bodyPr wrap="square" rtlCol="0">
+            <a:spAutoFit/>
+          </a:bodyPr>
+          <a:lstStyle/>
+          <a:p>
+            <a:pPr algn="ctr"/>
+            <a:r>
+              <a:rPr lang="en-US" sz="4400" b="1" dirty="0">
+                <a:solidFill>
+                  <a:schemeClr val="bg1"/>
+                </a:solidFill>
+                <a:effectLst>
+                  <a:outerShdw blurRad="38100" dist="38100" dir="2700000" algn="tl">
+                    <a:srgbClr val="000000">
+                      <a:alpha val="43137"/>
+                    </a:srgbClr>
+                  </a:outerShdw>
+                </a:effectLst>
+                <a:latin typeface="Arial Black" panose="020B0A04020102020204" pitchFamily="34" charset="0"/>
+              </a:rPr>
+              <a:t>03</a:t>
+            </a:r>
+            <a:endParaRPr lang="en-ID" sz="4400" b="1" dirty="0">
+              <a:solidFill>
+                <a:schemeClr val="bg1"/>
+              </a:solidFill>
+              <a:effectLst>
+                <a:outerShdw blurRad="38100" dist="38100" dir="2700000" algn="tl">
+                  <a:srgbClr val="000000">
+                    <a:alpha val="43137"/>
+                  </a:srgbClr>
+                </a:outerShdw>
+              </a:effectLst>
+              <a:latin typeface="Arial Black" panose="020B0A04020102020204" pitchFamily="34" charset="0"/>
+            </a:endParaRPr>
+          </a:p>
+        </p:txBody>
+      </p:sp>
+    </p:spTree>
+    <p:extLst>
+      <p:ext uri="{BB962C8B-B14F-4D97-AF65-F5344CB8AC3E}">
+        <p14:creationId xmlns:p14="http://schemas.microsoft.com/office/powerpoint/2010/main" val="4289037235"/>
+      </p:ext>
+    </p:extLst>
+  </p:cSld>
+  <p:clrMapOvr>
+    <a:masterClrMapping/>
+  </p:clrMapOvr>
+</p:sld>
+</file>
+
+<file path=ppt/slides/slide12.xml><?xml version="1.0" encoding="utf-8"?>
 <p:sld xmlns:a="http://schemas.openxmlformats.org/drawingml/2006/main" xmlns:r="http://schemas.openxmlformats.org/officeDocument/2006/relationships" xmlns:p="http://schemas.openxmlformats.org/presentationml/2006/main">
   <p:cSld>
     <p:spTree>
@@ -7062,7 +8934,7 @@
 </p:sld>
 </file>
 
-<file path=ppt/slides/slide11.xml><?xml version="1.0" encoding="utf-8"?>
+<file path=ppt/slides/slide13.xml><?xml version="1.0" encoding="utf-8"?>
 <p:sld xmlns:a="http://schemas.openxmlformats.org/drawingml/2006/main" xmlns:r="http://schemas.openxmlformats.org/officeDocument/2006/relationships" xmlns:p="http://schemas.openxmlformats.org/presentationml/2006/main">
   <p:cSld>
     <p:spTree>
@@ -7079,37 +8951,229 @@
           <a:chExt cx="0" cy="0"/>
         </a:xfrm>
       </p:grpSpPr>
-      <p:sp>
-        <p:nvSpPr>
-          <p:cNvPr id="4" name="TextBox 3">
+      <p:grpSp>
+        <p:nvGrpSpPr>
+          <p:cNvPr id="4" name="Group 3">
             <a:extLst>
               <a:ext uri="{FF2B5EF4-FFF2-40B4-BE49-F238E27FC236}">
-                <a16:creationId xmlns:a16="http://schemas.microsoft.com/office/drawing/2014/main" id="{3FB6C6E1-9C3E-4BA3-ABBF-6AF83F6787DC}"/>
+                <a16:creationId xmlns:a16="http://schemas.microsoft.com/office/drawing/2014/main" id="{69D0B898-4464-4657-AED0-8D5EF7E8C8AC}"/>
               </a:ext>
             </a:extLst>
           </p:cNvPr>
-          <p:cNvSpPr txBox="1"/>
+          <p:cNvGrpSpPr/>
           <p:nvPr/>
-        </p:nvSpPr>
-        <p:spPr>
+        </p:nvGrpSpPr>
+        <p:grpSpPr>
           <a:xfrm>
-            <a:off x="0" y="3328403"/>
-            <a:ext cx="12192000" cy="1015663"/>
+            <a:off x="-211015" y="1145342"/>
+            <a:ext cx="6091553" cy="596706"/>
+            <a:chOff x="-211015" y="1187546"/>
+            <a:chExt cx="6091553" cy="596706"/>
           </a:xfrm>
-          <a:prstGeom prst="rect">
-            <a:avLst/>
-          </a:prstGeom>
-          <a:noFill/>
-        </p:spPr>
-        <p:txBody>
-          <a:bodyPr wrap="square" rtlCol="0">
-            <a:spAutoFit/>
-          </a:bodyPr>
-          <a:lstStyle/>
-          <a:p>
-            <a:pPr algn="ctr"/>
-            <a:r>
-              <a:rPr lang="en-US" sz="6000" dirty="0">
+        </p:grpSpPr>
+        <p:grpSp>
+          <p:nvGrpSpPr>
+            <p:cNvPr id="5" name="Group 4">
+              <a:extLst>
+                <a:ext uri="{FF2B5EF4-FFF2-40B4-BE49-F238E27FC236}">
+                  <a16:creationId xmlns:a16="http://schemas.microsoft.com/office/drawing/2014/main" id="{0C6D0D8F-1554-4C54-BCAF-7A33249832F3}"/>
+                </a:ext>
+              </a:extLst>
+            </p:cNvPr>
+            <p:cNvGrpSpPr/>
+            <p:nvPr/>
+          </p:nvGrpSpPr>
+          <p:grpSpPr>
+            <a:xfrm>
+              <a:off x="-211015" y="1187546"/>
+              <a:ext cx="6091553" cy="596706"/>
+              <a:chOff x="-211015" y="1187546"/>
+              <a:chExt cx="6091553" cy="596706"/>
+            </a:xfrm>
+          </p:grpSpPr>
+          <p:sp>
+            <p:nvSpPr>
+              <p:cNvPr id="7" name="Rectangle 6">
+                <a:extLst>
+                  <a:ext uri="{FF2B5EF4-FFF2-40B4-BE49-F238E27FC236}">
+                    <a16:creationId xmlns:a16="http://schemas.microsoft.com/office/drawing/2014/main" id="{6C5DFA61-80BF-403C-B712-C0CBCC94F80E}"/>
+                  </a:ext>
+                </a:extLst>
+              </p:cNvPr>
+              <p:cNvSpPr/>
+              <p:nvPr/>
+            </p:nvSpPr>
+            <p:spPr>
+              <a:xfrm>
+                <a:off x="-211015" y="1187546"/>
+                <a:ext cx="6091553" cy="444306"/>
+              </a:xfrm>
+              <a:prstGeom prst="rect">
+                <a:avLst/>
+              </a:prstGeom>
+              <a:noFill/>
+              <a:ln w="28575">
+                <a:solidFill>
+                  <a:schemeClr val="bg1"/>
+                </a:solidFill>
+                <a:prstDash val="sysDash"/>
+              </a:ln>
+            </p:spPr>
+            <p:style>
+              <a:lnRef idx="2">
+                <a:schemeClr val="accent1">
+                  <a:shade val="50000"/>
+                </a:schemeClr>
+              </a:lnRef>
+              <a:fillRef idx="1">
+                <a:schemeClr val="accent1"/>
+              </a:fillRef>
+              <a:effectRef idx="0">
+                <a:schemeClr val="accent1"/>
+              </a:effectRef>
+              <a:fontRef idx="minor">
+                <a:schemeClr val="lt1"/>
+              </a:fontRef>
+            </p:style>
+            <p:txBody>
+              <a:bodyPr rtlCol="0" anchor="ctr"/>
+              <a:lstStyle/>
+              <a:p>
+                <a:pPr algn="ctr"/>
+                <a:endParaRPr lang="en-ID"/>
+              </a:p>
+            </p:txBody>
+          </p:sp>
+          <p:sp>
+            <p:nvSpPr>
+              <p:cNvPr id="8" name="Rectangle 7">
+                <a:extLst>
+                  <a:ext uri="{FF2B5EF4-FFF2-40B4-BE49-F238E27FC236}">
+                    <a16:creationId xmlns:a16="http://schemas.microsoft.com/office/drawing/2014/main" id="{6F24F5ED-2BBB-48E6-ADC0-DB37A17F3471}"/>
+                  </a:ext>
+                </a:extLst>
+              </p:cNvPr>
+              <p:cNvSpPr/>
+              <p:nvPr/>
+            </p:nvSpPr>
+            <p:spPr>
+              <a:xfrm>
+                <a:off x="0" y="1339946"/>
+                <a:ext cx="5740202" cy="444306"/>
+              </a:xfrm>
+              <a:prstGeom prst="rect">
+                <a:avLst/>
+              </a:prstGeom>
+              <a:solidFill>
+                <a:srgbClr val="00B0F0"/>
+              </a:solidFill>
+              <a:ln>
+                <a:noFill/>
+              </a:ln>
+            </p:spPr>
+            <p:style>
+              <a:lnRef idx="2">
+                <a:schemeClr val="accent1">
+                  <a:shade val="50000"/>
+                </a:schemeClr>
+              </a:lnRef>
+              <a:fillRef idx="1">
+                <a:schemeClr val="accent1"/>
+              </a:fillRef>
+              <a:effectRef idx="0">
+                <a:schemeClr val="accent1"/>
+              </a:effectRef>
+              <a:fontRef idx="minor">
+                <a:schemeClr val="lt1"/>
+              </a:fontRef>
+            </p:style>
+            <p:txBody>
+              <a:bodyPr rtlCol="0" anchor="ctr"/>
+              <a:lstStyle/>
+              <a:p>
+                <a:pPr algn="ctr"/>
+                <a:endParaRPr lang="en-ID"/>
+              </a:p>
+            </p:txBody>
+          </p:sp>
+        </p:grpSp>
+        <p:sp>
+          <p:nvSpPr>
+            <p:cNvPr id="6" name="TextBox 5">
+              <a:extLst>
+                <a:ext uri="{FF2B5EF4-FFF2-40B4-BE49-F238E27FC236}">
+                  <a16:creationId xmlns:a16="http://schemas.microsoft.com/office/drawing/2014/main" id="{D16C0F94-022A-4922-B893-1EAF601DBAA9}"/>
+                </a:ext>
+              </a:extLst>
+            </p:cNvPr>
+            <p:cNvSpPr txBox="1"/>
+            <p:nvPr/>
+          </p:nvSpPr>
+          <p:spPr>
+            <a:xfrm>
+              <a:off x="368688" y="1306821"/>
+              <a:ext cx="5371514" cy="461665"/>
+            </a:xfrm>
+            <a:prstGeom prst="rect">
+              <a:avLst/>
+            </a:prstGeom>
+            <a:noFill/>
+          </p:spPr>
+          <p:txBody>
+            <a:bodyPr wrap="square" rtlCol="0">
+              <a:spAutoFit/>
+            </a:bodyPr>
+            <a:lstStyle/>
+            <a:p>
+              <a:r>
+                <a:rPr lang="en-US" sz="2400" b="1" dirty="0" err="1">
+                  <a:solidFill>
+                    <a:schemeClr val="bg1"/>
+                  </a:solidFill>
+                  <a:effectLst>
+                    <a:outerShdw blurRad="38100" dist="38100" dir="2700000" algn="tl">
+                      <a:srgbClr val="000000">
+                        <a:alpha val="43137"/>
+                      </a:srgbClr>
+                    </a:outerShdw>
+                  </a:effectLst>
+                  <a:latin typeface="Century Gothic" panose="020B0502020202020204" pitchFamily="34" charset="0"/>
+                </a:rPr>
+                <a:t>Karakteristik</a:t>
+              </a:r>
+              <a:r>
+                <a:rPr lang="en-US" sz="2400" b="1" dirty="0">
+                  <a:solidFill>
+                    <a:schemeClr val="bg1"/>
+                  </a:solidFill>
+                  <a:effectLst>
+                    <a:outerShdw blurRad="38100" dist="38100" dir="2700000" algn="tl">
+                      <a:srgbClr val="000000">
+                        <a:alpha val="43137"/>
+                      </a:srgbClr>
+                    </a:outerShdw>
+                  </a:effectLst>
+                  <a:latin typeface="Century Gothic" panose="020B0502020202020204" pitchFamily="34" charset="0"/>
+                </a:rPr>
+                <a:t> Bahasa </a:t>
+              </a:r>
+              <a:r>
+                <a:rPr lang="en-US" sz="2400" b="1" dirty="0" err="1">
+                  <a:solidFill>
+                    <a:schemeClr val="bg1"/>
+                  </a:solidFill>
+                  <a:effectLst>
+                    <a:outerShdw blurRad="38100" dist="38100" dir="2700000" algn="tl">
+                      <a:srgbClr val="000000">
+                        <a:alpha val="43137"/>
+                      </a:srgbClr>
+                    </a:outerShdw>
+                  </a:effectLst>
+                  <a:latin typeface="Century Gothic" panose="020B0502020202020204" pitchFamily="34" charset="0"/>
+                </a:rPr>
+                <a:t>Pemrograman</a:t>
+              </a:r>
+              <a:endParaRPr lang="en-ID" sz="2400" b="1" dirty="0">
                 <a:solidFill>
                   <a:schemeClr val="bg1"/>
                 </a:solidFill>
@@ -7120,93 +9184,767 @@
                     </a:srgbClr>
                   </a:outerShdw>
                 </a:effectLst>
-                <a:latin typeface="Agency FB" panose="020B0503020202020204" pitchFamily="34" charset="0"/>
-              </a:rPr>
-              <a:t>Hypertext Markup Language</a:t>
-            </a:r>
-            <a:endParaRPr lang="en-ID" sz="6000" dirty="0">
-              <a:solidFill>
-                <a:schemeClr val="bg1"/>
-              </a:solidFill>
-              <a:effectLst>
-                <a:outerShdw blurRad="38100" dist="38100" dir="2700000" algn="tl">
-                  <a:srgbClr val="000000">
-                    <a:alpha val="43137"/>
-                  </a:srgbClr>
-                </a:outerShdw>
-              </a:effectLst>
-              <a:latin typeface="Agency FB" panose="020B0503020202020204" pitchFamily="34" charset="0"/>
-            </a:endParaRPr>
-          </a:p>
-        </p:txBody>
-      </p:sp>
-      <p:sp>
-        <p:nvSpPr>
-          <p:cNvPr id="5" name="TextBox 4">
+                <a:latin typeface="Century Gothic" panose="020B0502020202020204" pitchFamily="34" charset="0"/>
+              </a:endParaRPr>
+            </a:p>
+          </p:txBody>
+        </p:sp>
+      </p:grpSp>
+      <p:graphicFrame>
+        <p:nvGraphicFramePr>
+          <p:cNvPr id="2" name="Table 2">
             <a:extLst>
               <a:ext uri="{FF2B5EF4-FFF2-40B4-BE49-F238E27FC236}">
-                <a16:creationId xmlns:a16="http://schemas.microsoft.com/office/drawing/2014/main" id="{54D24460-13CF-4B56-9DB6-F909FF6E8E9E}"/>
+                <a16:creationId xmlns:a16="http://schemas.microsoft.com/office/drawing/2014/main" id="{35F5F8B5-6C34-9247-98CD-97B231A00680}"/>
               </a:ext>
             </a:extLst>
           </p:cNvPr>
-          <p:cNvSpPr txBox="1"/>
-          <p:nvPr/>
-        </p:nvSpPr>
-        <p:spPr>
-          <a:xfrm>
-            <a:off x="0" y="2413337"/>
-            <a:ext cx="12192000" cy="1015663"/>
-          </a:xfrm>
-          <a:prstGeom prst="rect">
-            <a:avLst/>
-          </a:prstGeom>
-          <a:noFill/>
-        </p:spPr>
-        <p:txBody>
-          <a:bodyPr wrap="square" rtlCol="0">
-            <a:spAutoFit/>
-          </a:bodyPr>
-          <a:lstStyle/>
-          <a:p>
-            <a:pPr algn="ctr"/>
-            <a:r>
-              <a:rPr lang="en-US" sz="6000" dirty="0">
-                <a:solidFill>
-                  <a:schemeClr val="bg1"/>
-                </a:solidFill>
-                <a:effectLst>
-                  <a:outerShdw blurRad="38100" dist="38100" dir="2700000" algn="tl">
-                    <a:srgbClr val="000000">
-                      <a:alpha val="43137"/>
-                    </a:srgbClr>
-                  </a:outerShdw>
-                </a:effectLst>
-                <a:latin typeface="Aharoni" panose="02010803020104030203" pitchFamily="2" charset="-79"/>
-                <a:cs typeface="Aharoni" panose="02010803020104030203" pitchFamily="2" charset="-79"/>
-              </a:rPr>
-              <a:t>&lt;HTML&gt;</a:t>
-            </a:r>
-            <a:endParaRPr lang="en-ID" sz="6000" dirty="0">
-              <a:solidFill>
-                <a:schemeClr val="bg1"/>
-              </a:solidFill>
-              <a:effectLst>
-                <a:outerShdw blurRad="38100" dist="38100" dir="2700000" algn="tl">
-                  <a:srgbClr val="000000">
-                    <a:alpha val="43137"/>
-                  </a:srgbClr>
-                </a:outerShdw>
-              </a:effectLst>
-              <a:latin typeface="Aharoni" panose="02010803020104030203" pitchFamily="2" charset="-79"/>
-              <a:cs typeface="Aharoni" panose="02010803020104030203" pitchFamily="2" charset="-79"/>
-            </a:endParaRPr>
-          </a:p>
-        </p:txBody>
-      </p:sp>
+          <p:cNvGraphicFramePr>
+            <a:graphicFrameLocks noGrp="1"/>
+          </p:cNvGraphicFramePr>
+          <p:nvPr>
+            <p:extLst>
+              <p:ext uri="{D42A27DB-BD31-4B8C-83A1-F6EECF244321}">
+                <p14:modId xmlns:p14="http://schemas.microsoft.com/office/powerpoint/2010/main" val="860900709"/>
+              </p:ext>
+            </p:extLst>
+          </p:nvPr>
+        </p:nvGraphicFramePr>
+        <p:xfrm>
+          <a:off x="926028" y="2162875"/>
+          <a:ext cx="10339944" cy="3742165"/>
+        </p:xfrm>
+        <a:graphic>
+          <a:graphicData uri="http://schemas.openxmlformats.org/drawingml/2006/table">
+            <a:tbl>
+              <a:tblPr firstRow="1" bandRow="1">
+                <a:tableStyleId>{5C22544A-7EE6-4342-B048-85BDC9FD1C3A}</a:tableStyleId>
+              </a:tblPr>
+              <a:tblGrid>
+                <a:gridCol w="2584986">
+                  <a:extLst>
+                    <a:ext uri="{9D8B030D-6E8A-4147-A177-3AD203B41FA5}">
+                      <a16:colId xmlns:a16="http://schemas.microsoft.com/office/drawing/2014/main" val="3849057013"/>
+                    </a:ext>
+                  </a:extLst>
+                </a:gridCol>
+                <a:gridCol w="2584986">
+                  <a:extLst>
+                    <a:ext uri="{9D8B030D-6E8A-4147-A177-3AD203B41FA5}">
+                      <a16:colId xmlns:a16="http://schemas.microsoft.com/office/drawing/2014/main" val="2230474759"/>
+                    </a:ext>
+                  </a:extLst>
+                </a:gridCol>
+                <a:gridCol w="2584986">
+                  <a:extLst>
+                    <a:ext uri="{9D8B030D-6E8A-4147-A177-3AD203B41FA5}">
+                      <a16:colId xmlns:a16="http://schemas.microsoft.com/office/drawing/2014/main" val="2768559725"/>
+                    </a:ext>
+                  </a:extLst>
+                </a:gridCol>
+                <a:gridCol w="2584986">
+                  <a:extLst>
+                    <a:ext uri="{9D8B030D-6E8A-4147-A177-3AD203B41FA5}">
+                      <a16:colId xmlns:a16="http://schemas.microsoft.com/office/drawing/2014/main" val="2354419087"/>
+                    </a:ext>
+                  </a:extLst>
+                </a:gridCol>
+              </a:tblGrid>
+              <a:tr h="748433">
+                <a:tc gridSpan="2">
+                  <a:txBody>
+                    <a:bodyPr/>
+                    <a:lstStyle/>
+                    <a:p>
+                      <a:pPr algn="ctr"/>
+                      <a:r>
+                        <a:rPr lang="en-US" sz="2400" dirty="0"/>
+                        <a:t>COMPILER</a:t>
+                      </a:r>
+                    </a:p>
+                  </a:txBody>
+                  <a:tcPr anchor="ctr"/>
+                </a:tc>
+                <a:tc hMerge="1">
+                  <a:txBody>
+                    <a:bodyPr/>
+                    <a:lstStyle/>
+                    <a:p>
+                      <a:endParaRPr lang="en-US" dirty="0"/>
+                    </a:p>
+                  </a:txBody>
+                  <a:tcPr/>
+                </a:tc>
+                <a:tc gridSpan="2">
+                  <a:txBody>
+                    <a:bodyPr/>
+                    <a:lstStyle/>
+                    <a:p>
+                      <a:pPr algn="ctr"/>
+                      <a:r>
+                        <a:rPr lang="en-US" sz="2400" dirty="0"/>
+                        <a:t>INTERPRETER</a:t>
+                      </a:r>
+                    </a:p>
+                  </a:txBody>
+                  <a:tcPr anchor="ctr"/>
+                </a:tc>
+                <a:tc hMerge="1">
+                  <a:txBody>
+                    <a:bodyPr/>
+                    <a:lstStyle/>
+                    <a:p>
+                      <a:endParaRPr lang="en-US" dirty="0"/>
+                    </a:p>
+                  </a:txBody>
+                  <a:tcPr/>
+                </a:tc>
+                <a:extLst>
+                  <a:ext uri="{0D108BD9-81ED-4DB2-BD59-A6C34878D82A}">
+                    <a16:rowId xmlns:a16="http://schemas.microsoft.com/office/drawing/2014/main" val="3086775763"/>
+                  </a:ext>
+                </a:extLst>
+              </a:tr>
+              <a:tr h="748433">
+                <a:tc>
+                  <a:txBody>
+                    <a:bodyPr/>
+                    <a:lstStyle/>
+                    <a:p>
+                      <a:r>
+                        <a:rPr lang="en-US" dirty="0"/>
+                        <a:t>TIDAK LINTAS PLATFORM</a:t>
+                      </a:r>
+                    </a:p>
+                  </a:txBody>
+                  <a:tcPr>
+                    <a:gradFill flip="none" rotWithShape="1">
+                      <a:gsLst>
+                        <a:gs pos="0">
+                          <a:srgbClr val="FF0000">
+                            <a:tint val="66000"/>
+                            <a:satMod val="160000"/>
+                          </a:srgbClr>
+                        </a:gs>
+                        <a:gs pos="50000">
+                          <a:srgbClr val="FF0000">
+                            <a:tint val="44500"/>
+                            <a:satMod val="160000"/>
+                          </a:srgbClr>
+                        </a:gs>
+                        <a:gs pos="100000">
+                          <a:srgbClr val="FF0000">
+                            <a:tint val="23500"/>
+                            <a:satMod val="160000"/>
+                          </a:srgbClr>
+                        </a:gs>
+                      </a:gsLst>
+                      <a:lin ang="2700000" scaled="1"/>
+                      <a:tileRect/>
+                    </a:gradFill>
+                  </a:tcPr>
+                </a:tc>
+                <a:tc>
+                  <a:txBody>
+                    <a:bodyPr/>
+                    <a:lstStyle/>
+                    <a:p>
+                      <a:r>
+                        <a:rPr lang="en-US" dirty="0"/>
+                        <a:t>SIAP UNTUK DIJALANKAN</a:t>
+                      </a:r>
+                    </a:p>
+                  </a:txBody>
+                  <a:tcPr>
+                    <a:gradFill flip="none" rotWithShape="1">
+                      <a:gsLst>
+                        <a:gs pos="0">
+                          <a:srgbClr val="00B050">
+                            <a:tint val="66000"/>
+                            <a:satMod val="160000"/>
+                          </a:srgbClr>
+                        </a:gs>
+                        <a:gs pos="50000">
+                          <a:srgbClr val="00B050">
+                            <a:tint val="44500"/>
+                            <a:satMod val="160000"/>
+                          </a:srgbClr>
+                        </a:gs>
+                        <a:gs pos="100000">
+                          <a:srgbClr val="00B050">
+                            <a:tint val="23500"/>
+                            <a:satMod val="160000"/>
+                          </a:srgbClr>
+                        </a:gs>
+                      </a:gsLst>
+                      <a:path path="circle">
+                        <a:fillToRect t="100000" r="100000"/>
+                      </a:path>
+                      <a:tileRect l="-100000" b="-100000"/>
+                    </a:gradFill>
+                  </a:tcPr>
+                </a:tc>
+                <a:tc>
+                  <a:txBody>
+                    <a:bodyPr/>
+                    <a:lstStyle/>
+                    <a:p>
+                      <a:r>
+                        <a:rPr lang="en-US" dirty="0"/>
+                        <a:t>BUTUH INTERPRETER</a:t>
+                      </a:r>
+                    </a:p>
+                  </a:txBody>
+                  <a:tcPr>
+                    <a:gradFill flip="none" rotWithShape="1">
+                      <a:gsLst>
+                        <a:gs pos="0">
+                          <a:srgbClr val="FF0000">
+                            <a:tint val="66000"/>
+                            <a:satMod val="160000"/>
+                          </a:srgbClr>
+                        </a:gs>
+                        <a:gs pos="50000">
+                          <a:srgbClr val="FF0000">
+                            <a:tint val="44500"/>
+                            <a:satMod val="160000"/>
+                          </a:srgbClr>
+                        </a:gs>
+                        <a:gs pos="100000">
+                          <a:srgbClr val="FF0000">
+                            <a:tint val="23500"/>
+                            <a:satMod val="160000"/>
+                          </a:srgbClr>
+                        </a:gs>
+                      </a:gsLst>
+                      <a:lin ang="2700000" scaled="1"/>
+                      <a:tileRect/>
+                    </a:gradFill>
+                  </a:tcPr>
+                </a:tc>
+                <a:tc>
+                  <a:txBody>
+                    <a:bodyPr/>
+                    <a:lstStyle/>
+                    <a:p>
+                      <a:r>
+                        <a:rPr lang="en-US" dirty="0"/>
+                        <a:t>LINTAS PLATFORM</a:t>
+                      </a:r>
+                    </a:p>
+                  </a:txBody>
+                  <a:tcPr>
+                    <a:gradFill flip="none" rotWithShape="1">
+                      <a:gsLst>
+                        <a:gs pos="0">
+                          <a:srgbClr val="00B050">
+                            <a:tint val="66000"/>
+                            <a:satMod val="160000"/>
+                          </a:srgbClr>
+                        </a:gs>
+                        <a:gs pos="50000">
+                          <a:srgbClr val="00B050">
+                            <a:tint val="44500"/>
+                            <a:satMod val="160000"/>
+                          </a:srgbClr>
+                        </a:gs>
+                        <a:gs pos="100000">
+                          <a:srgbClr val="00B050">
+                            <a:tint val="23500"/>
+                            <a:satMod val="160000"/>
+                          </a:srgbClr>
+                        </a:gs>
+                      </a:gsLst>
+                      <a:lin ang="2700000" scaled="1"/>
+                      <a:tileRect/>
+                    </a:gradFill>
+                  </a:tcPr>
+                </a:tc>
+                <a:extLst>
+                  <a:ext uri="{0D108BD9-81ED-4DB2-BD59-A6C34878D82A}">
+                    <a16:rowId xmlns:a16="http://schemas.microsoft.com/office/drawing/2014/main" val="253303988"/>
+                  </a:ext>
+                </a:extLst>
+              </a:tr>
+              <a:tr h="748433">
+                <a:tc>
+                  <a:txBody>
+                    <a:bodyPr/>
+                    <a:lstStyle/>
+                    <a:p>
+                      <a:r>
+                        <a:rPr lang="en-US" dirty="0"/>
+                        <a:t>TIDAK FLEKSIBEL</a:t>
+                      </a:r>
+                    </a:p>
+                  </a:txBody>
+                  <a:tcPr>
+                    <a:gradFill flip="none" rotWithShape="1">
+                      <a:gsLst>
+                        <a:gs pos="0">
+                          <a:srgbClr val="FF0000">
+                            <a:tint val="66000"/>
+                            <a:satMod val="160000"/>
+                          </a:srgbClr>
+                        </a:gs>
+                        <a:gs pos="50000">
+                          <a:srgbClr val="FF0000">
+                            <a:tint val="44500"/>
+                            <a:satMod val="160000"/>
+                          </a:srgbClr>
+                        </a:gs>
+                        <a:gs pos="100000">
+                          <a:srgbClr val="FF0000">
+                            <a:tint val="23500"/>
+                            <a:satMod val="160000"/>
+                          </a:srgbClr>
+                        </a:gs>
+                      </a:gsLst>
+                      <a:lin ang="2700000" scaled="1"/>
+                      <a:tileRect/>
+                    </a:gradFill>
+                  </a:tcPr>
+                </a:tc>
+                <a:tc>
+                  <a:txBody>
+                    <a:bodyPr/>
+                    <a:lstStyle/>
+                    <a:p>
+                      <a:r>
+                        <a:rPr lang="en-US" dirty="0"/>
+                        <a:t>LEBIH CEPAT</a:t>
+                      </a:r>
+                    </a:p>
+                  </a:txBody>
+                  <a:tcPr>
+                    <a:gradFill flip="none" rotWithShape="1">
+                      <a:gsLst>
+                        <a:gs pos="0">
+                          <a:srgbClr val="00B050">
+                            <a:tint val="66000"/>
+                            <a:satMod val="160000"/>
+                          </a:srgbClr>
+                        </a:gs>
+                        <a:gs pos="50000">
+                          <a:srgbClr val="00B050">
+                            <a:tint val="44500"/>
+                            <a:satMod val="160000"/>
+                          </a:srgbClr>
+                        </a:gs>
+                        <a:gs pos="100000">
+                          <a:srgbClr val="00B050">
+                            <a:tint val="23500"/>
+                            <a:satMod val="160000"/>
+                          </a:srgbClr>
+                        </a:gs>
+                      </a:gsLst>
+                      <a:path path="circle">
+                        <a:fillToRect t="100000" r="100000"/>
+                      </a:path>
+                      <a:tileRect l="-100000" b="-100000"/>
+                    </a:gradFill>
+                  </a:tcPr>
+                </a:tc>
+                <a:tc>
+                  <a:txBody>
+                    <a:bodyPr/>
+                    <a:lstStyle/>
+                    <a:p>
+                      <a:r>
+                        <a:rPr lang="en-US" dirty="0"/>
+                        <a:t>LEBIH LAMBAT</a:t>
+                      </a:r>
+                    </a:p>
+                  </a:txBody>
+                  <a:tcPr>
+                    <a:gradFill flip="none" rotWithShape="1">
+                      <a:gsLst>
+                        <a:gs pos="0">
+                          <a:srgbClr val="FF0000">
+                            <a:tint val="66000"/>
+                            <a:satMod val="160000"/>
+                          </a:srgbClr>
+                        </a:gs>
+                        <a:gs pos="50000">
+                          <a:srgbClr val="FF0000">
+                            <a:tint val="44500"/>
+                            <a:satMod val="160000"/>
+                          </a:srgbClr>
+                        </a:gs>
+                        <a:gs pos="100000">
+                          <a:srgbClr val="FF0000">
+                            <a:tint val="23500"/>
+                            <a:satMod val="160000"/>
+                          </a:srgbClr>
+                        </a:gs>
+                      </a:gsLst>
+                      <a:lin ang="2700000" scaled="1"/>
+                      <a:tileRect/>
+                    </a:gradFill>
+                  </a:tcPr>
+                </a:tc>
+                <a:tc>
+                  <a:txBody>
+                    <a:bodyPr/>
+                    <a:lstStyle/>
+                    <a:p>
+                      <a:r>
+                        <a:rPr lang="en-US" dirty="0"/>
+                        <a:t>FLEKSIBEL</a:t>
+                      </a:r>
+                    </a:p>
+                  </a:txBody>
+                  <a:tcPr>
+                    <a:gradFill flip="none" rotWithShape="1">
+                      <a:gsLst>
+                        <a:gs pos="0">
+                          <a:srgbClr val="00B050">
+                            <a:tint val="66000"/>
+                            <a:satMod val="160000"/>
+                          </a:srgbClr>
+                        </a:gs>
+                        <a:gs pos="50000">
+                          <a:srgbClr val="00B050">
+                            <a:tint val="44500"/>
+                            <a:satMod val="160000"/>
+                          </a:srgbClr>
+                        </a:gs>
+                        <a:gs pos="100000">
+                          <a:srgbClr val="00B050">
+                            <a:tint val="23500"/>
+                            <a:satMod val="160000"/>
+                          </a:srgbClr>
+                        </a:gs>
+                      </a:gsLst>
+                      <a:lin ang="2700000" scaled="1"/>
+                      <a:tileRect/>
+                    </a:gradFill>
+                  </a:tcPr>
+                </a:tc>
+                <a:extLst>
+                  <a:ext uri="{0D108BD9-81ED-4DB2-BD59-A6C34878D82A}">
+                    <a16:rowId xmlns:a16="http://schemas.microsoft.com/office/drawing/2014/main" val="272049165"/>
+                  </a:ext>
+                </a:extLst>
+              </a:tr>
+              <a:tr h="748433">
+                <a:tc>
+                  <a:txBody>
+                    <a:bodyPr/>
+                    <a:lstStyle/>
+                    <a:p>
+                      <a:r>
+                        <a:rPr lang="en-US" dirty="0"/>
+                        <a:t>LANGKAH TAMBAHAN</a:t>
+                      </a:r>
+                    </a:p>
+                  </a:txBody>
+                  <a:tcPr>
+                    <a:gradFill flip="none" rotWithShape="1">
+                      <a:gsLst>
+                        <a:gs pos="0">
+                          <a:srgbClr val="FF0000">
+                            <a:tint val="66000"/>
+                            <a:satMod val="160000"/>
+                          </a:srgbClr>
+                        </a:gs>
+                        <a:gs pos="50000">
+                          <a:srgbClr val="FF0000">
+                            <a:tint val="44500"/>
+                            <a:satMod val="160000"/>
+                          </a:srgbClr>
+                        </a:gs>
+                        <a:gs pos="100000">
+                          <a:srgbClr val="FF0000">
+                            <a:tint val="23500"/>
+                            <a:satMod val="160000"/>
+                          </a:srgbClr>
+                        </a:gs>
+                      </a:gsLst>
+                      <a:lin ang="2700000" scaled="1"/>
+                      <a:tileRect/>
+                    </a:gradFill>
+                  </a:tcPr>
+                </a:tc>
+                <a:tc>
+                  <a:txBody>
+                    <a:bodyPr/>
+                    <a:lstStyle/>
+                    <a:p>
+                      <a:r>
+                        <a:rPr lang="en-US" dirty="0"/>
+                        <a:t>SOURCE CODE TIDAK TERLIHAT</a:t>
+                      </a:r>
+                    </a:p>
+                  </a:txBody>
+                  <a:tcPr>
+                    <a:gradFill flip="none" rotWithShape="1">
+                      <a:gsLst>
+                        <a:gs pos="0">
+                          <a:srgbClr val="00B050">
+                            <a:tint val="66000"/>
+                            <a:satMod val="160000"/>
+                          </a:srgbClr>
+                        </a:gs>
+                        <a:gs pos="50000">
+                          <a:srgbClr val="00B050">
+                            <a:tint val="44500"/>
+                            <a:satMod val="160000"/>
+                          </a:srgbClr>
+                        </a:gs>
+                        <a:gs pos="100000">
+                          <a:srgbClr val="00B050">
+                            <a:tint val="23500"/>
+                            <a:satMod val="160000"/>
+                          </a:srgbClr>
+                        </a:gs>
+                      </a:gsLst>
+                      <a:path path="circle">
+                        <a:fillToRect t="100000" r="100000"/>
+                      </a:path>
+                      <a:tileRect l="-100000" b="-100000"/>
+                    </a:gradFill>
+                  </a:tcPr>
+                </a:tc>
+                <a:tc>
+                  <a:txBody>
+                    <a:bodyPr/>
+                    <a:lstStyle/>
+                    <a:p>
+                      <a:r>
+                        <a:rPr lang="en-US" dirty="0"/>
+                        <a:t>SOURCE CODE MUDAH UNTUK DIAKSES</a:t>
+                      </a:r>
+                    </a:p>
+                  </a:txBody>
+                  <a:tcPr>
+                    <a:gradFill flip="none" rotWithShape="1">
+                      <a:gsLst>
+                        <a:gs pos="0">
+                          <a:srgbClr val="FF0000">
+                            <a:tint val="66000"/>
+                            <a:satMod val="160000"/>
+                          </a:srgbClr>
+                        </a:gs>
+                        <a:gs pos="50000">
+                          <a:srgbClr val="FF0000">
+                            <a:tint val="44500"/>
+                            <a:satMod val="160000"/>
+                          </a:srgbClr>
+                        </a:gs>
+                        <a:gs pos="100000">
+                          <a:srgbClr val="FF0000">
+                            <a:tint val="23500"/>
+                            <a:satMod val="160000"/>
+                          </a:srgbClr>
+                        </a:gs>
+                      </a:gsLst>
+                      <a:lin ang="2700000" scaled="1"/>
+                      <a:tileRect/>
+                    </a:gradFill>
+                  </a:tcPr>
+                </a:tc>
+                <a:tc>
+                  <a:txBody>
+                    <a:bodyPr/>
+                    <a:lstStyle/>
+                    <a:p>
+                      <a:r>
+                        <a:rPr lang="en-US" dirty="0"/>
+                        <a:t>MUDAH UNTUK DIUJI</a:t>
+                      </a:r>
+                    </a:p>
+                  </a:txBody>
+                  <a:tcPr>
+                    <a:gradFill flip="none" rotWithShape="1">
+                      <a:gsLst>
+                        <a:gs pos="0">
+                          <a:srgbClr val="00B050">
+                            <a:tint val="66000"/>
+                            <a:satMod val="160000"/>
+                          </a:srgbClr>
+                        </a:gs>
+                        <a:gs pos="50000">
+                          <a:srgbClr val="00B050">
+                            <a:tint val="44500"/>
+                            <a:satMod val="160000"/>
+                          </a:srgbClr>
+                        </a:gs>
+                        <a:gs pos="100000">
+                          <a:srgbClr val="00B050">
+                            <a:tint val="23500"/>
+                            <a:satMod val="160000"/>
+                          </a:srgbClr>
+                        </a:gs>
+                      </a:gsLst>
+                      <a:lin ang="2700000" scaled="1"/>
+                      <a:tileRect/>
+                    </a:gradFill>
+                  </a:tcPr>
+                </a:tc>
+                <a:extLst>
+                  <a:ext uri="{0D108BD9-81ED-4DB2-BD59-A6C34878D82A}">
+                    <a16:rowId xmlns:a16="http://schemas.microsoft.com/office/drawing/2014/main" val="1794068025"/>
+                  </a:ext>
+                </a:extLst>
+              </a:tr>
+              <a:tr h="748433">
+                <a:tc>
+                  <a:txBody>
+                    <a:bodyPr/>
+                    <a:lstStyle/>
+                    <a:p>
+                      <a:endParaRPr lang="en-US" dirty="0"/>
+                    </a:p>
+                  </a:txBody>
+                  <a:tcPr>
+                    <a:gradFill flip="none" rotWithShape="1">
+                      <a:gsLst>
+                        <a:gs pos="0">
+                          <a:srgbClr val="FF0000">
+                            <a:tint val="66000"/>
+                            <a:satMod val="160000"/>
+                          </a:srgbClr>
+                        </a:gs>
+                        <a:gs pos="50000">
+                          <a:srgbClr val="FF0000">
+                            <a:tint val="44500"/>
+                            <a:satMod val="160000"/>
+                          </a:srgbClr>
+                        </a:gs>
+                        <a:gs pos="100000">
+                          <a:srgbClr val="FF0000">
+                            <a:tint val="23500"/>
+                            <a:satMod val="160000"/>
+                          </a:srgbClr>
+                        </a:gs>
+                      </a:gsLst>
+                      <a:lin ang="2700000" scaled="1"/>
+                      <a:tileRect/>
+                    </a:gradFill>
+                  </a:tcPr>
+                </a:tc>
+                <a:tc>
+                  <a:txBody>
+                    <a:bodyPr/>
+                    <a:lstStyle/>
+                    <a:p>
+                      <a:endParaRPr lang="en-US" dirty="0"/>
+                    </a:p>
+                  </a:txBody>
+                  <a:tcPr>
+                    <a:gradFill flip="none" rotWithShape="1">
+                      <a:gsLst>
+                        <a:gs pos="0">
+                          <a:srgbClr val="00B050">
+                            <a:tint val="66000"/>
+                            <a:satMod val="160000"/>
+                          </a:srgbClr>
+                        </a:gs>
+                        <a:gs pos="50000">
+                          <a:srgbClr val="00B050">
+                            <a:tint val="44500"/>
+                            <a:satMod val="160000"/>
+                          </a:srgbClr>
+                        </a:gs>
+                        <a:gs pos="100000">
+                          <a:srgbClr val="00B050">
+                            <a:tint val="23500"/>
+                            <a:satMod val="160000"/>
+                          </a:srgbClr>
+                        </a:gs>
+                      </a:gsLst>
+                      <a:path path="circle">
+                        <a:fillToRect t="100000" r="100000"/>
+                      </a:path>
+                      <a:tileRect l="-100000" b="-100000"/>
+                    </a:gradFill>
+                  </a:tcPr>
+                </a:tc>
+                <a:tc>
+                  <a:txBody>
+                    <a:bodyPr/>
+                    <a:lstStyle/>
+                    <a:p>
+                      <a:endParaRPr lang="en-US" dirty="0"/>
+                    </a:p>
+                  </a:txBody>
+                  <a:tcPr>
+                    <a:gradFill flip="none" rotWithShape="1">
+                      <a:gsLst>
+                        <a:gs pos="0">
+                          <a:srgbClr val="FF0000">
+                            <a:tint val="66000"/>
+                            <a:satMod val="160000"/>
+                          </a:srgbClr>
+                        </a:gs>
+                        <a:gs pos="50000">
+                          <a:srgbClr val="FF0000">
+                            <a:tint val="44500"/>
+                            <a:satMod val="160000"/>
+                          </a:srgbClr>
+                        </a:gs>
+                        <a:gs pos="100000">
+                          <a:srgbClr val="FF0000">
+                            <a:tint val="23500"/>
+                            <a:satMod val="160000"/>
+                          </a:srgbClr>
+                        </a:gs>
+                      </a:gsLst>
+                      <a:lin ang="2700000" scaled="1"/>
+                      <a:tileRect/>
+                    </a:gradFill>
+                  </a:tcPr>
+                </a:tc>
+                <a:tc>
+                  <a:txBody>
+                    <a:bodyPr/>
+                    <a:lstStyle/>
+                    <a:p>
+                      <a:endParaRPr lang="en-US" dirty="0"/>
+                    </a:p>
+                  </a:txBody>
+                  <a:tcPr>
+                    <a:gradFill flip="none" rotWithShape="1">
+                      <a:gsLst>
+                        <a:gs pos="0">
+                          <a:srgbClr val="00B050">
+                            <a:tint val="66000"/>
+                            <a:satMod val="160000"/>
+                          </a:srgbClr>
+                        </a:gs>
+                        <a:gs pos="50000">
+                          <a:srgbClr val="00B050">
+                            <a:tint val="44500"/>
+                            <a:satMod val="160000"/>
+                          </a:srgbClr>
+                        </a:gs>
+                        <a:gs pos="100000">
+                          <a:srgbClr val="00B050">
+                            <a:tint val="23500"/>
+                            <a:satMod val="160000"/>
+                          </a:srgbClr>
+                        </a:gs>
+                      </a:gsLst>
+                      <a:lin ang="2700000" scaled="1"/>
+                      <a:tileRect/>
+                    </a:gradFill>
+                  </a:tcPr>
+                </a:tc>
+                <a:extLst>
+                  <a:ext uri="{0D108BD9-81ED-4DB2-BD59-A6C34878D82A}">
+                    <a16:rowId xmlns:a16="http://schemas.microsoft.com/office/drawing/2014/main" val="3430301340"/>
+                  </a:ext>
+                </a:extLst>
+              </a:tr>
+            </a:tbl>
+          </a:graphicData>
+        </a:graphic>
+      </p:graphicFrame>
     </p:spTree>
     <p:extLst>
       <p:ext uri="{BB962C8B-B14F-4D97-AF65-F5344CB8AC3E}">
-        <p14:creationId xmlns:p14="http://schemas.microsoft.com/office/powerpoint/2010/main" val="1404464960"/>
+        <p14:creationId xmlns:p14="http://schemas.microsoft.com/office/powerpoint/2010/main" val="4018785447"/>
       </p:ext>
     </p:extLst>
   </p:cSld>
@@ -7216,7 +9954,7 @@
 </p:sld>
 </file>
 
-<file path=ppt/slides/slide12.xml><?xml version="1.0" encoding="utf-8"?>
+<file path=ppt/slides/slide14.xml><?xml version="1.0" encoding="utf-8"?>
 <p:sld xmlns:a="http://schemas.openxmlformats.org/drawingml/2006/main" xmlns:r="http://schemas.openxmlformats.org/officeDocument/2006/relationships" xmlns:p="http://schemas.openxmlformats.org/presentationml/2006/main">
   <p:cSld>
     <p:spTree>
@@ -7238,7 +9976,7 @@
           <p:cNvPr id="4" name="TextBox 3">
             <a:extLst>
               <a:ext uri="{FF2B5EF4-FFF2-40B4-BE49-F238E27FC236}">
-                <a16:creationId xmlns:a16="http://schemas.microsoft.com/office/drawing/2014/main" id="{201DEDD7-8B79-4FE9-BBA1-608F0761E99C}"/>
+                <a16:creationId xmlns:a16="http://schemas.microsoft.com/office/drawing/2014/main" id="{3FB6C6E1-9C3E-4BA3-ABBF-6AF83F6787DC}"/>
               </a:ext>
             </a:extLst>
           </p:cNvPr>
@@ -7247,7 +9985,7 @@
         </p:nvSpPr>
         <p:spPr>
           <a:xfrm>
-            <a:off x="0" y="3304089"/>
+            <a:off x="0" y="3328403"/>
             <a:ext cx="12192000" cy="1015663"/>
           </a:xfrm>
           <a:prstGeom prst="rect">
@@ -7276,7 +10014,39 @@
                 </a:effectLst>
                 <a:latin typeface="Agency FB" panose="020B0503020202020204" pitchFamily="34" charset="0"/>
               </a:rPr>
-              <a:t>&lt;div&gt; &lt;/div&gt;</a:t>
+              <a:t>The most </a:t>
+            </a:r>
+            <a:r>
+              <a:rPr lang="en-US" sz="6000" dirty="0" err="1">
+                <a:solidFill>
+                  <a:schemeClr val="bg1"/>
+                </a:solidFill>
+                <a:effectLst>
+                  <a:outerShdw blurRad="38100" dist="38100" dir="2700000" algn="tl">
+                    <a:srgbClr val="000000">
+                      <a:alpha val="43137"/>
+                    </a:srgbClr>
+                  </a:outerShdw>
+                </a:effectLst>
+                <a:latin typeface="Agency FB" panose="020B0503020202020204" pitchFamily="34" charset="0"/>
+              </a:rPr>
+              <a:t>powerfull</a:t>
+            </a:r>
+            <a:r>
+              <a:rPr lang="en-US" sz="6000" dirty="0">
+                <a:solidFill>
+                  <a:schemeClr val="bg1"/>
+                </a:solidFill>
+                <a:effectLst>
+                  <a:outerShdw blurRad="38100" dist="38100" dir="2700000" algn="tl">
+                    <a:srgbClr val="000000">
+                      <a:alpha val="43137"/>
+                    </a:srgbClr>
+                  </a:outerShdw>
+                </a:effectLst>
+                <a:latin typeface="Agency FB" panose="020B0503020202020204" pitchFamily="34" charset="0"/>
+              </a:rPr>
+              <a:t> programming language</a:t>
             </a:r>
             <a:endParaRPr lang="en-ID" sz="6000" dirty="0">
               <a:solidFill>
@@ -7299,7 +10069,7 @@
           <p:cNvPr id="5" name="TextBox 4">
             <a:extLst>
               <a:ext uri="{FF2B5EF4-FFF2-40B4-BE49-F238E27FC236}">
-                <a16:creationId xmlns:a16="http://schemas.microsoft.com/office/drawing/2014/main" id="{DA63CAB9-2845-4D8B-A2F2-23C49491C8B3}"/>
+                <a16:creationId xmlns:a16="http://schemas.microsoft.com/office/drawing/2014/main" id="{54D24460-13CF-4B56-9DB6-F909FF6E8E9E}"/>
               </a:ext>
             </a:extLst>
           </p:cNvPr>
@@ -7308,7 +10078,7 @@
         </p:nvSpPr>
         <p:spPr>
           <a:xfrm>
-            <a:off x="0" y="4118640"/>
+            <a:off x="0" y="2413337"/>
             <a:ext cx="12192000" cy="1015663"/>
           </a:xfrm>
           <a:prstGeom prst="rect">
@@ -7335,71 +10105,10 @@
                     </a:srgbClr>
                   </a:outerShdw>
                 </a:effectLst>
-                <a:latin typeface="Agency FB" panose="020B0503020202020204" pitchFamily="34" charset="0"/>
-              </a:rPr>
-              <a:t>&lt;span&gt; &lt;/span&gt;</a:t>
-            </a:r>
-            <a:endParaRPr lang="en-ID" sz="6000" dirty="0">
-              <a:solidFill>
-                <a:schemeClr val="bg1"/>
-              </a:solidFill>
-              <a:effectLst>
-                <a:outerShdw blurRad="38100" dist="38100" dir="2700000" algn="tl">
-                  <a:srgbClr val="000000">
-                    <a:alpha val="43137"/>
-                  </a:srgbClr>
-                </a:outerShdw>
-              </a:effectLst>
-              <a:latin typeface="Agency FB" panose="020B0503020202020204" pitchFamily="34" charset="0"/>
-            </a:endParaRPr>
-          </a:p>
-        </p:txBody>
-      </p:sp>
-      <p:sp>
-        <p:nvSpPr>
-          <p:cNvPr id="6" name="TextBox 5">
-            <a:extLst>
-              <a:ext uri="{FF2B5EF4-FFF2-40B4-BE49-F238E27FC236}">
-                <a16:creationId xmlns:a16="http://schemas.microsoft.com/office/drawing/2014/main" id="{476BA0E5-F406-42A7-8F32-3746C24A66D2}"/>
-              </a:ext>
-            </a:extLst>
-          </p:cNvPr>
-          <p:cNvSpPr txBox="1"/>
-          <p:nvPr/>
-        </p:nvSpPr>
-        <p:spPr>
-          <a:xfrm>
-            <a:off x="0" y="2288426"/>
-            <a:ext cx="12192000" cy="1015663"/>
-          </a:xfrm>
-          <a:prstGeom prst="rect">
-            <a:avLst/>
-          </a:prstGeom>
-          <a:noFill/>
-        </p:spPr>
-        <p:txBody>
-          <a:bodyPr wrap="square" rtlCol="0">
-            <a:spAutoFit/>
-          </a:bodyPr>
-          <a:lstStyle/>
-          <a:p>
-            <a:pPr algn="ctr"/>
-            <a:r>
-              <a:rPr lang="en-US" sz="6000" dirty="0">
-                <a:solidFill>
-                  <a:schemeClr val="bg1"/>
-                </a:solidFill>
-                <a:effectLst>
-                  <a:outerShdw blurRad="38100" dist="38100" dir="2700000" algn="tl">
-                    <a:srgbClr val="000000">
-                      <a:alpha val="43137"/>
-                    </a:srgbClr>
-                  </a:outerShdw>
-                </a:effectLst>
                 <a:latin typeface="Aharoni" panose="02010803020104030203" pitchFamily="2" charset="-79"/>
                 <a:cs typeface="Aharoni" panose="02010803020104030203" pitchFamily="2" charset="-79"/>
               </a:rPr>
-              <a:t>GROUP ELEMENT</a:t>
+              <a:t>&lt;JavaScript&gt;</a:t>
             </a:r>
             <a:endParaRPr lang="en-ID" sz="6000" dirty="0">
               <a:solidFill>
@@ -7421,7 +10130,7 @@
     </p:spTree>
     <p:extLst>
       <p:ext uri="{BB962C8B-B14F-4D97-AF65-F5344CB8AC3E}">
-        <p14:creationId xmlns:p14="http://schemas.microsoft.com/office/powerpoint/2010/main" val="1720668101"/>
+        <p14:creationId xmlns:p14="http://schemas.microsoft.com/office/powerpoint/2010/main" val="1404464960"/>
       </p:ext>
     </p:extLst>
   </p:cSld>
@@ -7431,7 +10140,7 @@
 </p:sld>
 </file>
 
-<file path=ppt/slides/slide13.xml><?xml version="1.0" encoding="utf-8"?>
+<file path=ppt/slides/slide15.xml><?xml version="1.0" encoding="utf-8"?>
 <p:sld xmlns:a="http://schemas.openxmlformats.org/drawingml/2006/main" xmlns:r="http://schemas.openxmlformats.org/officeDocument/2006/relationships" xmlns:p="http://schemas.openxmlformats.org/presentationml/2006/main">
   <p:cSld>
     <p:spTree>
@@ -7761,7 +10470,7 @@
                   </a:outerShdw>
                 </a:effectLst>
               </a:rPr>
-              <a:t>&lt;div&gt; &lt;/div&gt;</a:t>
+              <a:t>Main Topic</a:t>
             </a:r>
             <a:endParaRPr lang="en-ID" sz="4800" dirty="0">
               <a:ln w="0"/>
@@ -7800,7 +10509,7 @@
         </p:spPr>
         <p:txBody>
           <a:bodyPr>
-            <a:normAutofit lnSpcReduction="10000"/>
+            <a:normAutofit fontScale="92500" lnSpcReduction="10000"/>
           </a:bodyPr>
           <a:lstStyle/>
           <a:p>
@@ -7811,7 +10520,7 @@
                 </a:solidFill>
                 <a:latin typeface="Century Gothic" panose="020B0502020202020204" pitchFamily="34" charset="0"/>
               </a:rPr>
-              <a:t>The &lt;div&gt; tag defines a division or a section in an HTML document.</a:t>
+              <a:t>Variable</a:t>
             </a:r>
           </a:p>
           <a:p>
@@ -7822,10 +10531,17 @@
                 </a:solidFill>
                 <a:latin typeface="Century Gothic" panose="020B0502020202020204" pitchFamily="34" charset="0"/>
               </a:rPr>
-              <a:t>The &lt;div&gt; tag is used as a container for HTML elements - which is then styled with CSS or manipulated with JavaScript.</a:t>
-            </a:r>
-          </a:p>
-          <a:p>
+              <a:t>Nilai dan </a:t>
+            </a:r>
+            <a:r>
+              <a:rPr lang="en-US" dirty="0" err="1">
+                <a:solidFill>
+                  <a:schemeClr val="bg1"/>
+                </a:solidFill>
+                <a:latin typeface="Century Gothic" panose="020B0502020202020204" pitchFamily="34" charset="0"/>
+              </a:rPr>
+              <a:t>Tipe</a:t>
+            </a:r>
             <a:r>
               <a:rPr lang="en-US" dirty="0">
                 <a:solidFill>
@@ -7833,7 +10549,7 @@
                 </a:solidFill>
                 <a:latin typeface="Century Gothic" panose="020B0502020202020204" pitchFamily="34" charset="0"/>
               </a:rPr>
-              <a:t>The &lt;div&gt; tag is easily styled by using the class or id attribute.</a:t>
+              <a:t> data</a:t>
             </a:r>
           </a:p>
           <a:p>
@@ -7844,7 +10560,7 @@
                 </a:solidFill>
                 <a:latin typeface="Century Gothic" panose="020B0502020202020204" pitchFamily="34" charset="0"/>
               </a:rPr>
-              <a:t>Any sort of content can be put inside the &lt;div&gt; tag! </a:t>
+              <a:t>Angka</a:t>
             </a:r>
           </a:p>
           <a:p>
@@ -7855,8 +10571,128 @@
                 </a:solidFill>
                 <a:latin typeface="Century Gothic" panose="020B0502020202020204" pitchFamily="34" charset="0"/>
               </a:rPr>
-              <a:t>By default, browsers always place a line break before and after the &lt;div&gt; element.</a:t>
-            </a:r>
+              <a:t>String</a:t>
+            </a:r>
+          </a:p>
+          <a:p>
+            <a:r>
+              <a:rPr lang="en-US" dirty="0">
+                <a:solidFill>
+                  <a:schemeClr val="bg1"/>
+                </a:solidFill>
+                <a:latin typeface="Century Gothic" panose="020B0502020202020204" pitchFamily="34" charset="0"/>
+              </a:rPr>
+              <a:t>Operator </a:t>
+            </a:r>
+            <a:r>
+              <a:rPr lang="en-US" dirty="0" err="1">
+                <a:solidFill>
+                  <a:schemeClr val="bg1"/>
+                </a:solidFill>
+                <a:latin typeface="Century Gothic" panose="020B0502020202020204" pitchFamily="34" charset="0"/>
+              </a:rPr>
+              <a:t>aritmatika</a:t>
+            </a:r>
+            <a:r>
+              <a:rPr lang="en-US" dirty="0">
+                <a:solidFill>
+                  <a:schemeClr val="bg1"/>
+                </a:solidFill>
+                <a:latin typeface="Century Gothic" panose="020B0502020202020204" pitchFamily="34" charset="0"/>
+              </a:rPr>
+              <a:t> ( + - / * %)</a:t>
+            </a:r>
+          </a:p>
+          <a:p>
+            <a:r>
+              <a:rPr lang="en-US" dirty="0">
+                <a:solidFill>
+                  <a:schemeClr val="bg1"/>
+                </a:solidFill>
+                <a:latin typeface="Century Gothic" panose="020B0502020202020204" pitchFamily="34" charset="0"/>
+              </a:rPr>
+              <a:t>Operator </a:t>
+            </a:r>
+            <a:r>
+              <a:rPr lang="en-US" dirty="0" err="1">
+                <a:solidFill>
+                  <a:schemeClr val="bg1"/>
+                </a:solidFill>
+                <a:latin typeface="Century Gothic" panose="020B0502020202020204" pitchFamily="34" charset="0"/>
+              </a:rPr>
+              <a:t>pembanding</a:t>
+            </a:r>
+            <a:endParaRPr lang="en-US" dirty="0">
+              <a:solidFill>
+                <a:schemeClr val="bg1"/>
+              </a:solidFill>
+              <a:latin typeface="Century Gothic" panose="020B0502020202020204" pitchFamily="34" charset="0"/>
+            </a:endParaRPr>
+          </a:p>
+          <a:p>
+            <a:r>
+              <a:rPr lang="en-US" dirty="0">
+                <a:solidFill>
+                  <a:schemeClr val="bg1"/>
+                </a:solidFill>
+                <a:latin typeface="Century Gothic" panose="020B0502020202020204" pitchFamily="34" charset="0"/>
+              </a:rPr>
+              <a:t>Operator </a:t>
+            </a:r>
+            <a:r>
+              <a:rPr lang="en-US" dirty="0" err="1">
+                <a:solidFill>
+                  <a:schemeClr val="bg1"/>
+                </a:solidFill>
+                <a:latin typeface="Century Gothic" panose="020B0502020202020204" pitchFamily="34" charset="0"/>
+              </a:rPr>
+              <a:t>perintah</a:t>
+            </a:r>
+            <a:endParaRPr lang="en-US" dirty="0">
+              <a:solidFill>
+                <a:schemeClr val="bg1"/>
+              </a:solidFill>
+              <a:latin typeface="Century Gothic" panose="020B0502020202020204" pitchFamily="34" charset="0"/>
+            </a:endParaRPr>
+          </a:p>
+          <a:p>
+            <a:r>
+              <a:rPr lang="en-US" dirty="0">
+                <a:solidFill>
+                  <a:schemeClr val="bg1"/>
+                </a:solidFill>
+                <a:latin typeface="Century Gothic" panose="020B0502020202020204" pitchFamily="34" charset="0"/>
+              </a:rPr>
+              <a:t>Operator </a:t>
+            </a:r>
+            <a:r>
+              <a:rPr lang="en-US" dirty="0" err="1">
+                <a:solidFill>
+                  <a:schemeClr val="bg1"/>
+                </a:solidFill>
+                <a:latin typeface="Century Gothic" panose="020B0502020202020204" pitchFamily="34" charset="0"/>
+              </a:rPr>
+              <a:t>itenary</a:t>
+            </a:r>
+            <a:endParaRPr lang="en-US" dirty="0">
+              <a:solidFill>
+                <a:schemeClr val="bg1"/>
+              </a:solidFill>
+              <a:latin typeface="Century Gothic" panose="020B0502020202020204" pitchFamily="34" charset="0"/>
+            </a:endParaRPr>
+          </a:p>
+          <a:p>
+            <a:r>
+              <a:rPr lang="en-US" dirty="0">
+                <a:solidFill>
+                  <a:schemeClr val="bg1"/>
+                </a:solidFill>
+                <a:latin typeface="Century Gothic" panose="020B0502020202020204" pitchFamily="34" charset="0"/>
+              </a:rPr>
+              <a:t>Operator unary</a:t>
+            </a:r>
+          </a:p>
+          <a:p>
             <a:endParaRPr lang="en-ID" dirty="0">
               <a:solidFill>
                 <a:schemeClr val="bg1"/>
@@ -7869,7 +10705,7 @@
     </p:spTree>
     <p:extLst>
       <p:ext uri="{BB962C8B-B14F-4D97-AF65-F5344CB8AC3E}">
-        <p14:creationId xmlns:p14="http://schemas.microsoft.com/office/powerpoint/2010/main" val="2402121547"/>
+        <p14:creationId xmlns:p14="http://schemas.microsoft.com/office/powerpoint/2010/main" val="1773443904"/>
       </p:ext>
     </p:extLst>
   </p:cSld>
@@ -7879,7 +10715,7 @@
 </p:sld>
 </file>
 
-<file path=ppt/slides/slide14.xml><?xml version="1.0" encoding="utf-8"?>
+<file path=ppt/slides/slide16.xml><?xml version="1.0" encoding="utf-8"?>
 <p:sld xmlns:a="http://schemas.openxmlformats.org/drawingml/2006/main" xmlns:r="http://schemas.openxmlformats.org/officeDocument/2006/relationships" xmlns:p="http://schemas.openxmlformats.org/presentationml/2006/main">
   <p:cSld>
     <p:spTree>
@@ -7898,6 +10734,823 @@
       </p:grpSpPr>
       <p:sp>
         <p:nvSpPr>
+          <p:cNvPr id="4" name="TextBox 3">
+            <a:extLst>
+              <a:ext uri="{FF2B5EF4-FFF2-40B4-BE49-F238E27FC236}">
+                <a16:creationId xmlns:a16="http://schemas.microsoft.com/office/drawing/2014/main" id="{3FB6C6E1-9C3E-4BA3-ABBF-6AF83F6787DC}"/>
+              </a:ext>
+            </a:extLst>
+          </p:cNvPr>
+          <p:cNvSpPr txBox="1"/>
+          <p:nvPr/>
+        </p:nvSpPr>
+        <p:spPr>
+          <a:xfrm>
+            <a:off x="0" y="3328403"/>
+            <a:ext cx="12192000" cy="1015663"/>
+          </a:xfrm>
+          <a:prstGeom prst="rect">
+            <a:avLst/>
+          </a:prstGeom>
+          <a:noFill/>
+        </p:spPr>
+        <p:txBody>
+          <a:bodyPr wrap="square" rtlCol="0">
+            <a:spAutoFit/>
+          </a:bodyPr>
+          <a:lstStyle/>
+          <a:p>
+            <a:pPr algn="ctr"/>
+            <a:r>
+              <a:rPr lang="en-US" sz="6000" dirty="0">
+                <a:solidFill>
+                  <a:schemeClr val="bg1"/>
+                </a:solidFill>
+                <a:effectLst>
+                  <a:outerShdw blurRad="38100" dist="38100" dir="2700000" algn="tl">
+                    <a:srgbClr val="000000">
+                      <a:alpha val="43137"/>
+                    </a:srgbClr>
+                  </a:outerShdw>
+                </a:effectLst>
+                <a:latin typeface="Agency FB" panose="020B0503020202020204" pitchFamily="34" charset="0"/>
+              </a:rPr>
+              <a:t>Hypertext Markup Language</a:t>
+            </a:r>
+            <a:endParaRPr lang="en-ID" sz="6000" dirty="0">
+              <a:solidFill>
+                <a:schemeClr val="bg1"/>
+              </a:solidFill>
+              <a:effectLst>
+                <a:outerShdw blurRad="38100" dist="38100" dir="2700000" algn="tl">
+                  <a:srgbClr val="000000">
+                    <a:alpha val="43137"/>
+                  </a:srgbClr>
+                </a:outerShdw>
+              </a:effectLst>
+              <a:latin typeface="Agency FB" panose="020B0503020202020204" pitchFamily="34" charset="0"/>
+            </a:endParaRPr>
+          </a:p>
+        </p:txBody>
+      </p:sp>
+      <p:sp>
+        <p:nvSpPr>
+          <p:cNvPr id="5" name="TextBox 4">
+            <a:extLst>
+              <a:ext uri="{FF2B5EF4-FFF2-40B4-BE49-F238E27FC236}">
+                <a16:creationId xmlns:a16="http://schemas.microsoft.com/office/drawing/2014/main" id="{54D24460-13CF-4B56-9DB6-F909FF6E8E9E}"/>
+              </a:ext>
+            </a:extLst>
+          </p:cNvPr>
+          <p:cNvSpPr txBox="1"/>
+          <p:nvPr/>
+        </p:nvSpPr>
+        <p:spPr>
+          <a:xfrm>
+            <a:off x="0" y="2413337"/>
+            <a:ext cx="12192000" cy="1015663"/>
+          </a:xfrm>
+          <a:prstGeom prst="rect">
+            <a:avLst/>
+          </a:prstGeom>
+          <a:noFill/>
+        </p:spPr>
+        <p:txBody>
+          <a:bodyPr wrap="square" rtlCol="0">
+            <a:spAutoFit/>
+          </a:bodyPr>
+          <a:lstStyle/>
+          <a:p>
+            <a:pPr algn="ctr"/>
+            <a:r>
+              <a:rPr lang="en-US" sz="6000" dirty="0">
+                <a:solidFill>
+                  <a:schemeClr val="bg1"/>
+                </a:solidFill>
+                <a:effectLst>
+                  <a:outerShdw blurRad="38100" dist="38100" dir="2700000" algn="tl">
+                    <a:srgbClr val="000000">
+                      <a:alpha val="43137"/>
+                    </a:srgbClr>
+                  </a:outerShdw>
+                </a:effectLst>
+                <a:latin typeface="Aharoni" panose="02010803020104030203" pitchFamily="2" charset="-79"/>
+                <a:cs typeface="Aharoni" panose="02010803020104030203" pitchFamily="2" charset="-79"/>
+              </a:rPr>
+              <a:t>&lt;HTML&gt;</a:t>
+            </a:r>
+            <a:endParaRPr lang="en-ID" sz="6000" dirty="0">
+              <a:solidFill>
+                <a:schemeClr val="bg1"/>
+              </a:solidFill>
+              <a:effectLst>
+                <a:outerShdw blurRad="38100" dist="38100" dir="2700000" algn="tl">
+                  <a:srgbClr val="000000">
+                    <a:alpha val="43137"/>
+                  </a:srgbClr>
+                </a:outerShdw>
+              </a:effectLst>
+              <a:latin typeface="Aharoni" panose="02010803020104030203" pitchFamily="2" charset="-79"/>
+              <a:cs typeface="Aharoni" panose="02010803020104030203" pitchFamily="2" charset="-79"/>
+            </a:endParaRPr>
+          </a:p>
+        </p:txBody>
+      </p:sp>
+    </p:spTree>
+    <p:extLst>
+      <p:ext uri="{BB962C8B-B14F-4D97-AF65-F5344CB8AC3E}">
+        <p14:creationId xmlns:p14="http://schemas.microsoft.com/office/powerpoint/2010/main" val="2413427391"/>
+      </p:ext>
+    </p:extLst>
+  </p:cSld>
+  <p:clrMapOvr>
+    <a:masterClrMapping/>
+  </p:clrMapOvr>
+</p:sld>
+</file>
+
+<file path=ppt/slides/slide17.xml><?xml version="1.0" encoding="utf-8"?>
+<p:sld xmlns:a="http://schemas.openxmlformats.org/drawingml/2006/main" xmlns:r="http://schemas.openxmlformats.org/officeDocument/2006/relationships" xmlns:p="http://schemas.openxmlformats.org/presentationml/2006/main">
+  <p:cSld>
+    <p:spTree>
+      <p:nvGrpSpPr>
+        <p:cNvPr id="1" name=""/>
+        <p:cNvGrpSpPr/>
+        <p:nvPr/>
+      </p:nvGrpSpPr>
+      <p:grpSpPr>
+        <a:xfrm>
+          <a:off x="0" y="0"/>
+          <a:ext cx="0" cy="0"/>
+          <a:chOff x="0" y="0"/>
+          <a:chExt cx="0" cy="0"/>
+        </a:xfrm>
+      </p:grpSpPr>
+      <p:sp>
+        <p:nvSpPr>
+          <p:cNvPr id="4" name="TextBox 3">
+            <a:extLst>
+              <a:ext uri="{FF2B5EF4-FFF2-40B4-BE49-F238E27FC236}">
+                <a16:creationId xmlns:a16="http://schemas.microsoft.com/office/drawing/2014/main" id="{201DEDD7-8B79-4FE9-BBA1-608F0761E99C}"/>
+              </a:ext>
+            </a:extLst>
+          </p:cNvPr>
+          <p:cNvSpPr txBox="1"/>
+          <p:nvPr/>
+        </p:nvSpPr>
+        <p:spPr>
+          <a:xfrm>
+            <a:off x="0" y="3304089"/>
+            <a:ext cx="12192000" cy="1015663"/>
+          </a:xfrm>
+          <a:prstGeom prst="rect">
+            <a:avLst/>
+          </a:prstGeom>
+          <a:noFill/>
+        </p:spPr>
+        <p:txBody>
+          <a:bodyPr wrap="square" rtlCol="0">
+            <a:spAutoFit/>
+          </a:bodyPr>
+          <a:lstStyle/>
+          <a:p>
+            <a:pPr algn="ctr"/>
+            <a:r>
+              <a:rPr lang="en-US" sz="6000" dirty="0">
+                <a:solidFill>
+                  <a:schemeClr val="bg1"/>
+                </a:solidFill>
+                <a:effectLst>
+                  <a:outerShdw blurRad="38100" dist="38100" dir="2700000" algn="tl">
+                    <a:srgbClr val="000000">
+                      <a:alpha val="43137"/>
+                    </a:srgbClr>
+                  </a:outerShdw>
+                </a:effectLst>
+                <a:latin typeface="Agency FB" panose="020B0503020202020204" pitchFamily="34" charset="0"/>
+              </a:rPr>
+              <a:t>&lt;div&gt; &lt;/div&gt;</a:t>
+            </a:r>
+            <a:endParaRPr lang="en-ID" sz="6000" dirty="0">
+              <a:solidFill>
+                <a:schemeClr val="bg1"/>
+              </a:solidFill>
+              <a:effectLst>
+                <a:outerShdw blurRad="38100" dist="38100" dir="2700000" algn="tl">
+                  <a:srgbClr val="000000">
+                    <a:alpha val="43137"/>
+                  </a:srgbClr>
+                </a:outerShdw>
+              </a:effectLst>
+              <a:latin typeface="Agency FB" panose="020B0503020202020204" pitchFamily="34" charset="0"/>
+            </a:endParaRPr>
+          </a:p>
+        </p:txBody>
+      </p:sp>
+      <p:sp>
+        <p:nvSpPr>
+          <p:cNvPr id="5" name="TextBox 4">
+            <a:extLst>
+              <a:ext uri="{FF2B5EF4-FFF2-40B4-BE49-F238E27FC236}">
+                <a16:creationId xmlns:a16="http://schemas.microsoft.com/office/drawing/2014/main" id="{DA63CAB9-2845-4D8B-A2F2-23C49491C8B3}"/>
+              </a:ext>
+            </a:extLst>
+          </p:cNvPr>
+          <p:cNvSpPr txBox="1"/>
+          <p:nvPr/>
+        </p:nvSpPr>
+        <p:spPr>
+          <a:xfrm>
+            <a:off x="0" y="4118640"/>
+            <a:ext cx="12192000" cy="1015663"/>
+          </a:xfrm>
+          <a:prstGeom prst="rect">
+            <a:avLst/>
+          </a:prstGeom>
+          <a:noFill/>
+        </p:spPr>
+        <p:txBody>
+          <a:bodyPr wrap="square" rtlCol="0">
+            <a:spAutoFit/>
+          </a:bodyPr>
+          <a:lstStyle/>
+          <a:p>
+            <a:pPr algn="ctr"/>
+            <a:r>
+              <a:rPr lang="en-US" sz="6000" dirty="0">
+                <a:solidFill>
+                  <a:schemeClr val="bg1"/>
+                </a:solidFill>
+                <a:effectLst>
+                  <a:outerShdw blurRad="38100" dist="38100" dir="2700000" algn="tl">
+                    <a:srgbClr val="000000">
+                      <a:alpha val="43137"/>
+                    </a:srgbClr>
+                  </a:outerShdw>
+                </a:effectLst>
+                <a:latin typeface="Agency FB" panose="020B0503020202020204" pitchFamily="34" charset="0"/>
+              </a:rPr>
+              <a:t>&lt;span&gt; &lt;/span&gt;</a:t>
+            </a:r>
+            <a:endParaRPr lang="en-ID" sz="6000" dirty="0">
+              <a:solidFill>
+                <a:schemeClr val="bg1"/>
+              </a:solidFill>
+              <a:effectLst>
+                <a:outerShdw blurRad="38100" dist="38100" dir="2700000" algn="tl">
+                  <a:srgbClr val="000000">
+                    <a:alpha val="43137"/>
+                  </a:srgbClr>
+                </a:outerShdw>
+              </a:effectLst>
+              <a:latin typeface="Agency FB" panose="020B0503020202020204" pitchFamily="34" charset="0"/>
+            </a:endParaRPr>
+          </a:p>
+        </p:txBody>
+      </p:sp>
+      <p:sp>
+        <p:nvSpPr>
+          <p:cNvPr id="6" name="TextBox 5">
+            <a:extLst>
+              <a:ext uri="{FF2B5EF4-FFF2-40B4-BE49-F238E27FC236}">
+                <a16:creationId xmlns:a16="http://schemas.microsoft.com/office/drawing/2014/main" id="{476BA0E5-F406-42A7-8F32-3746C24A66D2}"/>
+              </a:ext>
+            </a:extLst>
+          </p:cNvPr>
+          <p:cNvSpPr txBox="1"/>
+          <p:nvPr/>
+        </p:nvSpPr>
+        <p:spPr>
+          <a:xfrm>
+            <a:off x="0" y="2288426"/>
+            <a:ext cx="12192000" cy="1015663"/>
+          </a:xfrm>
+          <a:prstGeom prst="rect">
+            <a:avLst/>
+          </a:prstGeom>
+          <a:noFill/>
+        </p:spPr>
+        <p:txBody>
+          <a:bodyPr wrap="square" rtlCol="0">
+            <a:spAutoFit/>
+          </a:bodyPr>
+          <a:lstStyle/>
+          <a:p>
+            <a:pPr algn="ctr"/>
+            <a:r>
+              <a:rPr lang="en-US" sz="6000" dirty="0">
+                <a:solidFill>
+                  <a:schemeClr val="bg1"/>
+                </a:solidFill>
+                <a:effectLst>
+                  <a:outerShdw blurRad="38100" dist="38100" dir="2700000" algn="tl">
+                    <a:srgbClr val="000000">
+                      <a:alpha val="43137"/>
+                    </a:srgbClr>
+                  </a:outerShdw>
+                </a:effectLst>
+                <a:latin typeface="Aharoni" panose="02010803020104030203" pitchFamily="2" charset="-79"/>
+                <a:cs typeface="Aharoni" panose="02010803020104030203" pitchFamily="2" charset="-79"/>
+              </a:rPr>
+              <a:t>GROUP ELEMENT</a:t>
+            </a:r>
+            <a:endParaRPr lang="en-ID" sz="6000" dirty="0">
+              <a:solidFill>
+                <a:schemeClr val="bg1"/>
+              </a:solidFill>
+              <a:effectLst>
+                <a:outerShdw blurRad="38100" dist="38100" dir="2700000" algn="tl">
+                  <a:srgbClr val="000000">
+                    <a:alpha val="43137"/>
+                  </a:srgbClr>
+                </a:outerShdw>
+              </a:effectLst>
+              <a:latin typeface="Aharoni" panose="02010803020104030203" pitchFamily="2" charset="-79"/>
+              <a:cs typeface="Aharoni" panose="02010803020104030203" pitchFamily="2" charset="-79"/>
+            </a:endParaRPr>
+          </a:p>
+        </p:txBody>
+      </p:sp>
+    </p:spTree>
+    <p:extLst>
+      <p:ext uri="{BB962C8B-B14F-4D97-AF65-F5344CB8AC3E}">
+        <p14:creationId xmlns:p14="http://schemas.microsoft.com/office/powerpoint/2010/main" val="1720668101"/>
+      </p:ext>
+    </p:extLst>
+  </p:cSld>
+  <p:clrMapOvr>
+    <a:masterClrMapping/>
+  </p:clrMapOvr>
+</p:sld>
+</file>
+
+<file path=ppt/slides/slide18.xml><?xml version="1.0" encoding="utf-8"?>
+<p:sld xmlns:a="http://schemas.openxmlformats.org/drawingml/2006/main" xmlns:r="http://schemas.openxmlformats.org/officeDocument/2006/relationships" xmlns:p="http://schemas.openxmlformats.org/presentationml/2006/main">
+  <p:cSld>
+    <p:spTree>
+      <p:nvGrpSpPr>
+        <p:cNvPr id="1" name=""/>
+        <p:cNvGrpSpPr/>
+        <p:nvPr/>
+      </p:nvGrpSpPr>
+      <p:grpSpPr>
+        <a:xfrm>
+          <a:off x="0" y="0"/>
+          <a:ext cx="0" cy="0"/>
+          <a:chOff x="0" y="0"/>
+          <a:chExt cx="0" cy="0"/>
+        </a:xfrm>
+      </p:grpSpPr>
+      <p:sp>
+        <p:nvSpPr>
+          <p:cNvPr id="5" name="Rectangle 4">
+            <a:extLst>
+              <a:ext uri="{FF2B5EF4-FFF2-40B4-BE49-F238E27FC236}">
+                <a16:creationId xmlns:a16="http://schemas.microsoft.com/office/drawing/2014/main" id="{EF3ACF8F-14E1-434E-9B18-1C664DA4DF91}"/>
+              </a:ext>
+            </a:extLst>
+          </p:cNvPr>
+          <p:cNvSpPr/>
+          <p:nvPr/>
+        </p:nvSpPr>
+        <p:spPr>
+          <a:xfrm>
+            <a:off x="0" y="977463"/>
+            <a:ext cx="12192000" cy="141890"/>
+          </a:xfrm>
+          <a:prstGeom prst="rect">
+            <a:avLst/>
+          </a:prstGeom>
+          <a:solidFill>
+            <a:srgbClr val="00B0F0"/>
+          </a:solidFill>
+          <a:ln>
+            <a:noFill/>
+          </a:ln>
+        </p:spPr>
+        <p:style>
+          <a:lnRef idx="2">
+            <a:schemeClr val="accent1">
+              <a:shade val="50000"/>
+            </a:schemeClr>
+          </a:lnRef>
+          <a:fillRef idx="1">
+            <a:schemeClr val="accent1"/>
+          </a:fillRef>
+          <a:effectRef idx="0">
+            <a:schemeClr val="accent1"/>
+          </a:effectRef>
+          <a:fontRef idx="minor">
+            <a:schemeClr val="lt1"/>
+          </a:fontRef>
+        </p:style>
+        <p:txBody>
+          <a:bodyPr rtlCol="0" anchor="ctr"/>
+          <a:lstStyle/>
+          <a:p>
+            <a:pPr algn="ctr"/>
+            <a:endParaRPr lang="en-ID"/>
+          </a:p>
+        </p:txBody>
+      </p:sp>
+      <p:sp>
+        <p:nvSpPr>
+          <p:cNvPr id="6" name="Rectangle: Top Corners Rounded 5">
+            <a:extLst>
+              <a:ext uri="{FF2B5EF4-FFF2-40B4-BE49-F238E27FC236}">
+                <a16:creationId xmlns:a16="http://schemas.microsoft.com/office/drawing/2014/main" id="{24675962-8920-41A9-86F4-01B2936D428F}"/>
+              </a:ext>
+            </a:extLst>
+          </p:cNvPr>
+          <p:cNvSpPr/>
+          <p:nvPr/>
+        </p:nvSpPr>
+        <p:spPr>
+          <a:xfrm rot="10800000">
+            <a:off x="1639614" y="1119353"/>
+            <a:ext cx="9017876" cy="772510"/>
+          </a:xfrm>
+          <a:prstGeom prst="round2SameRect">
+            <a:avLst/>
+          </a:prstGeom>
+          <a:solidFill>
+            <a:schemeClr val="bg1"/>
+          </a:solidFill>
+          <a:ln w="38100">
+            <a:solidFill>
+              <a:srgbClr val="00B0F0"/>
+            </a:solidFill>
+          </a:ln>
+        </p:spPr>
+        <p:style>
+          <a:lnRef idx="2">
+            <a:schemeClr val="accent1">
+              <a:shade val="50000"/>
+            </a:schemeClr>
+          </a:lnRef>
+          <a:fillRef idx="1">
+            <a:schemeClr val="accent1"/>
+          </a:fillRef>
+          <a:effectRef idx="0">
+            <a:schemeClr val="accent1"/>
+          </a:effectRef>
+          <a:fontRef idx="minor">
+            <a:schemeClr val="lt1"/>
+          </a:fontRef>
+        </p:style>
+        <p:txBody>
+          <a:bodyPr rtlCol="0" anchor="ctr"/>
+          <a:lstStyle/>
+          <a:p>
+            <a:pPr algn="ctr"/>
+            <a:endParaRPr lang="en-ID"/>
+          </a:p>
+        </p:txBody>
+      </p:sp>
+      <p:sp>
+        <p:nvSpPr>
+          <p:cNvPr id="9" name="Content Placeholder 2">
+            <a:extLst>
+              <a:ext uri="{FF2B5EF4-FFF2-40B4-BE49-F238E27FC236}">
+                <a16:creationId xmlns:a16="http://schemas.microsoft.com/office/drawing/2014/main" id="{93C4E96F-14DE-422F-BBC2-2494C938BCB4}"/>
+              </a:ext>
+            </a:extLst>
+          </p:cNvPr>
+          <p:cNvSpPr txBox="1">
+            <a:spLocks/>
+          </p:cNvSpPr>
+          <p:nvPr/>
+        </p:nvSpPr>
+        <p:spPr>
+          <a:xfrm>
+            <a:off x="0" y="1119351"/>
+            <a:ext cx="12192000" cy="901809"/>
+          </a:xfrm>
+          <a:prstGeom prst="rect">
+            <a:avLst/>
+          </a:prstGeom>
+        </p:spPr>
+        <p:txBody>
+          <a:bodyPr vert="horz" lIns="91440" tIns="45720" rIns="91440" bIns="45720" rtlCol="0">
+            <a:normAutofit/>
+          </a:bodyPr>
+          <a:lstStyle>
+            <a:lvl1pPr marL="228600" indent="-228600" algn="l" defTabSz="914400" rtl="0" eaLnBrk="1" latinLnBrk="0" hangingPunct="1">
+              <a:lnSpc>
+                <a:spcPct val="90000"/>
+              </a:lnSpc>
+              <a:spcBef>
+                <a:spcPts val="1000"/>
+              </a:spcBef>
+              <a:buFont typeface="Arial" panose="020B0604020202020204" pitchFamily="34" charset="0"/>
+              <a:buChar char="•"/>
+              <a:defRPr sz="2800" kern="1200">
+                <a:solidFill>
+                  <a:schemeClr val="tx1"/>
+                </a:solidFill>
+                <a:latin typeface="+mn-lt"/>
+                <a:ea typeface="+mn-ea"/>
+                <a:cs typeface="+mn-cs"/>
+              </a:defRPr>
+            </a:lvl1pPr>
+            <a:lvl2pPr marL="685800" indent="-228600" algn="l" defTabSz="914400" rtl="0" eaLnBrk="1" latinLnBrk="0" hangingPunct="1">
+              <a:lnSpc>
+                <a:spcPct val="90000"/>
+              </a:lnSpc>
+              <a:spcBef>
+                <a:spcPts val="500"/>
+              </a:spcBef>
+              <a:buFont typeface="Arial" panose="020B0604020202020204" pitchFamily="34" charset="0"/>
+              <a:buChar char="•"/>
+              <a:defRPr sz="2400" kern="1200">
+                <a:solidFill>
+                  <a:schemeClr val="tx1"/>
+                </a:solidFill>
+                <a:latin typeface="+mn-lt"/>
+                <a:ea typeface="+mn-ea"/>
+                <a:cs typeface="+mn-cs"/>
+              </a:defRPr>
+            </a:lvl2pPr>
+            <a:lvl3pPr marL="1143000" indent="-228600" algn="l" defTabSz="914400" rtl="0" eaLnBrk="1" latinLnBrk="0" hangingPunct="1">
+              <a:lnSpc>
+                <a:spcPct val="90000"/>
+              </a:lnSpc>
+              <a:spcBef>
+                <a:spcPts val="500"/>
+              </a:spcBef>
+              <a:buFont typeface="Arial" panose="020B0604020202020204" pitchFamily="34" charset="0"/>
+              <a:buChar char="•"/>
+              <a:defRPr sz="2000" kern="1200">
+                <a:solidFill>
+                  <a:schemeClr val="tx1"/>
+                </a:solidFill>
+                <a:latin typeface="+mn-lt"/>
+                <a:ea typeface="+mn-ea"/>
+                <a:cs typeface="+mn-cs"/>
+              </a:defRPr>
+            </a:lvl3pPr>
+            <a:lvl4pPr marL="1600200" indent="-228600" algn="l" defTabSz="914400" rtl="0" eaLnBrk="1" latinLnBrk="0" hangingPunct="1">
+              <a:lnSpc>
+                <a:spcPct val="90000"/>
+              </a:lnSpc>
+              <a:spcBef>
+                <a:spcPts val="500"/>
+              </a:spcBef>
+              <a:buFont typeface="Arial" panose="020B0604020202020204" pitchFamily="34" charset="0"/>
+              <a:buChar char="•"/>
+              <a:defRPr sz="1800" kern="1200">
+                <a:solidFill>
+                  <a:schemeClr val="tx1"/>
+                </a:solidFill>
+                <a:latin typeface="+mn-lt"/>
+                <a:ea typeface="+mn-ea"/>
+                <a:cs typeface="+mn-cs"/>
+              </a:defRPr>
+            </a:lvl4pPr>
+            <a:lvl5pPr marL="2057400" indent="-228600" algn="l" defTabSz="914400" rtl="0" eaLnBrk="1" latinLnBrk="0" hangingPunct="1">
+              <a:lnSpc>
+                <a:spcPct val="90000"/>
+              </a:lnSpc>
+              <a:spcBef>
+                <a:spcPts val="500"/>
+              </a:spcBef>
+              <a:buFont typeface="Arial" panose="020B0604020202020204" pitchFamily="34" charset="0"/>
+              <a:buChar char="•"/>
+              <a:defRPr sz="1800" kern="1200">
+                <a:solidFill>
+                  <a:schemeClr val="tx1"/>
+                </a:solidFill>
+                <a:latin typeface="+mn-lt"/>
+                <a:ea typeface="+mn-ea"/>
+                <a:cs typeface="+mn-cs"/>
+              </a:defRPr>
+            </a:lvl5pPr>
+            <a:lvl6pPr marL="2514600" indent="-228600" algn="l" defTabSz="914400" rtl="0" eaLnBrk="1" latinLnBrk="0" hangingPunct="1">
+              <a:lnSpc>
+                <a:spcPct val="90000"/>
+              </a:lnSpc>
+              <a:spcBef>
+                <a:spcPts val="500"/>
+              </a:spcBef>
+              <a:buFont typeface="Arial" panose="020B0604020202020204" pitchFamily="34" charset="0"/>
+              <a:buChar char="•"/>
+              <a:defRPr sz="1800" kern="1200">
+                <a:solidFill>
+                  <a:schemeClr val="tx1"/>
+                </a:solidFill>
+                <a:latin typeface="+mn-lt"/>
+                <a:ea typeface="+mn-ea"/>
+                <a:cs typeface="+mn-cs"/>
+              </a:defRPr>
+            </a:lvl6pPr>
+            <a:lvl7pPr marL="2971800" indent="-228600" algn="l" defTabSz="914400" rtl="0" eaLnBrk="1" latinLnBrk="0" hangingPunct="1">
+              <a:lnSpc>
+                <a:spcPct val="90000"/>
+              </a:lnSpc>
+              <a:spcBef>
+                <a:spcPts val="500"/>
+              </a:spcBef>
+              <a:buFont typeface="Arial" panose="020B0604020202020204" pitchFamily="34" charset="0"/>
+              <a:buChar char="•"/>
+              <a:defRPr sz="1800" kern="1200">
+                <a:solidFill>
+                  <a:schemeClr val="tx1"/>
+                </a:solidFill>
+                <a:latin typeface="+mn-lt"/>
+                <a:ea typeface="+mn-ea"/>
+                <a:cs typeface="+mn-cs"/>
+              </a:defRPr>
+            </a:lvl7pPr>
+            <a:lvl8pPr marL="3429000" indent="-228600" algn="l" defTabSz="914400" rtl="0" eaLnBrk="1" latinLnBrk="0" hangingPunct="1">
+              <a:lnSpc>
+                <a:spcPct val="90000"/>
+              </a:lnSpc>
+              <a:spcBef>
+                <a:spcPts val="500"/>
+              </a:spcBef>
+              <a:buFont typeface="Arial" panose="020B0604020202020204" pitchFamily="34" charset="0"/>
+              <a:buChar char="•"/>
+              <a:defRPr sz="1800" kern="1200">
+                <a:solidFill>
+                  <a:schemeClr val="tx1"/>
+                </a:solidFill>
+                <a:latin typeface="+mn-lt"/>
+                <a:ea typeface="+mn-ea"/>
+                <a:cs typeface="+mn-cs"/>
+              </a:defRPr>
+            </a:lvl8pPr>
+            <a:lvl9pPr marL="3886200" indent="-228600" algn="l" defTabSz="914400" rtl="0" eaLnBrk="1" latinLnBrk="0" hangingPunct="1">
+              <a:lnSpc>
+                <a:spcPct val="90000"/>
+              </a:lnSpc>
+              <a:spcBef>
+                <a:spcPts val="500"/>
+              </a:spcBef>
+              <a:buFont typeface="Arial" panose="020B0604020202020204" pitchFamily="34" charset="0"/>
+              <a:buChar char="•"/>
+              <a:defRPr sz="1800" kern="1200">
+                <a:solidFill>
+                  <a:schemeClr val="tx1"/>
+                </a:solidFill>
+                <a:latin typeface="+mn-lt"/>
+                <a:ea typeface="+mn-ea"/>
+                <a:cs typeface="+mn-cs"/>
+              </a:defRPr>
+            </a:lvl9pPr>
+          </a:lstStyle>
+          <a:p>
+            <a:pPr marL="0" indent="0" algn="ctr">
+              <a:buFont typeface="Arial" panose="020B0604020202020204" pitchFamily="34" charset="0"/>
+              <a:buNone/>
+            </a:pPr>
+            <a:r>
+              <a:rPr lang="en-US" sz="4800" dirty="0">
+                <a:ln w="0"/>
+                <a:effectLst>
+                  <a:outerShdw blurRad="38100" dist="19050" dir="2700000" algn="tl" rotWithShape="0">
+                    <a:schemeClr val="dk1">
+                      <a:alpha val="40000"/>
+                    </a:schemeClr>
+                  </a:outerShdw>
+                </a:effectLst>
+              </a:rPr>
+              <a:t>&lt;div&gt; &lt;/div&gt;</a:t>
+            </a:r>
+            <a:endParaRPr lang="en-ID" sz="4800" dirty="0">
+              <a:ln w="0"/>
+              <a:effectLst>
+                <a:outerShdw blurRad="38100" dist="19050" dir="2700000" algn="tl" rotWithShape="0">
+                  <a:schemeClr val="dk1">
+                    <a:alpha val="40000"/>
+                  </a:schemeClr>
+                </a:outerShdw>
+              </a:effectLst>
+            </a:endParaRPr>
+          </a:p>
+        </p:txBody>
+      </p:sp>
+      <p:sp>
+        <p:nvSpPr>
+          <p:cNvPr id="10" name="Content Placeholder 2">
+            <a:extLst>
+              <a:ext uri="{FF2B5EF4-FFF2-40B4-BE49-F238E27FC236}">
+                <a16:creationId xmlns:a16="http://schemas.microsoft.com/office/drawing/2014/main" id="{A4FF23B1-4205-489B-9B7D-36588EEEC8DE}"/>
+              </a:ext>
+            </a:extLst>
+          </p:cNvPr>
+          <p:cNvSpPr>
+            <a:spLocks noGrp="1"/>
+          </p:cNvSpPr>
+          <p:nvPr>
+            <p:ph idx="1"/>
+          </p:nvPr>
+        </p:nvSpPr>
+        <p:spPr>
+          <a:xfrm>
+            <a:off x="838200" y="2163047"/>
+            <a:ext cx="10515600" cy="4013915"/>
+          </a:xfrm>
+        </p:spPr>
+        <p:txBody>
+          <a:bodyPr>
+            <a:normAutofit lnSpcReduction="10000"/>
+          </a:bodyPr>
+          <a:lstStyle/>
+          <a:p>
+            <a:r>
+              <a:rPr lang="en-US" dirty="0">
+                <a:solidFill>
+                  <a:schemeClr val="bg1"/>
+                </a:solidFill>
+                <a:latin typeface="Century Gothic" panose="020B0502020202020204" pitchFamily="34" charset="0"/>
+              </a:rPr>
+              <a:t>The &lt;div&gt; tag defines a division or a section in an HTML document.</a:t>
+            </a:r>
+          </a:p>
+          <a:p>
+            <a:r>
+              <a:rPr lang="en-US" dirty="0">
+                <a:solidFill>
+                  <a:schemeClr val="bg1"/>
+                </a:solidFill>
+                <a:latin typeface="Century Gothic" panose="020B0502020202020204" pitchFamily="34" charset="0"/>
+              </a:rPr>
+              <a:t>The &lt;div&gt; tag is used as a container for HTML elements - which is then styled with CSS or manipulated with JavaScript.</a:t>
+            </a:r>
+          </a:p>
+          <a:p>
+            <a:r>
+              <a:rPr lang="en-US" dirty="0">
+                <a:solidFill>
+                  <a:schemeClr val="bg1"/>
+                </a:solidFill>
+                <a:latin typeface="Century Gothic" panose="020B0502020202020204" pitchFamily="34" charset="0"/>
+              </a:rPr>
+              <a:t>The &lt;div&gt; tag is easily styled by using the class or id attribute.</a:t>
+            </a:r>
+          </a:p>
+          <a:p>
+            <a:r>
+              <a:rPr lang="en-US" dirty="0">
+                <a:solidFill>
+                  <a:schemeClr val="bg1"/>
+                </a:solidFill>
+                <a:latin typeface="Century Gothic" panose="020B0502020202020204" pitchFamily="34" charset="0"/>
+              </a:rPr>
+              <a:t>Any sort of content can be put inside the &lt;div&gt; tag! </a:t>
+            </a:r>
+          </a:p>
+          <a:p>
+            <a:r>
+              <a:rPr lang="en-US" dirty="0">
+                <a:solidFill>
+                  <a:schemeClr val="bg1"/>
+                </a:solidFill>
+                <a:latin typeface="Century Gothic" panose="020B0502020202020204" pitchFamily="34" charset="0"/>
+              </a:rPr>
+              <a:t>By default, browsers always place a line break before and after the &lt;div&gt; element.</a:t>
+            </a:r>
+            <a:endParaRPr lang="en-ID" dirty="0">
+              <a:solidFill>
+                <a:schemeClr val="bg1"/>
+              </a:solidFill>
+              <a:latin typeface="Century Gothic" panose="020B0502020202020204" pitchFamily="34" charset="0"/>
+            </a:endParaRPr>
+          </a:p>
+        </p:txBody>
+      </p:sp>
+    </p:spTree>
+    <p:extLst>
+      <p:ext uri="{BB962C8B-B14F-4D97-AF65-F5344CB8AC3E}">
+        <p14:creationId xmlns:p14="http://schemas.microsoft.com/office/powerpoint/2010/main" val="3796483998"/>
+      </p:ext>
+    </p:extLst>
+  </p:cSld>
+  <p:clrMapOvr>
+    <a:masterClrMapping/>
+  </p:clrMapOvr>
+</p:sld>
+</file>
+
+<file path=ppt/slides/slide19.xml><?xml version="1.0" encoding="utf-8"?>
+<p:sld xmlns:a="http://schemas.openxmlformats.org/drawingml/2006/main" xmlns:r="http://schemas.openxmlformats.org/officeDocument/2006/relationships" xmlns:p="http://schemas.openxmlformats.org/presentationml/2006/main">
+  <p:cSld>
+    <p:spTree>
+      <p:nvGrpSpPr>
+        <p:cNvPr id="1" name=""/>
+        <p:cNvGrpSpPr/>
+        <p:nvPr/>
+      </p:nvGrpSpPr>
+      <p:grpSpPr>
+        <a:xfrm>
+          <a:off x="0" y="0"/>
+          <a:ext cx="0" cy="0"/>
+          <a:chOff x="0" y="0"/>
+          <a:chExt cx="0" cy="0"/>
+        </a:xfrm>
+      </p:grpSpPr>
+      <p:sp>
+        <p:nvSpPr>
           <p:cNvPr id="3" name="Content Placeholder 2">
             <a:extLst>
               <a:ext uri="{FF2B5EF4-FFF2-40B4-BE49-F238E27FC236}">
@@ -8176,7 +11829,499 @@
 </p:sld>
 </file>
 
-<file path=ppt/slides/slide15.xml><?xml version="1.0" encoding="utf-8"?>
+<file path=ppt/slides/slide2.xml><?xml version="1.0" encoding="utf-8"?>
+<p:sld xmlns:a="http://schemas.openxmlformats.org/drawingml/2006/main" xmlns:r="http://schemas.openxmlformats.org/officeDocument/2006/relationships" xmlns:p="http://schemas.openxmlformats.org/presentationml/2006/main">
+  <p:cSld>
+    <p:spTree>
+      <p:nvGrpSpPr>
+        <p:cNvPr id="1" name=""/>
+        <p:cNvGrpSpPr/>
+        <p:nvPr/>
+      </p:nvGrpSpPr>
+      <p:grpSpPr>
+        <a:xfrm>
+          <a:off x="0" y="0"/>
+          <a:ext cx="0" cy="0"/>
+          <a:chOff x="0" y="0"/>
+          <a:chExt cx="0" cy="0"/>
+        </a:xfrm>
+      </p:grpSpPr>
+      <p:sp>
+        <p:nvSpPr>
+          <p:cNvPr id="4" name="Rectangle 3">
+            <a:extLst>
+              <a:ext uri="{FF2B5EF4-FFF2-40B4-BE49-F238E27FC236}">
+                <a16:creationId xmlns:a16="http://schemas.microsoft.com/office/drawing/2014/main" id="{3862B5B7-2E7A-4161-A758-E758C4CD9478}"/>
+              </a:ext>
+            </a:extLst>
+          </p:cNvPr>
+          <p:cNvSpPr/>
+          <p:nvPr/>
+        </p:nvSpPr>
+        <p:spPr>
+          <a:xfrm>
+            <a:off x="7847585" y="2967335"/>
+            <a:ext cx="1983235" cy="923330"/>
+          </a:xfrm>
+          <a:prstGeom prst="rect">
+            <a:avLst/>
+          </a:prstGeom>
+          <a:noFill/>
+        </p:spPr>
+        <p:txBody>
+          <a:bodyPr wrap="none" lIns="91440" tIns="45720" rIns="91440" bIns="45720">
+            <a:spAutoFit/>
+          </a:bodyPr>
+          <a:lstStyle/>
+          <a:p>
+            <a:pPr algn="ctr"/>
+            <a:r>
+              <a:rPr lang="en-US" sz="5400" dirty="0">
+                <a:ln w="0"/>
+                <a:gradFill>
+                  <a:gsLst>
+                    <a:gs pos="0">
+                      <a:schemeClr val="accent5">
+                        <a:lumMod val="50000"/>
+                      </a:schemeClr>
+                    </a:gs>
+                    <a:gs pos="50000">
+                      <a:schemeClr val="accent5"/>
+                    </a:gs>
+                    <a:gs pos="100000">
+                      <a:schemeClr val="accent5">
+                        <a:lumMod val="60000"/>
+                        <a:lumOff val="40000"/>
+                      </a:schemeClr>
+                    </a:gs>
+                  </a:gsLst>
+                  <a:lin ang="5400000"/>
+                </a:gradFill>
+                <a:effectLst>
+                  <a:reflection blurRad="6350" stA="53000" endA="300" endPos="35500" dir="5400000" sy="-90000" algn="bl" rotWithShape="0"/>
+                </a:effectLst>
+              </a:rPr>
+              <a:t>object</a:t>
+            </a:r>
+          </a:p>
+        </p:txBody>
+      </p:sp>
+      <p:sp>
+        <p:nvSpPr>
+          <p:cNvPr id="5" name="Rectangle 4">
+            <a:extLst>
+              <a:ext uri="{FF2B5EF4-FFF2-40B4-BE49-F238E27FC236}">
+                <a16:creationId xmlns:a16="http://schemas.microsoft.com/office/drawing/2014/main" id="{7956CF71-0B4D-489B-9720-603E82049082}"/>
+              </a:ext>
+            </a:extLst>
+          </p:cNvPr>
+          <p:cNvSpPr/>
+          <p:nvPr/>
+        </p:nvSpPr>
+        <p:spPr>
+          <a:xfrm>
+            <a:off x="3147818" y="1877677"/>
+            <a:ext cx="4361708" cy="923330"/>
+          </a:xfrm>
+          <a:prstGeom prst="rect">
+            <a:avLst/>
+          </a:prstGeom>
+          <a:noFill/>
+        </p:spPr>
+        <p:txBody>
+          <a:bodyPr wrap="none" lIns="91440" tIns="45720" rIns="91440" bIns="45720">
+            <a:spAutoFit/>
+          </a:bodyPr>
+          <a:lstStyle/>
+          <a:p>
+            <a:pPr algn="ctr"/>
+            <a:r>
+              <a:rPr lang="en-US" sz="5400" b="1" dirty="0" err="1">
+                <a:ln w="13462">
+                  <a:solidFill>
+                    <a:schemeClr val="bg1"/>
+                  </a:solidFill>
+                  <a:prstDash val="solid"/>
+                </a:ln>
+                <a:solidFill>
+                  <a:schemeClr val="tx1">
+                    <a:lumMod val="85000"/>
+                    <a:lumOff val="15000"/>
+                  </a:schemeClr>
+                </a:solidFill>
+                <a:effectLst>
+                  <a:outerShdw dist="38100" dir="2700000" algn="bl" rotWithShape="0">
+                    <a:schemeClr val="accent5"/>
+                  </a:outerShdw>
+                </a:effectLst>
+              </a:rPr>
+              <a:t>pengkondisian</a:t>
+            </a:r>
+            <a:endParaRPr lang="en-US" sz="5400" b="1" dirty="0">
+              <a:ln w="13462">
+                <a:solidFill>
+                  <a:schemeClr val="bg1"/>
+                </a:solidFill>
+                <a:prstDash val="solid"/>
+              </a:ln>
+              <a:solidFill>
+                <a:schemeClr val="tx1">
+                  <a:lumMod val="85000"/>
+                  <a:lumOff val="15000"/>
+                </a:schemeClr>
+              </a:solidFill>
+              <a:effectLst>
+                <a:outerShdw dist="38100" dir="2700000" algn="bl" rotWithShape="0">
+                  <a:schemeClr val="accent5"/>
+                </a:outerShdw>
+              </a:effectLst>
+            </a:endParaRPr>
+          </a:p>
+        </p:txBody>
+      </p:sp>
+      <p:sp>
+        <p:nvSpPr>
+          <p:cNvPr id="6" name="Rectangle 5">
+            <a:extLst>
+              <a:ext uri="{FF2B5EF4-FFF2-40B4-BE49-F238E27FC236}">
+                <a16:creationId xmlns:a16="http://schemas.microsoft.com/office/drawing/2014/main" id="{4DD15C57-1623-4F80-BE75-6BD5F8A83508}"/>
+              </a:ext>
+            </a:extLst>
+          </p:cNvPr>
+          <p:cNvSpPr/>
+          <p:nvPr/>
+        </p:nvSpPr>
+        <p:spPr>
+          <a:xfrm>
+            <a:off x="381836" y="3429000"/>
+            <a:ext cx="5668668" cy="1323439"/>
+          </a:xfrm>
+          <a:prstGeom prst="rect">
+            <a:avLst/>
+          </a:prstGeom>
+          <a:noFill/>
+        </p:spPr>
+        <p:txBody>
+          <a:bodyPr wrap="none" lIns="91440" tIns="45720" rIns="91440" bIns="45720">
+            <a:spAutoFit/>
+          </a:bodyPr>
+          <a:lstStyle/>
+          <a:p>
+            <a:pPr algn="ctr"/>
+            <a:r>
+              <a:rPr lang="en-US" sz="8000" b="1" dirty="0" err="1">
+                <a:ln w="12700">
+                  <a:solidFill>
+                    <a:schemeClr val="tx2">
+                      <a:lumMod val="75000"/>
+                    </a:schemeClr>
+                  </a:solidFill>
+                  <a:prstDash val="solid"/>
+                </a:ln>
+                <a:pattFill prst="dkUpDiag">
+                  <a:fgClr>
+                    <a:schemeClr val="tx2"/>
+                  </a:fgClr>
+                  <a:bgClr>
+                    <a:schemeClr val="tx2">
+                      <a:lumMod val="20000"/>
+                      <a:lumOff val="80000"/>
+                    </a:schemeClr>
+                  </a:bgClr>
+                </a:pattFill>
+                <a:effectLst>
+                  <a:outerShdw dist="38100" dir="2640000" algn="bl" rotWithShape="0">
+                    <a:schemeClr val="tx2">
+                      <a:lumMod val="75000"/>
+                    </a:schemeClr>
+                  </a:outerShdw>
+                </a:effectLst>
+              </a:rPr>
+              <a:t>pengulangan</a:t>
+            </a:r>
+            <a:endParaRPr lang="en-US" sz="8000" b="1" dirty="0">
+              <a:ln w="12700">
+                <a:solidFill>
+                  <a:schemeClr val="tx2">
+                    <a:lumMod val="75000"/>
+                  </a:schemeClr>
+                </a:solidFill>
+                <a:prstDash val="solid"/>
+              </a:ln>
+              <a:pattFill prst="dkUpDiag">
+                <a:fgClr>
+                  <a:schemeClr val="tx2"/>
+                </a:fgClr>
+                <a:bgClr>
+                  <a:schemeClr val="tx2">
+                    <a:lumMod val="20000"/>
+                    <a:lumOff val="80000"/>
+                  </a:schemeClr>
+                </a:bgClr>
+              </a:pattFill>
+              <a:effectLst>
+                <a:outerShdw dist="38100" dir="2640000" algn="bl" rotWithShape="0">
+                  <a:schemeClr val="tx2">
+                    <a:lumMod val="75000"/>
+                  </a:schemeClr>
+                </a:outerShdw>
+              </a:effectLst>
+            </a:endParaRPr>
+          </a:p>
+        </p:txBody>
+      </p:sp>
+      <p:sp>
+        <p:nvSpPr>
+          <p:cNvPr id="7" name="Rectangle 6">
+            <a:extLst>
+              <a:ext uri="{FF2B5EF4-FFF2-40B4-BE49-F238E27FC236}">
+                <a16:creationId xmlns:a16="http://schemas.microsoft.com/office/drawing/2014/main" id="{95F7626D-F5A7-4E72-8046-39CA4B525949}"/>
+              </a:ext>
+            </a:extLst>
+          </p:cNvPr>
+          <p:cNvSpPr/>
+          <p:nvPr/>
+        </p:nvSpPr>
+        <p:spPr>
+          <a:xfrm>
+            <a:off x="8559378" y="954347"/>
+            <a:ext cx="3449920" cy="1107996"/>
+          </a:xfrm>
+          <a:prstGeom prst="rect">
+            <a:avLst/>
+          </a:prstGeom>
+          <a:noFill/>
+        </p:spPr>
+        <p:txBody>
+          <a:bodyPr wrap="none" lIns="91440" tIns="45720" rIns="91440" bIns="45720">
+            <a:spAutoFit/>
+          </a:bodyPr>
+          <a:lstStyle/>
+          <a:p>
+            <a:pPr algn="ctr"/>
+            <a:r>
+              <a:rPr lang="en-US" sz="6600" b="1" dirty="0" err="1">
+                <a:ln w="22225">
+                  <a:solidFill>
+                    <a:schemeClr val="accent2"/>
+                  </a:solidFill>
+                  <a:prstDash val="solid"/>
+                </a:ln>
+                <a:solidFill>
+                  <a:schemeClr val="accent2">
+                    <a:lumMod val="40000"/>
+                    <a:lumOff val="60000"/>
+                  </a:schemeClr>
+                </a:solidFill>
+                <a:effectLst>
+                  <a:outerShdw blurRad="38100" dist="38100" dir="2700000" algn="tl">
+                    <a:srgbClr val="000000">
+                      <a:alpha val="43137"/>
+                    </a:srgbClr>
+                  </a:outerShdw>
+                </a:effectLst>
+              </a:rPr>
+              <a:t>Tipe</a:t>
+            </a:r>
+            <a:r>
+              <a:rPr lang="en-US" sz="6600" b="1" dirty="0">
+                <a:ln w="22225">
+                  <a:solidFill>
+                    <a:schemeClr val="accent2"/>
+                  </a:solidFill>
+                  <a:prstDash val="solid"/>
+                </a:ln>
+                <a:solidFill>
+                  <a:schemeClr val="accent2">
+                    <a:lumMod val="40000"/>
+                    <a:lumOff val="60000"/>
+                  </a:schemeClr>
+                </a:solidFill>
+                <a:effectLst>
+                  <a:outerShdw blurRad="38100" dist="38100" dir="2700000" algn="tl">
+                    <a:srgbClr val="000000">
+                      <a:alpha val="43137"/>
+                    </a:srgbClr>
+                  </a:outerShdw>
+                </a:effectLst>
+              </a:rPr>
+              <a:t> data</a:t>
+            </a:r>
+          </a:p>
+        </p:txBody>
+      </p:sp>
+      <p:sp>
+        <p:nvSpPr>
+          <p:cNvPr id="8" name="Rectangle 7">
+            <a:extLst>
+              <a:ext uri="{FF2B5EF4-FFF2-40B4-BE49-F238E27FC236}">
+                <a16:creationId xmlns:a16="http://schemas.microsoft.com/office/drawing/2014/main" id="{7FA86F92-F9ED-4320-AAE5-2DEDD16FD923}"/>
+              </a:ext>
+            </a:extLst>
+          </p:cNvPr>
+          <p:cNvSpPr/>
+          <p:nvPr/>
+        </p:nvSpPr>
+        <p:spPr>
+          <a:xfrm>
+            <a:off x="273309" y="928328"/>
+            <a:ext cx="2490875" cy="923330"/>
+          </a:xfrm>
+          <a:prstGeom prst="rect">
+            <a:avLst/>
+          </a:prstGeom>
+          <a:noFill/>
+        </p:spPr>
+        <p:txBody>
+          <a:bodyPr wrap="none" lIns="91440" tIns="45720" rIns="91440" bIns="45720">
+            <a:spAutoFit/>
+          </a:bodyPr>
+          <a:lstStyle/>
+          <a:p>
+            <a:pPr algn="ctr"/>
+            <a:r>
+              <a:rPr lang="en-US" sz="5400" b="1" cap="none" spc="0" dirty="0">
+                <a:ln w="12700">
+                  <a:solidFill>
+                    <a:schemeClr val="accent1"/>
+                  </a:solidFill>
+                  <a:prstDash val="solid"/>
+                </a:ln>
+                <a:pattFill prst="pct50">
+                  <a:fgClr>
+                    <a:schemeClr val="accent1"/>
+                  </a:fgClr>
+                  <a:bgClr>
+                    <a:schemeClr val="accent1">
+                      <a:lumMod val="20000"/>
+                      <a:lumOff val="80000"/>
+                    </a:schemeClr>
+                  </a:bgClr>
+                </a:pattFill>
+                <a:effectLst>
+                  <a:outerShdw dist="38100" dir="2640000" algn="bl" rotWithShape="0">
+                    <a:schemeClr val="accent1"/>
+                  </a:outerShdw>
+                </a:effectLst>
+              </a:rPr>
+              <a:t>variable</a:t>
+            </a:r>
+          </a:p>
+        </p:txBody>
+      </p:sp>
+      <p:sp>
+        <p:nvSpPr>
+          <p:cNvPr id="9" name="Rectangle 8">
+            <a:extLst>
+              <a:ext uri="{FF2B5EF4-FFF2-40B4-BE49-F238E27FC236}">
+                <a16:creationId xmlns:a16="http://schemas.microsoft.com/office/drawing/2014/main" id="{67EBC8FA-42AD-4CF5-AD92-033C9CB8293E}"/>
+              </a:ext>
+            </a:extLst>
+          </p:cNvPr>
+          <p:cNvSpPr/>
+          <p:nvPr/>
+        </p:nvSpPr>
+        <p:spPr>
+          <a:xfrm>
+            <a:off x="3165417" y="5200783"/>
+            <a:ext cx="2592377" cy="923330"/>
+          </a:xfrm>
+          <a:prstGeom prst="rect">
+            <a:avLst/>
+          </a:prstGeom>
+          <a:noFill/>
+        </p:spPr>
+        <p:txBody>
+          <a:bodyPr wrap="none" lIns="91440" tIns="45720" rIns="91440" bIns="45720">
+            <a:spAutoFit/>
+            <a:scene3d>
+              <a:camera prst="orthographicFront"/>
+              <a:lightRig rig="soft" dir="t">
+                <a:rot lat="0" lon="0" rev="15600000"/>
+              </a:lightRig>
+            </a:scene3d>
+            <a:sp3d extrusionH="57150" prstMaterial="softEdge">
+              <a:bevelT w="25400" h="38100"/>
+            </a:sp3d>
+          </a:bodyPr>
+          <a:lstStyle/>
+          <a:p>
+            <a:pPr algn="ctr"/>
+            <a:r>
+              <a:rPr lang="en-US" sz="5400" b="1" dirty="0">
+                <a:ln/>
+                <a:solidFill>
+                  <a:schemeClr val="accent4"/>
+                </a:solidFill>
+              </a:rPr>
+              <a:t>function</a:t>
+            </a:r>
+          </a:p>
+        </p:txBody>
+      </p:sp>
+      <p:sp>
+        <p:nvSpPr>
+          <p:cNvPr id="10" name="Rectangle 9">
+            <a:extLst>
+              <a:ext uri="{FF2B5EF4-FFF2-40B4-BE49-F238E27FC236}">
+                <a16:creationId xmlns:a16="http://schemas.microsoft.com/office/drawing/2014/main" id="{4E8206D5-F046-482E-966C-B7E1F1988DB8}"/>
+              </a:ext>
+            </a:extLst>
+          </p:cNvPr>
+          <p:cNvSpPr/>
+          <p:nvPr/>
+        </p:nvSpPr>
+        <p:spPr>
+          <a:xfrm>
+            <a:off x="7847585" y="5200783"/>
+            <a:ext cx="2153090" cy="1200329"/>
+          </a:xfrm>
+          <a:prstGeom prst="rect">
+            <a:avLst/>
+          </a:prstGeom>
+          <a:noFill/>
+        </p:spPr>
+        <p:txBody>
+          <a:bodyPr wrap="none" lIns="91440" tIns="45720" rIns="91440" bIns="45720">
+            <a:spAutoFit/>
+          </a:bodyPr>
+          <a:lstStyle/>
+          <a:p>
+            <a:pPr algn="ctr"/>
+            <a:r>
+              <a:rPr lang="en-US" sz="7200" b="1" dirty="0">
+                <a:ln w="0"/>
+                <a:gradFill>
+                  <a:gsLst>
+                    <a:gs pos="21000">
+                      <a:srgbClr val="53575C"/>
+                    </a:gs>
+                    <a:gs pos="88000">
+                      <a:srgbClr val="C5C7CA"/>
+                    </a:gs>
+                  </a:gsLst>
+                  <a:lin ang="5400000"/>
+                </a:gradFill>
+              </a:rPr>
+              <a:t>array</a:t>
+            </a:r>
+          </a:p>
+        </p:txBody>
+      </p:sp>
+    </p:spTree>
+    <p:extLst>
+      <p:ext uri="{BB962C8B-B14F-4D97-AF65-F5344CB8AC3E}">
+        <p14:creationId xmlns:p14="http://schemas.microsoft.com/office/powerpoint/2010/main" val="955270860"/>
+      </p:ext>
+    </p:extLst>
+  </p:cSld>
+  <p:clrMapOvr>
+    <a:masterClrMapping/>
+  </p:clrMapOvr>
+</p:sld>
+</file>
+
+<file path=ppt/slides/slide20.xml><?xml version="1.0" encoding="utf-8"?>
 <p:sld xmlns:a="http://schemas.openxmlformats.org/drawingml/2006/main" xmlns:r="http://schemas.openxmlformats.org/officeDocument/2006/relationships" xmlns:p="http://schemas.openxmlformats.org/presentationml/2006/main">
   <p:cSld>
     <p:spTree>
@@ -8836,7 +12981,7 @@
 </p:sld>
 </file>
 
-<file path=ppt/slides/slide16.xml><?xml version="1.0" encoding="utf-8"?>
+<file path=ppt/slides/slide21.xml><?xml version="1.0" encoding="utf-8"?>
 <p:sld xmlns:a="http://schemas.openxmlformats.org/drawingml/2006/main" xmlns:r="http://schemas.openxmlformats.org/officeDocument/2006/relationships" xmlns:p="http://schemas.openxmlformats.org/presentationml/2006/main">
   <p:cSld>
     <p:spTree>
@@ -9959,498 +14104,6 @@
 </p:sld>
 </file>
 
-<file path=ppt/slides/slide2.xml><?xml version="1.0" encoding="utf-8"?>
-<p:sld xmlns:a="http://schemas.openxmlformats.org/drawingml/2006/main" xmlns:r="http://schemas.openxmlformats.org/officeDocument/2006/relationships" xmlns:p="http://schemas.openxmlformats.org/presentationml/2006/main">
-  <p:cSld>
-    <p:spTree>
-      <p:nvGrpSpPr>
-        <p:cNvPr id="1" name=""/>
-        <p:cNvGrpSpPr/>
-        <p:nvPr/>
-      </p:nvGrpSpPr>
-      <p:grpSpPr>
-        <a:xfrm>
-          <a:off x="0" y="0"/>
-          <a:ext cx="0" cy="0"/>
-          <a:chOff x="0" y="0"/>
-          <a:chExt cx="0" cy="0"/>
-        </a:xfrm>
-      </p:grpSpPr>
-      <p:sp>
-        <p:nvSpPr>
-          <p:cNvPr id="4" name="Rectangle 3">
-            <a:extLst>
-              <a:ext uri="{FF2B5EF4-FFF2-40B4-BE49-F238E27FC236}">
-                <a16:creationId xmlns:a16="http://schemas.microsoft.com/office/drawing/2014/main" id="{3862B5B7-2E7A-4161-A758-E758C4CD9478}"/>
-              </a:ext>
-            </a:extLst>
-          </p:cNvPr>
-          <p:cNvSpPr/>
-          <p:nvPr/>
-        </p:nvSpPr>
-        <p:spPr>
-          <a:xfrm>
-            <a:off x="7847585" y="2967335"/>
-            <a:ext cx="1983235" cy="923330"/>
-          </a:xfrm>
-          <a:prstGeom prst="rect">
-            <a:avLst/>
-          </a:prstGeom>
-          <a:noFill/>
-        </p:spPr>
-        <p:txBody>
-          <a:bodyPr wrap="none" lIns="91440" tIns="45720" rIns="91440" bIns="45720">
-            <a:spAutoFit/>
-          </a:bodyPr>
-          <a:lstStyle/>
-          <a:p>
-            <a:pPr algn="ctr"/>
-            <a:r>
-              <a:rPr lang="en-US" sz="5400" dirty="0">
-                <a:ln w="0"/>
-                <a:gradFill>
-                  <a:gsLst>
-                    <a:gs pos="0">
-                      <a:schemeClr val="accent5">
-                        <a:lumMod val="50000"/>
-                      </a:schemeClr>
-                    </a:gs>
-                    <a:gs pos="50000">
-                      <a:schemeClr val="accent5"/>
-                    </a:gs>
-                    <a:gs pos="100000">
-                      <a:schemeClr val="accent5">
-                        <a:lumMod val="60000"/>
-                        <a:lumOff val="40000"/>
-                      </a:schemeClr>
-                    </a:gs>
-                  </a:gsLst>
-                  <a:lin ang="5400000"/>
-                </a:gradFill>
-                <a:effectLst>
-                  <a:reflection blurRad="6350" stA="53000" endA="300" endPos="35500" dir="5400000" sy="-90000" algn="bl" rotWithShape="0"/>
-                </a:effectLst>
-              </a:rPr>
-              <a:t>object</a:t>
-            </a:r>
-          </a:p>
-        </p:txBody>
-      </p:sp>
-      <p:sp>
-        <p:nvSpPr>
-          <p:cNvPr id="5" name="Rectangle 4">
-            <a:extLst>
-              <a:ext uri="{FF2B5EF4-FFF2-40B4-BE49-F238E27FC236}">
-                <a16:creationId xmlns:a16="http://schemas.microsoft.com/office/drawing/2014/main" id="{7956CF71-0B4D-489B-9720-603E82049082}"/>
-              </a:ext>
-            </a:extLst>
-          </p:cNvPr>
-          <p:cNvSpPr/>
-          <p:nvPr/>
-        </p:nvSpPr>
-        <p:spPr>
-          <a:xfrm>
-            <a:off x="3147818" y="1877677"/>
-            <a:ext cx="4361708" cy="923330"/>
-          </a:xfrm>
-          <a:prstGeom prst="rect">
-            <a:avLst/>
-          </a:prstGeom>
-          <a:noFill/>
-        </p:spPr>
-        <p:txBody>
-          <a:bodyPr wrap="none" lIns="91440" tIns="45720" rIns="91440" bIns="45720">
-            <a:spAutoFit/>
-          </a:bodyPr>
-          <a:lstStyle/>
-          <a:p>
-            <a:pPr algn="ctr"/>
-            <a:r>
-              <a:rPr lang="en-US" sz="5400" b="1" dirty="0" err="1">
-                <a:ln w="13462">
-                  <a:solidFill>
-                    <a:schemeClr val="bg1"/>
-                  </a:solidFill>
-                  <a:prstDash val="solid"/>
-                </a:ln>
-                <a:solidFill>
-                  <a:schemeClr val="tx1">
-                    <a:lumMod val="85000"/>
-                    <a:lumOff val="15000"/>
-                  </a:schemeClr>
-                </a:solidFill>
-                <a:effectLst>
-                  <a:outerShdw dist="38100" dir="2700000" algn="bl" rotWithShape="0">
-                    <a:schemeClr val="accent5"/>
-                  </a:outerShdw>
-                </a:effectLst>
-              </a:rPr>
-              <a:t>pengkondisian</a:t>
-            </a:r>
-            <a:endParaRPr lang="en-US" sz="5400" b="1" dirty="0">
-              <a:ln w="13462">
-                <a:solidFill>
-                  <a:schemeClr val="bg1"/>
-                </a:solidFill>
-                <a:prstDash val="solid"/>
-              </a:ln>
-              <a:solidFill>
-                <a:schemeClr val="tx1">
-                  <a:lumMod val="85000"/>
-                  <a:lumOff val="15000"/>
-                </a:schemeClr>
-              </a:solidFill>
-              <a:effectLst>
-                <a:outerShdw dist="38100" dir="2700000" algn="bl" rotWithShape="0">
-                  <a:schemeClr val="accent5"/>
-                </a:outerShdw>
-              </a:effectLst>
-            </a:endParaRPr>
-          </a:p>
-        </p:txBody>
-      </p:sp>
-      <p:sp>
-        <p:nvSpPr>
-          <p:cNvPr id="6" name="Rectangle 5">
-            <a:extLst>
-              <a:ext uri="{FF2B5EF4-FFF2-40B4-BE49-F238E27FC236}">
-                <a16:creationId xmlns:a16="http://schemas.microsoft.com/office/drawing/2014/main" id="{4DD15C57-1623-4F80-BE75-6BD5F8A83508}"/>
-              </a:ext>
-            </a:extLst>
-          </p:cNvPr>
-          <p:cNvSpPr/>
-          <p:nvPr/>
-        </p:nvSpPr>
-        <p:spPr>
-          <a:xfrm>
-            <a:off x="381836" y="3429000"/>
-            <a:ext cx="5668668" cy="1323439"/>
-          </a:xfrm>
-          <a:prstGeom prst="rect">
-            <a:avLst/>
-          </a:prstGeom>
-          <a:noFill/>
-        </p:spPr>
-        <p:txBody>
-          <a:bodyPr wrap="none" lIns="91440" tIns="45720" rIns="91440" bIns="45720">
-            <a:spAutoFit/>
-          </a:bodyPr>
-          <a:lstStyle/>
-          <a:p>
-            <a:pPr algn="ctr"/>
-            <a:r>
-              <a:rPr lang="en-US" sz="8000" b="1" dirty="0" err="1">
-                <a:ln w="12700">
-                  <a:solidFill>
-                    <a:schemeClr val="tx2">
-                      <a:lumMod val="75000"/>
-                    </a:schemeClr>
-                  </a:solidFill>
-                  <a:prstDash val="solid"/>
-                </a:ln>
-                <a:pattFill prst="dkUpDiag">
-                  <a:fgClr>
-                    <a:schemeClr val="tx2"/>
-                  </a:fgClr>
-                  <a:bgClr>
-                    <a:schemeClr val="tx2">
-                      <a:lumMod val="20000"/>
-                      <a:lumOff val="80000"/>
-                    </a:schemeClr>
-                  </a:bgClr>
-                </a:pattFill>
-                <a:effectLst>
-                  <a:outerShdw dist="38100" dir="2640000" algn="bl" rotWithShape="0">
-                    <a:schemeClr val="tx2">
-                      <a:lumMod val="75000"/>
-                    </a:schemeClr>
-                  </a:outerShdw>
-                </a:effectLst>
-              </a:rPr>
-              <a:t>pengulangan</a:t>
-            </a:r>
-            <a:endParaRPr lang="en-US" sz="8000" b="1" dirty="0">
-              <a:ln w="12700">
-                <a:solidFill>
-                  <a:schemeClr val="tx2">
-                    <a:lumMod val="75000"/>
-                  </a:schemeClr>
-                </a:solidFill>
-                <a:prstDash val="solid"/>
-              </a:ln>
-              <a:pattFill prst="dkUpDiag">
-                <a:fgClr>
-                  <a:schemeClr val="tx2"/>
-                </a:fgClr>
-                <a:bgClr>
-                  <a:schemeClr val="tx2">
-                    <a:lumMod val="20000"/>
-                    <a:lumOff val="80000"/>
-                  </a:schemeClr>
-                </a:bgClr>
-              </a:pattFill>
-              <a:effectLst>
-                <a:outerShdw dist="38100" dir="2640000" algn="bl" rotWithShape="0">
-                  <a:schemeClr val="tx2">
-                    <a:lumMod val="75000"/>
-                  </a:schemeClr>
-                </a:outerShdw>
-              </a:effectLst>
-            </a:endParaRPr>
-          </a:p>
-        </p:txBody>
-      </p:sp>
-      <p:sp>
-        <p:nvSpPr>
-          <p:cNvPr id="7" name="Rectangle 6">
-            <a:extLst>
-              <a:ext uri="{FF2B5EF4-FFF2-40B4-BE49-F238E27FC236}">
-                <a16:creationId xmlns:a16="http://schemas.microsoft.com/office/drawing/2014/main" id="{95F7626D-F5A7-4E72-8046-39CA4B525949}"/>
-              </a:ext>
-            </a:extLst>
-          </p:cNvPr>
-          <p:cNvSpPr/>
-          <p:nvPr/>
-        </p:nvSpPr>
-        <p:spPr>
-          <a:xfrm>
-            <a:off x="8559378" y="954347"/>
-            <a:ext cx="3449920" cy="1107996"/>
-          </a:xfrm>
-          <a:prstGeom prst="rect">
-            <a:avLst/>
-          </a:prstGeom>
-          <a:noFill/>
-        </p:spPr>
-        <p:txBody>
-          <a:bodyPr wrap="none" lIns="91440" tIns="45720" rIns="91440" bIns="45720">
-            <a:spAutoFit/>
-          </a:bodyPr>
-          <a:lstStyle/>
-          <a:p>
-            <a:pPr algn="ctr"/>
-            <a:r>
-              <a:rPr lang="en-US" sz="6600" b="1" dirty="0" err="1">
-                <a:ln w="22225">
-                  <a:solidFill>
-                    <a:schemeClr val="accent2"/>
-                  </a:solidFill>
-                  <a:prstDash val="solid"/>
-                </a:ln>
-                <a:solidFill>
-                  <a:schemeClr val="accent2">
-                    <a:lumMod val="40000"/>
-                    <a:lumOff val="60000"/>
-                  </a:schemeClr>
-                </a:solidFill>
-                <a:effectLst>
-                  <a:outerShdw blurRad="38100" dist="38100" dir="2700000" algn="tl">
-                    <a:srgbClr val="000000">
-                      <a:alpha val="43137"/>
-                    </a:srgbClr>
-                  </a:outerShdw>
-                </a:effectLst>
-              </a:rPr>
-              <a:t>Tipe</a:t>
-            </a:r>
-            <a:r>
-              <a:rPr lang="en-US" sz="6600" b="1" dirty="0">
-                <a:ln w="22225">
-                  <a:solidFill>
-                    <a:schemeClr val="accent2"/>
-                  </a:solidFill>
-                  <a:prstDash val="solid"/>
-                </a:ln>
-                <a:solidFill>
-                  <a:schemeClr val="accent2">
-                    <a:lumMod val="40000"/>
-                    <a:lumOff val="60000"/>
-                  </a:schemeClr>
-                </a:solidFill>
-                <a:effectLst>
-                  <a:outerShdw blurRad="38100" dist="38100" dir="2700000" algn="tl">
-                    <a:srgbClr val="000000">
-                      <a:alpha val="43137"/>
-                    </a:srgbClr>
-                  </a:outerShdw>
-                </a:effectLst>
-              </a:rPr>
-              <a:t> data</a:t>
-            </a:r>
-          </a:p>
-        </p:txBody>
-      </p:sp>
-      <p:sp>
-        <p:nvSpPr>
-          <p:cNvPr id="8" name="Rectangle 7">
-            <a:extLst>
-              <a:ext uri="{FF2B5EF4-FFF2-40B4-BE49-F238E27FC236}">
-                <a16:creationId xmlns:a16="http://schemas.microsoft.com/office/drawing/2014/main" id="{7FA86F92-F9ED-4320-AAE5-2DEDD16FD923}"/>
-              </a:ext>
-            </a:extLst>
-          </p:cNvPr>
-          <p:cNvSpPr/>
-          <p:nvPr/>
-        </p:nvSpPr>
-        <p:spPr>
-          <a:xfrm>
-            <a:off x="273309" y="928328"/>
-            <a:ext cx="2490875" cy="923330"/>
-          </a:xfrm>
-          <a:prstGeom prst="rect">
-            <a:avLst/>
-          </a:prstGeom>
-          <a:noFill/>
-        </p:spPr>
-        <p:txBody>
-          <a:bodyPr wrap="none" lIns="91440" tIns="45720" rIns="91440" bIns="45720">
-            <a:spAutoFit/>
-          </a:bodyPr>
-          <a:lstStyle/>
-          <a:p>
-            <a:pPr algn="ctr"/>
-            <a:r>
-              <a:rPr lang="en-US" sz="5400" b="1" cap="none" spc="0" dirty="0">
-                <a:ln w="12700">
-                  <a:solidFill>
-                    <a:schemeClr val="accent1"/>
-                  </a:solidFill>
-                  <a:prstDash val="solid"/>
-                </a:ln>
-                <a:pattFill prst="pct50">
-                  <a:fgClr>
-                    <a:schemeClr val="accent1"/>
-                  </a:fgClr>
-                  <a:bgClr>
-                    <a:schemeClr val="accent1">
-                      <a:lumMod val="20000"/>
-                      <a:lumOff val="80000"/>
-                    </a:schemeClr>
-                  </a:bgClr>
-                </a:pattFill>
-                <a:effectLst>
-                  <a:outerShdw dist="38100" dir="2640000" algn="bl" rotWithShape="0">
-                    <a:schemeClr val="accent1"/>
-                  </a:outerShdw>
-                </a:effectLst>
-              </a:rPr>
-              <a:t>variable</a:t>
-            </a:r>
-          </a:p>
-        </p:txBody>
-      </p:sp>
-      <p:sp>
-        <p:nvSpPr>
-          <p:cNvPr id="9" name="Rectangle 8">
-            <a:extLst>
-              <a:ext uri="{FF2B5EF4-FFF2-40B4-BE49-F238E27FC236}">
-                <a16:creationId xmlns:a16="http://schemas.microsoft.com/office/drawing/2014/main" id="{67EBC8FA-42AD-4CF5-AD92-033C9CB8293E}"/>
-              </a:ext>
-            </a:extLst>
-          </p:cNvPr>
-          <p:cNvSpPr/>
-          <p:nvPr/>
-        </p:nvSpPr>
-        <p:spPr>
-          <a:xfrm>
-            <a:off x="3165417" y="5200783"/>
-            <a:ext cx="2592377" cy="923330"/>
-          </a:xfrm>
-          <a:prstGeom prst="rect">
-            <a:avLst/>
-          </a:prstGeom>
-          <a:noFill/>
-        </p:spPr>
-        <p:txBody>
-          <a:bodyPr wrap="none" lIns="91440" tIns="45720" rIns="91440" bIns="45720">
-            <a:spAutoFit/>
-            <a:scene3d>
-              <a:camera prst="orthographicFront"/>
-              <a:lightRig rig="soft" dir="t">
-                <a:rot lat="0" lon="0" rev="15600000"/>
-              </a:lightRig>
-            </a:scene3d>
-            <a:sp3d extrusionH="57150" prstMaterial="softEdge">
-              <a:bevelT w="25400" h="38100"/>
-            </a:sp3d>
-          </a:bodyPr>
-          <a:lstStyle/>
-          <a:p>
-            <a:pPr algn="ctr"/>
-            <a:r>
-              <a:rPr lang="en-US" sz="5400" b="1" dirty="0">
-                <a:ln/>
-                <a:solidFill>
-                  <a:schemeClr val="accent4"/>
-                </a:solidFill>
-              </a:rPr>
-              <a:t>function</a:t>
-            </a:r>
-          </a:p>
-        </p:txBody>
-      </p:sp>
-      <p:sp>
-        <p:nvSpPr>
-          <p:cNvPr id="10" name="Rectangle 9">
-            <a:extLst>
-              <a:ext uri="{FF2B5EF4-FFF2-40B4-BE49-F238E27FC236}">
-                <a16:creationId xmlns:a16="http://schemas.microsoft.com/office/drawing/2014/main" id="{4E8206D5-F046-482E-966C-B7E1F1988DB8}"/>
-              </a:ext>
-            </a:extLst>
-          </p:cNvPr>
-          <p:cNvSpPr/>
-          <p:nvPr/>
-        </p:nvSpPr>
-        <p:spPr>
-          <a:xfrm>
-            <a:off x="7847585" y="5200783"/>
-            <a:ext cx="2153090" cy="1200329"/>
-          </a:xfrm>
-          <a:prstGeom prst="rect">
-            <a:avLst/>
-          </a:prstGeom>
-          <a:noFill/>
-        </p:spPr>
-        <p:txBody>
-          <a:bodyPr wrap="none" lIns="91440" tIns="45720" rIns="91440" bIns="45720">
-            <a:spAutoFit/>
-          </a:bodyPr>
-          <a:lstStyle/>
-          <a:p>
-            <a:pPr algn="ctr"/>
-            <a:r>
-              <a:rPr lang="en-US" sz="7200" b="1" dirty="0">
-                <a:ln w="0"/>
-                <a:gradFill>
-                  <a:gsLst>
-                    <a:gs pos="21000">
-                      <a:srgbClr val="53575C"/>
-                    </a:gs>
-                    <a:gs pos="88000">
-                      <a:srgbClr val="C5C7CA"/>
-                    </a:gs>
-                  </a:gsLst>
-                  <a:lin ang="5400000"/>
-                </a:gradFill>
-              </a:rPr>
-              <a:t>array</a:t>
-            </a:r>
-          </a:p>
-        </p:txBody>
-      </p:sp>
-    </p:spTree>
-    <p:extLst>
-      <p:ext uri="{BB962C8B-B14F-4D97-AF65-F5344CB8AC3E}">
-        <p14:creationId xmlns:p14="http://schemas.microsoft.com/office/powerpoint/2010/main" val="955270860"/>
-      </p:ext>
-    </p:extLst>
-  </p:cSld>
-  <p:clrMapOvr>
-    <a:masterClrMapping/>
-  </p:clrMapOvr>
-</p:sld>
-</file>
-
 <file path=ppt/slides/slide3.xml><?xml version="1.0" encoding="utf-8"?>
 <p:sld xmlns:a="http://schemas.openxmlformats.org/drawingml/2006/main" xmlns:r="http://schemas.openxmlformats.org/officeDocument/2006/relationships" xmlns:p="http://schemas.openxmlformats.org/presentationml/2006/main">
   <p:cSld>
@@ -10702,6 +14355,1165 @@
           <a:chExt cx="0" cy="0"/>
         </a:xfrm>
       </p:grpSpPr>
+      <p:sp>
+        <p:nvSpPr>
+          <p:cNvPr id="5" name="Rectangle 4">
+            <a:extLst>
+              <a:ext uri="{FF2B5EF4-FFF2-40B4-BE49-F238E27FC236}">
+                <a16:creationId xmlns:a16="http://schemas.microsoft.com/office/drawing/2014/main" id="{EF3ACF8F-14E1-434E-9B18-1C664DA4DF91}"/>
+              </a:ext>
+            </a:extLst>
+          </p:cNvPr>
+          <p:cNvSpPr/>
+          <p:nvPr/>
+        </p:nvSpPr>
+        <p:spPr>
+          <a:xfrm>
+            <a:off x="0" y="977463"/>
+            <a:ext cx="12192000" cy="141890"/>
+          </a:xfrm>
+          <a:prstGeom prst="rect">
+            <a:avLst/>
+          </a:prstGeom>
+          <a:solidFill>
+            <a:srgbClr val="00B0F0"/>
+          </a:solidFill>
+          <a:ln>
+            <a:noFill/>
+          </a:ln>
+        </p:spPr>
+        <p:style>
+          <a:lnRef idx="2">
+            <a:schemeClr val="accent1">
+              <a:shade val="50000"/>
+            </a:schemeClr>
+          </a:lnRef>
+          <a:fillRef idx="1">
+            <a:schemeClr val="accent1"/>
+          </a:fillRef>
+          <a:effectRef idx="0">
+            <a:schemeClr val="accent1"/>
+          </a:effectRef>
+          <a:fontRef idx="minor">
+            <a:schemeClr val="lt1"/>
+          </a:fontRef>
+        </p:style>
+        <p:txBody>
+          <a:bodyPr rtlCol="0" anchor="ctr"/>
+          <a:lstStyle/>
+          <a:p>
+            <a:pPr algn="ctr"/>
+            <a:endParaRPr lang="en-ID"/>
+          </a:p>
+        </p:txBody>
+      </p:sp>
+      <p:sp>
+        <p:nvSpPr>
+          <p:cNvPr id="6" name="Rectangle: Top Corners Rounded 5">
+            <a:extLst>
+              <a:ext uri="{FF2B5EF4-FFF2-40B4-BE49-F238E27FC236}">
+                <a16:creationId xmlns:a16="http://schemas.microsoft.com/office/drawing/2014/main" id="{24675962-8920-41A9-86F4-01B2936D428F}"/>
+              </a:ext>
+            </a:extLst>
+          </p:cNvPr>
+          <p:cNvSpPr/>
+          <p:nvPr/>
+        </p:nvSpPr>
+        <p:spPr>
+          <a:xfrm rot="10800000">
+            <a:off x="1639614" y="1119353"/>
+            <a:ext cx="9017876" cy="772510"/>
+          </a:xfrm>
+          <a:prstGeom prst="round2SameRect">
+            <a:avLst/>
+          </a:prstGeom>
+          <a:solidFill>
+            <a:schemeClr val="bg1"/>
+          </a:solidFill>
+          <a:ln w="38100">
+            <a:solidFill>
+              <a:srgbClr val="00B0F0"/>
+            </a:solidFill>
+          </a:ln>
+        </p:spPr>
+        <p:style>
+          <a:lnRef idx="2">
+            <a:schemeClr val="accent1">
+              <a:shade val="50000"/>
+            </a:schemeClr>
+          </a:lnRef>
+          <a:fillRef idx="1">
+            <a:schemeClr val="accent1"/>
+          </a:fillRef>
+          <a:effectRef idx="0">
+            <a:schemeClr val="accent1"/>
+          </a:effectRef>
+          <a:fontRef idx="minor">
+            <a:schemeClr val="lt1"/>
+          </a:fontRef>
+        </p:style>
+        <p:txBody>
+          <a:bodyPr rtlCol="0" anchor="ctr"/>
+          <a:lstStyle/>
+          <a:p>
+            <a:pPr algn="ctr"/>
+            <a:endParaRPr lang="en-ID"/>
+          </a:p>
+        </p:txBody>
+      </p:sp>
+      <p:sp>
+        <p:nvSpPr>
+          <p:cNvPr id="9" name="Content Placeholder 2">
+            <a:extLst>
+              <a:ext uri="{FF2B5EF4-FFF2-40B4-BE49-F238E27FC236}">
+                <a16:creationId xmlns:a16="http://schemas.microsoft.com/office/drawing/2014/main" id="{93C4E96F-14DE-422F-BBC2-2494C938BCB4}"/>
+              </a:ext>
+            </a:extLst>
+          </p:cNvPr>
+          <p:cNvSpPr txBox="1">
+            <a:spLocks/>
+          </p:cNvSpPr>
+          <p:nvPr/>
+        </p:nvSpPr>
+        <p:spPr>
+          <a:xfrm>
+            <a:off x="0" y="1119351"/>
+            <a:ext cx="12192000" cy="901809"/>
+          </a:xfrm>
+          <a:prstGeom prst="rect">
+            <a:avLst/>
+          </a:prstGeom>
+        </p:spPr>
+        <p:txBody>
+          <a:bodyPr vert="horz" lIns="91440" tIns="45720" rIns="91440" bIns="45720" rtlCol="0">
+            <a:normAutofit/>
+          </a:bodyPr>
+          <a:lstStyle>
+            <a:lvl1pPr marL="228600" indent="-228600" algn="l" defTabSz="914400" rtl="0" eaLnBrk="1" latinLnBrk="0" hangingPunct="1">
+              <a:lnSpc>
+                <a:spcPct val="90000"/>
+              </a:lnSpc>
+              <a:spcBef>
+                <a:spcPts val="1000"/>
+              </a:spcBef>
+              <a:buFont typeface="Arial" panose="020B0604020202020204" pitchFamily="34" charset="0"/>
+              <a:buChar char="•"/>
+              <a:defRPr sz="2800" kern="1200">
+                <a:solidFill>
+                  <a:schemeClr val="tx1"/>
+                </a:solidFill>
+                <a:latin typeface="+mn-lt"/>
+                <a:ea typeface="+mn-ea"/>
+                <a:cs typeface="+mn-cs"/>
+              </a:defRPr>
+            </a:lvl1pPr>
+            <a:lvl2pPr marL="685800" indent="-228600" algn="l" defTabSz="914400" rtl="0" eaLnBrk="1" latinLnBrk="0" hangingPunct="1">
+              <a:lnSpc>
+                <a:spcPct val="90000"/>
+              </a:lnSpc>
+              <a:spcBef>
+                <a:spcPts val="500"/>
+              </a:spcBef>
+              <a:buFont typeface="Arial" panose="020B0604020202020204" pitchFamily="34" charset="0"/>
+              <a:buChar char="•"/>
+              <a:defRPr sz="2400" kern="1200">
+                <a:solidFill>
+                  <a:schemeClr val="tx1"/>
+                </a:solidFill>
+                <a:latin typeface="+mn-lt"/>
+                <a:ea typeface="+mn-ea"/>
+                <a:cs typeface="+mn-cs"/>
+              </a:defRPr>
+            </a:lvl2pPr>
+            <a:lvl3pPr marL="1143000" indent="-228600" algn="l" defTabSz="914400" rtl="0" eaLnBrk="1" latinLnBrk="0" hangingPunct="1">
+              <a:lnSpc>
+                <a:spcPct val="90000"/>
+              </a:lnSpc>
+              <a:spcBef>
+                <a:spcPts val="500"/>
+              </a:spcBef>
+              <a:buFont typeface="Arial" panose="020B0604020202020204" pitchFamily="34" charset="0"/>
+              <a:buChar char="•"/>
+              <a:defRPr sz="2000" kern="1200">
+                <a:solidFill>
+                  <a:schemeClr val="tx1"/>
+                </a:solidFill>
+                <a:latin typeface="+mn-lt"/>
+                <a:ea typeface="+mn-ea"/>
+                <a:cs typeface="+mn-cs"/>
+              </a:defRPr>
+            </a:lvl3pPr>
+            <a:lvl4pPr marL="1600200" indent="-228600" algn="l" defTabSz="914400" rtl="0" eaLnBrk="1" latinLnBrk="0" hangingPunct="1">
+              <a:lnSpc>
+                <a:spcPct val="90000"/>
+              </a:lnSpc>
+              <a:spcBef>
+                <a:spcPts val="500"/>
+              </a:spcBef>
+              <a:buFont typeface="Arial" panose="020B0604020202020204" pitchFamily="34" charset="0"/>
+              <a:buChar char="•"/>
+              <a:defRPr sz="1800" kern="1200">
+                <a:solidFill>
+                  <a:schemeClr val="tx1"/>
+                </a:solidFill>
+                <a:latin typeface="+mn-lt"/>
+                <a:ea typeface="+mn-ea"/>
+                <a:cs typeface="+mn-cs"/>
+              </a:defRPr>
+            </a:lvl4pPr>
+            <a:lvl5pPr marL="2057400" indent="-228600" algn="l" defTabSz="914400" rtl="0" eaLnBrk="1" latinLnBrk="0" hangingPunct="1">
+              <a:lnSpc>
+                <a:spcPct val="90000"/>
+              </a:lnSpc>
+              <a:spcBef>
+                <a:spcPts val="500"/>
+              </a:spcBef>
+              <a:buFont typeface="Arial" panose="020B0604020202020204" pitchFamily="34" charset="0"/>
+              <a:buChar char="•"/>
+              <a:defRPr sz="1800" kern="1200">
+                <a:solidFill>
+                  <a:schemeClr val="tx1"/>
+                </a:solidFill>
+                <a:latin typeface="+mn-lt"/>
+                <a:ea typeface="+mn-ea"/>
+                <a:cs typeface="+mn-cs"/>
+              </a:defRPr>
+            </a:lvl5pPr>
+            <a:lvl6pPr marL="2514600" indent="-228600" algn="l" defTabSz="914400" rtl="0" eaLnBrk="1" latinLnBrk="0" hangingPunct="1">
+              <a:lnSpc>
+                <a:spcPct val="90000"/>
+              </a:lnSpc>
+              <a:spcBef>
+                <a:spcPts val="500"/>
+              </a:spcBef>
+              <a:buFont typeface="Arial" panose="020B0604020202020204" pitchFamily="34" charset="0"/>
+              <a:buChar char="•"/>
+              <a:defRPr sz="1800" kern="1200">
+                <a:solidFill>
+                  <a:schemeClr val="tx1"/>
+                </a:solidFill>
+                <a:latin typeface="+mn-lt"/>
+                <a:ea typeface="+mn-ea"/>
+                <a:cs typeface="+mn-cs"/>
+              </a:defRPr>
+            </a:lvl6pPr>
+            <a:lvl7pPr marL="2971800" indent="-228600" algn="l" defTabSz="914400" rtl="0" eaLnBrk="1" latinLnBrk="0" hangingPunct="1">
+              <a:lnSpc>
+                <a:spcPct val="90000"/>
+              </a:lnSpc>
+              <a:spcBef>
+                <a:spcPts val="500"/>
+              </a:spcBef>
+              <a:buFont typeface="Arial" panose="020B0604020202020204" pitchFamily="34" charset="0"/>
+              <a:buChar char="•"/>
+              <a:defRPr sz="1800" kern="1200">
+                <a:solidFill>
+                  <a:schemeClr val="tx1"/>
+                </a:solidFill>
+                <a:latin typeface="+mn-lt"/>
+                <a:ea typeface="+mn-ea"/>
+                <a:cs typeface="+mn-cs"/>
+              </a:defRPr>
+            </a:lvl7pPr>
+            <a:lvl8pPr marL="3429000" indent="-228600" algn="l" defTabSz="914400" rtl="0" eaLnBrk="1" latinLnBrk="0" hangingPunct="1">
+              <a:lnSpc>
+                <a:spcPct val="90000"/>
+              </a:lnSpc>
+              <a:spcBef>
+                <a:spcPts val="500"/>
+              </a:spcBef>
+              <a:buFont typeface="Arial" panose="020B0604020202020204" pitchFamily="34" charset="0"/>
+              <a:buChar char="•"/>
+              <a:defRPr sz="1800" kern="1200">
+                <a:solidFill>
+                  <a:schemeClr val="tx1"/>
+                </a:solidFill>
+                <a:latin typeface="+mn-lt"/>
+                <a:ea typeface="+mn-ea"/>
+                <a:cs typeface="+mn-cs"/>
+              </a:defRPr>
+            </a:lvl8pPr>
+            <a:lvl9pPr marL="3886200" indent="-228600" algn="l" defTabSz="914400" rtl="0" eaLnBrk="1" latinLnBrk="0" hangingPunct="1">
+              <a:lnSpc>
+                <a:spcPct val="90000"/>
+              </a:lnSpc>
+              <a:spcBef>
+                <a:spcPts val="500"/>
+              </a:spcBef>
+              <a:buFont typeface="Arial" panose="020B0604020202020204" pitchFamily="34" charset="0"/>
+              <a:buChar char="•"/>
+              <a:defRPr sz="1800" kern="1200">
+                <a:solidFill>
+                  <a:schemeClr val="tx1"/>
+                </a:solidFill>
+                <a:latin typeface="+mn-lt"/>
+                <a:ea typeface="+mn-ea"/>
+                <a:cs typeface="+mn-cs"/>
+              </a:defRPr>
+            </a:lvl9pPr>
+          </a:lstStyle>
+          <a:p>
+            <a:pPr marL="0" indent="0" algn="ctr">
+              <a:buFont typeface="Arial" panose="020B0604020202020204" pitchFamily="34" charset="0"/>
+              <a:buNone/>
+            </a:pPr>
+            <a:r>
+              <a:rPr lang="en-US" sz="4800" dirty="0">
+                <a:ln w="0"/>
+                <a:effectLst>
+                  <a:outerShdw blurRad="38100" dist="19050" dir="2700000" algn="tl" rotWithShape="0">
+                    <a:schemeClr val="dk1">
+                      <a:alpha val="40000"/>
+                    </a:schemeClr>
+                  </a:outerShdw>
+                </a:effectLst>
+              </a:rPr>
+              <a:t>Program</a:t>
+            </a:r>
+            <a:endParaRPr lang="en-ID" sz="4800" dirty="0">
+              <a:ln w="0"/>
+              <a:effectLst>
+                <a:outerShdw blurRad="38100" dist="19050" dir="2700000" algn="tl" rotWithShape="0">
+                  <a:schemeClr val="dk1">
+                    <a:alpha val="40000"/>
+                  </a:schemeClr>
+                </a:outerShdw>
+              </a:effectLst>
+            </a:endParaRPr>
+          </a:p>
+        </p:txBody>
+      </p:sp>
+      <p:sp>
+        <p:nvSpPr>
+          <p:cNvPr id="10" name="Content Placeholder 2">
+            <a:extLst>
+              <a:ext uri="{FF2B5EF4-FFF2-40B4-BE49-F238E27FC236}">
+                <a16:creationId xmlns:a16="http://schemas.microsoft.com/office/drawing/2014/main" id="{A4FF23B1-4205-489B-9B7D-36588EEEC8DE}"/>
+              </a:ext>
+            </a:extLst>
+          </p:cNvPr>
+          <p:cNvSpPr>
+            <a:spLocks noGrp="1"/>
+          </p:cNvSpPr>
+          <p:nvPr>
+            <p:ph idx="1"/>
+          </p:nvPr>
+        </p:nvSpPr>
+        <p:spPr>
+          <a:xfrm>
+            <a:off x="838200" y="2163047"/>
+            <a:ext cx="10515600" cy="4013915"/>
+          </a:xfrm>
+        </p:spPr>
+        <p:txBody>
+          <a:bodyPr>
+            <a:normAutofit/>
+          </a:bodyPr>
+          <a:lstStyle/>
+          <a:p>
+            <a:r>
+              <a:rPr lang="en-US" dirty="0" err="1">
+                <a:solidFill>
+                  <a:schemeClr val="bg1"/>
+                </a:solidFill>
+                <a:latin typeface="Century Gothic" panose="020B0502020202020204" pitchFamily="34" charset="0"/>
+              </a:rPr>
+              <a:t>Sekumpulan</a:t>
+            </a:r>
+            <a:r>
+              <a:rPr lang="en-US" dirty="0">
+                <a:solidFill>
+                  <a:schemeClr val="bg1"/>
+                </a:solidFill>
+                <a:latin typeface="Century Gothic" panose="020B0502020202020204" pitchFamily="34" charset="0"/>
+              </a:rPr>
+              <a:t> </a:t>
+            </a:r>
+            <a:r>
+              <a:rPr lang="en-US" dirty="0" err="1">
+                <a:solidFill>
+                  <a:schemeClr val="bg1"/>
+                </a:solidFill>
+                <a:latin typeface="Century Gothic" panose="020B0502020202020204" pitchFamily="34" charset="0"/>
+              </a:rPr>
+              <a:t>instruksi</a:t>
+            </a:r>
+            <a:r>
+              <a:rPr lang="en-US" dirty="0">
+                <a:solidFill>
+                  <a:schemeClr val="bg1"/>
+                </a:solidFill>
+                <a:latin typeface="Century Gothic" panose="020B0502020202020204" pitchFamily="34" charset="0"/>
+              </a:rPr>
+              <a:t> yang di </a:t>
+            </a:r>
+            <a:r>
+              <a:rPr lang="en-US" dirty="0" err="1">
+                <a:solidFill>
+                  <a:schemeClr val="bg1"/>
+                </a:solidFill>
+                <a:latin typeface="Century Gothic" panose="020B0502020202020204" pitchFamily="34" charset="0"/>
+              </a:rPr>
+              <a:t>berikan</a:t>
+            </a:r>
+            <a:r>
+              <a:rPr lang="en-US" dirty="0">
+                <a:solidFill>
+                  <a:schemeClr val="bg1"/>
+                </a:solidFill>
+                <a:latin typeface="Century Gothic" panose="020B0502020202020204" pitchFamily="34" charset="0"/>
+              </a:rPr>
+              <a:t> dan </a:t>
+            </a:r>
+            <a:r>
+              <a:rPr lang="en-US" dirty="0" err="1">
+                <a:solidFill>
+                  <a:schemeClr val="bg1"/>
+                </a:solidFill>
+                <a:latin typeface="Century Gothic" panose="020B0502020202020204" pitchFamily="34" charset="0"/>
+              </a:rPr>
+              <a:t>menjadi</a:t>
+            </a:r>
+            <a:r>
+              <a:rPr lang="en-US" dirty="0">
+                <a:solidFill>
+                  <a:schemeClr val="bg1"/>
+                </a:solidFill>
+                <a:latin typeface="Century Gothic" panose="020B0502020202020204" pitchFamily="34" charset="0"/>
+              </a:rPr>
+              <a:t> </a:t>
+            </a:r>
+            <a:r>
+              <a:rPr lang="en-US" dirty="0" err="1">
+                <a:solidFill>
+                  <a:schemeClr val="bg1"/>
+                </a:solidFill>
+                <a:latin typeface="Century Gothic" panose="020B0502020202020204" pitchFamily="34" charset="0"/>
+              </a:rPr>
+              <a:t>sebuah</a:t>
+            </a:r>
+            <a:r>
+              <a:rPr lang="en-US" dirty="0">
+                <a:solidFill>
+                  <a:schemeClr val="bg1"/>
+                </a:solidFill>
+                <a:latin typeface="Century Gothic" panose="020B0502020202020204" pitchFamily="34" charset="0"/>
+              </a:rPr>
+              <a:t> </a:t>
+            </a:r>
+            <a:r>
+              <a:rPr lang="en-US" dirty="0" err="1">
+                <a:solidFill>
+                  <a:schemeClr val="bg1"/>
+                </a:solidFill>
+                <a:latin typeface="Century Gothic" panose="020B0502020202020204" pitchFamily="34" charset="0"/>
+              </a:rPr>
+              <a:t>hal</a:t>
+            </a:r>
+            <a:r>
+              <a:rPr lang="en-US" dirty="0">
+                <a:solidFill>
+                  <a:schemeClr val="bg1"/>
+                </a:solidFill>
+                <a:latin typeface="Century Gothic" panose="020B0502020202020204" pitchFamily="34" charset="0"/>
+              </a:rPr>
+              <a:t> </a:t>
+            </a:r>
+            <a:r>
+              <a:rPr lang="en-US" dirty="0" err="1">
+                <a:solidFill>
+                  <a:schemeClr val="bg1"/>
+                </a:solidFill>
+                <a:latin typeface="Century Gothic" panose="020B0502020202020204" pitchFamily="34" charset="0"/>
+              </a:rPr>
+              <a:t>atau</a:t>
+            </a:r>
+            <a:r>
+              <a:rPr lang="en-US" dirty="0">
+                <a:solidFill>
+                  <a:schemeClr val="bg1"/>
+                </a:solidFill>
+                <a:latin typeface="Century Gothic" panose="020B0502020202020204" pitchFamily="34" charset="0"/>
+              </a:rPr>
+              <a:t> </a:t>
+            </a:r>
+            <a:r>
+              <a:rPr lang="en-US" dirty="0" err="1">
+                <a:solidFill>
+                  <a:schemeClr val="bg1"/>
+                </a:solidFill>
+                <a:latin typeface="Century Gothic" panose="020B0502020202020204" pitchFamily="34" charset="0"/>
+              </a:rPr>
+              <a:t>sesuatu</a:t>
+            </a:r>
+            <a:r>
+              <a:rPr lang="en-US" dirty="0">
+                <a:solidFill>
+                  <a:schemeClr val="bg1"/>
+                </a:solidFill>
+                <a:latin typeface="Century Gothic" panose="020B0502020202020204" pitchFamily="34" charset="0"/>
+              </a:rPr>
+              <a:t> yang </a:t>
+            </a:r>
+            <a:r>
+              <a:rPr lang="en-US" dirty="0" err="1">
+                <a:solidFill>
+                  <a:schemeClr val="bg1"/>
+                </a:solidFill>
+                <a:latin typeface="Century Gothic" panose="020B0502020202020204" pitchFamily="34" charset="0"/>
+              </a:rPr>
+              <a:t>bisa</a:t>
+            </a:r>
+            <a:r>
+              <a:rPr lang="en-US" dirty="0">
+                <a:solidFill>
+                  <a:schemeClr val="bg1"/>
+                </a:solidFill>
+                <a:latin typeface="Century Gothic" panose="020B0502020202020204" pitchFamily="34" charset="0"/>
+              </a:rPr>
+              <a:t> </a:t>
+            </a:r>
+            <a:r>
+              <a:rPr lang="en-US" dirty="0" err="1">
+                <a:solidFill>
+                  <a:schemeClr val="bg1"/>
+                </a:solidFill>
+                <a:latin typeface="Century Gothic" panose="020B0502020202020204" pitchFamily="34" charset="0"/>
+              </a:rPr>
+              <a:t>mempermudah</a:t>
+            </a:r>
+            <a:r>
+              <a:rPr lang="en-US" dirty="0">
+                <a:solidFill>
+                  <a:schemeClr val="bg1"/>
+                </a:solidFill>
+                <a:latin typeface="Century Gothic" panose="020B0502020202020204" pitchFamily="34" charset="0"/>
+              </a:rPr>
+              <a:t> </a:t>
+            </a:r>
+            <a:r>
+              <a:rPr lang="en-US" dirty="0" err="1">
+                <a:solidFill>
+                  <a:schemeClr val="bg1"/>
+                </a:solidFill>
+                <a:latin typeface="Century Gothic" panose="020B0502020202020204" pitchFamily="34" charset="0"/>
+              </a:rPr>
+              <a:t>tujuan</a:t>
+            </a:r>
+            <a:r>
+              <a:rPr lang="en-US" dirty="0">
+                <a:solidFill>
+                  <a:schemeClr val="bg1"/>
+                </a:solidFill>
+                <a:latin typeface="Century Gothic" panose="020B0502020202020204" pitchFamily="34" charset="0"/>
+              </a:rPr>
+              <a:t> </a:t>
+            </a:r>
+            <a:r>
+              <a:rPr lang="en-US" dirty="0" err="1">
+                <a:solidFill>
+                  <a:schemeClr val="bg1"/>
+                </a:solidFill>
+                <a:latin typeface="Century Gothic" panose="020B0502020202020204" pitchFamily="34" charset="0"/>
+              </a:rPr>
+              <a:t>manusia</a:t>
+            </a:r>
+            <a:endParaRPr lang="en-US" dirty="0">
+              <a:solidFill>
+                <a:schemeClr val="bg1"/>
+              </a:solidFill>
+              <a:latin typeface="Century Gothic" panose="020B0502020202020204" pitchFamily="34" charset="0"/>
+            </a:endParaRPr>
+          </a:p>
+          <a:p>
+            <a:r>
+              <a:rPr lang="en-US" dirty="0">
+                <a:solidFill>
+                  <a:schemeClr val="bg1"/>
+                </a:solidFill>
+                <a:latin typeface="Century Gothic" panose="020B0502020202020204" pitchFamily="34" charset="0"/>
+              </a:rPr>
+              <a:t>Mobile</a:t>
+            </a:r>
+          </a:p>
+          <a:p>
+            <a:r>
+              <a:rPr lang="en-US" dirty="0">
+                <a:solidFill>
+                  <a:schemeClr val="bg1"/>
+                </a:solidFill>
+                <a:latin typeface="Century Gothic" panose="020B0502020202020204" pitchFamily="34" charset="0"/>
+              </a:rPr>
+              <a:t>Game</a:t>
+            </a:r>
+          </a:p>
+          <a:p>
+            <a:r>
+              <a:rPr lang="en-US" dirty="0">
+                <a:solidFill>
+                  <a:schemeClr val="bg1"/>
+                </a:solidFill>
+                <a:latin typeface="Century Gothic" panose="020B0502020202020204" pitchFamily="34" charset="0"/>
+              </a:rPr>
+              <a:t>Website</a:t>
+            </a:r>
+          </a:p>
+          <a:p>
+            <a:r>
+              <a:rPr lang="en-US" dirty="0">
+                <a:solidFill>
+                  <a:schemeClr val="bg1"/>
+                </a:solidFill>
+                <a:latin typeface="Century Gothic" panose="020B0502020202020204" pitchFamily="34" charset="0"/>
+              </a:rPr>
+              <a:t>Virus</a:t>
+            </a:r>
+          </a:p>
+          <a:p>
+            <a:r>
+              <a:rPr lang="en-US" dirty="0">
+                <a:solidFill>
+                  <a:schemeClr val="bg1"/>
+                </a:solidFill>
+                <a:latin typeface="Century Gothic" panose="020B0502020202020204" pitchFamily="34" charset="0"/>
+              </a:rPr>
+              <a:t>Desktop</a:t>
+            </a:r>
+            <a:endParaRPr lang="en-ID" dirty="0">
+              <a:solidFill>
+                <a:schemeClr val="bg1"/>
+              </a:solidFill>
+              <a:latin typeface="Century Gothic" panose="020B0502020202020204" pitchFamily="34" charset="0"/>
+            </a:endParaRPr>
+          </a:p>
+        </p:txBody>
+      </p:sp>
+    </p:spTree>
+    <p:extLst>
+      <p:ext uri="{BB962C8B-B14F-4D97-AF65-F5344CB8AC3E}">
+        <p14:creationId xmlns:p14="http://schemas.microsoft.com/office/powerpoint/2010/main" val="2402121547"/>
+      </p:ext>
+    </p:extLst>
+  </p:cSld>
+  <p:clrMapOvr>
+    <a:masterClrMapping/>
+  </p:clrMapOvr>
+</p:sld>
+</file>
+
+<file path=ppt/slides/slide5.xml><?xml version="1.0" encoding="utf-8"?>
+<p:sld xmlns:a="http://schemas.openxmlformats.org/drawingml/2006/main" xmlns:r="http://schemas.openxmlformats.org/officeDocument/2006/relationships" xmlns:p="http://schemas.openxmlformats.org/presentationml/2006/main">
+  <p:cSld>
+    <p:spTree>
+      <p:nvGrpSpPr>
+        <p:cNvPr id="1" name=""/>
+        <p:cNvGrpSpPr/>
+        <p:nvPr/>
+      </p:nvGrpSpPr>
+      <p:grpSpPr>
+        <a:xfrm>
+          <a:off x="0" y="0"/>
+          <a:ext cx="0" cy="0"/>
+          <a:chOff x="0" y="0"/>
+          <a:chExt cx="0" cy="0"/>
+        </a:xfrm>
+      </p:grpSpPr>
+      <p:sp>
+        <p:nvSpPr>
+          <p:cNvPr id="5" name="Rectangle 4">
+            <a:extLst>
+              <a:ext uri="{FF2B5EF4-FFF2-40B4-BE49-F238E27FC236}">
+                <a16:creationId xmlns:a16="http://schemas.microsoft.com/office/drawing/2014/main" id="{EF3ACF8F-14E1-434E-9B18-1C664DA4DF91}"/>
+              </a:ext>
+            </a:extLst>
+          </p:cNvPr>
+          <p:cNvSpPr/>
+          <p:nvPr/>
+        </p:nvSpPr>
+        <p:spPr>
+          <a:xfrm>
+            <a:off x="0" y="977463"/>
+            <a:ext cx="12192000" cy="141890"/>
+          </a:xfrm>
+          <a:prstGeom prst="rect">
+            <a:avLst/>
+          </a:prstGeom>
+          <a:solidFill>
+            <a:srgbClr val="00B0F0"/>
+          </a:solidFill>
+          <a:ln>
+            <a:noFill/>
+          </a:ln>
+        </p:spPr>
+        <p:style>
+          <a:lnRef idx="2">
+            <a:schemeClr val="accent1">
+              <a:shade val="50000"/>
+            </a:schemeClr>
+          </a:lnRef>
+          <a:fillRef idx="1">
+            <a:schemeClr val="accent1"/>
+          </a:fillRef>
+          <a:effectRef idx="0">
+            <a:schemeClr val="accent1"/>
+          </a:effectRef>
+          <a:fontRef idx="minor">
+            <a:schemeClr val="lt1"/>
+          </a:fontRef>
+        </p:style>
+        <p:txBody>
+          <a:bodyPr rtlCol="0" anchor="ctr"/>
+          <a:lstStyle/>
+          <a:p>
+            <a:pPr algn="ctr"/>
+            <a:endParaRPr lang="en-ID"/>
+          </a:p>
+        </p:txBody>
+      </p:sp>
+      <p:sp>
+        <p:nvSpPr>
+          <p:cNvPr id="6" name="Rectangle: Top Corners Rounded 5">
+            <a:extLst>
+              <a:ext uri="{FF2B5EF4-FFF2-40B4-BE49-F238E27FC236}">
+                <a16:creationId xmlns:a16="http://schemas.microsoft.com/office/drawing/2014/main" id="{24675962-8920-41A9-86F4-01B2936D428F}"/>
+              </a:ext>
+            </a:extLst>
+          </p:cNvPr>
+          <p:cNvSpPr/>
+          <p:nvPr/>
+        </p:nvSpPr>
+        <p:spPr>
+          <a:xfrm rot="10800000">
+            <a:off x="1639614" y="1119353"/>
+            <a:ext cx="9017876" cy="772510"/>
+          </a:xfrm>
+          <a:prstGeom prst="round2SameRect">
+            <a:avLst/>
+          </a:prstGeom>
+          <a:solidFill>
+            <a:schemeClr val="bg1"/>
+          </a:solidFill>
+          <a:ln w="38100">
+            <a:solidFill>
+              <a:srgbClr val="00B0F0"/>
+            </a:solidFill>
+          </a:ln>
+        </p:spPr>
+        <p:style>
+          <a:lnRef idx="2">
+            <a:schemeClr val="accent1">
+              <a:shade val="50000"/>
+            </a:schemeClr>
+          </a:lnRef>
+          <a:fillRef idx="1">
+            <a:schemeClr val="accent1"/>
+          </a:fillRef>
+          <a:effectRef idx="0">
+            <a:schemeClr val="accent1"/>
+          </a:effectRef>
+          <a:fontRef idx="minor">
+            <a:schemeClr val="lt1"/>
+          </a:fontRef>
+        </p:style>
+        <p:txBody>
+          <a:bodyPr rtlCol="0" anchor="ctr"/>
+          <a:lstStyle/>
+          <a:p>
+            <a:pPr algn="ctr"/>
+            <a:endParaRPr lang="en-ID"/>
+          </a:p>
+        </p:txBody>
+      </p:sp>
+      <p:sp>
+        <p:nvSpPr>
+          <p:cNvPr id="9" name="Content Placeholder 2">
+            <a:extLst>
+              <a:ext uri="{FF2B5EF4-FFF2-40B4-BE49-F238E27FC236}">
+                <a16:creationId xmlns:a16="http://schemas.microsoft.com/office/drawing/2014/main" id="{93C4E96F-14DE-422F-BBC2-2494C938BCB4}"/>
+              </a:ext>
+            </a:extLst>
+          </p:cNvPr>
+          <p:cNvSpPr txBox="1">
+            <a:spLocks/>
+          </p:cNvSpPr>
+          <p:nvPr/>
+        </p:nvSpPr>
+        <p:spPr>
+          <a:xfrm>
+            <a:off x="0" y="1119351"/>
+            <a:ext cx="12192000" cy="901809"/>
+          </a:xfrm>
+          <a:prstGeom prst="rect">
+            <a:avLst/>
+          </a:prstGeom>
+        </p:spPr>
+        <p:txBody>
+          <a:bodyPr vert="horz" lIns="91440" tIns="45720" rIns="91440" bIns="45720" rtlCol="0">
+            <a:normAutofit/>
+          </a:bodyPr>
+          <a:lstStyle>
+            <a:lvl1pPr marL="228600" indent="-228600" algn="l" defTabSz="914400" rtl="0" eaLnBrk="1" latinLnBrk="0" hangingPunct="1">
+              <a:lnSpc>
+                <a:spcPct val="90000"/>
+              </a:lnSpc>
+              <a:spcBef>
+                <a:spcPts val="1000"/>
+              </a:spcBef>
+              <a:buFont typeface="Arial" panose="020B0604020202020204" pitchFamily="34" charset="0"/>
+              <a:buChar char="•"/>
+              <a:defRPr sz="2800" kern="1200">
+                <a:solidFill>
+                  <a:schemeClr val="tx1"/>
+                </a:solidFill>
+                <a:latin typeface="+mn-lt"/>
+                <a:ea typeface="+mn-ea"/>
+                <a:cs typeface="+mn-cs"/>
+              </a:defRPr>
+            </a:lvl1pPr>
+            <a:lvl2pPr marL="685800" indent="-228600" algn="l" defTabSz="914400" rtl="0" eaLnBrk="1" latinLnBrk="0" hangingPunct="1">
+              <a:lnSpc>
+                <a:spcPct val="90000"/>
+              </a:lnSpc>
+              <a:spcBef>
+                <a:spcPts val="500"/>
+              </a:spcBef>
+              <a:buFont typeface="Arial" panose="020B0604020202020204" pitchFamily="34" charset="0"/>
+              <a:buChar char="•"/>
+              <a:defRPr sz="2400" kern="1200">
+                <a:solidFill>
+                  <a:schemeClr val="tx1"/>
+                </a:solidFill>
+                <a:latin typeface="+mn-lt"/>
+                <a:ea typeface="+mn-ea"/>
+                <a:cs typeface="+mn-cs"/>
+              </a:defRPr>
+            </a:lvl2pPr>
+            <a:lvl3pPr marL="1143000" indent="-228600" algn="l" defTabSz="914400" rtl="0" eaLnBrk="1" latinLnBrk="0" hangingPunct="1">
+              <a:lnSpc>
+                <a:spcPct val="90000"/>
+              </a:lnSpc>
+              <a:spcBef>
+                <a:spcPts val="500"/>
+              </a:spcBef>
+              <a:buFont typeface="Arial" panose="020B0604020202020204" pitchFamily="34" charset="0"/>
+              <a:buChar char="•"/>
+              <a:defRPr sz="2000" kern="1200">
+                <a:solidFill>
+                  <a:schemeClr val="tx1"/>
+                </a:solidFill>
+                <a:latin typeface="+mn-lt"/>
+                <a:ea typeface="+mn-ea"/>
+                <a:cs typeface="+mn-cs"/>
+              </a:defRPr>
+            </a:lvl3pPr>
+            <a:lvl4pPr marL="1600200" indent="-228600" algn="l" defTabSz="914400" rtl="0" eaLnBrk="1" latinLnBrk="0" hangingPunct="1">
+              <a:lnSpc>
+                <a:spcPct val="90000"/>
+              </a:lnSpc>
+              <a:spcBef>
+                <a:spcPts val="500"/>
+              </a:spcBef>
+              <a:buFont typeface="Arial" panose="020B0604020202020204" pitchFamily="34" charset="0"/>
+              <a:buChar char="•"/>
+              <a:defRPr sz="1800" kern="1200">
+                <a:solidFill>
+                  <a:schemeClr val="tx1"/>
+                </a:solidFill>
+                <a:latin typeface="+mn-lt"/>
+                <a:ea typeface="+mn-ea"/>
+                <a:cs typeface="+mn-cs"/>
+              </a:defRPr>
+            </a:lvl4pPr>
+            <a:lvl5pPr marL="2057400" indent="-228600" algn="l" defTabSz="914400" rtl="0" eaLnBrk="1" latinLnBrk="0" hangingPunct="1">
+              <a:lnSpc>
+                <a:spcPct val="90000"/>
+              </a:lnSpc>
+              <a:spcBef>
+                <a:spcPts val="500"/>
+              </a:spcBef>
+              <a:buFont typeface="Arial" panose="020B0604020202020204" pitchFamily="34" charset="0"/>
+              <a:buChar char="•"/>
+              <a:defRPr sz="1800" kern="1200">
+                <a:solidFill>
+                  <a:schemeClr val="tx1"/>
+                </a:solidFill>
+                <a:latin typeface="+mn-lt"/>
+                <a:ea typeface="+mn-ea"/>
+                <a:cs typeface="+mn-cs"/>
+              </a:defRPr>
+            </a:lvl5pPr>
+            <a:lvl6pPr marL="2514600" indent="-228600" algn="l" defTabSz="914400" rtl="0" eaLnBrk="1" latinLnBrk="0" hangingPunct="1">
+              <a:lnSpc>
+                <a:spcPct val="90000"/>
+              </a:lnSpc>
+              <a:spcBef>
+                <a:spcPts val="500"/>
+              </a:spcBef>
+              <a:buFont typeface="Arial" panose="020B0604020202020204" pitchFamily="34" charset="0"/>
+              <a:buChar char="•"/>
+              <a:defRPr sz="1800" kern="1200">
+                <a:solidFill>
+                  <a:schemeClr val="tx1"/>
+                </a:solidFill>
+                <a:latin typeface="+mn-lt"/>
+                <a:ea typeface="+mn-ea"/>
+                <a:cs typeface="+mn-cs"/>
+              </a:defRPr>
+            </a:lvl6pPr>
+            <a:lvl7pPr marL="2971800" indent="-228600" algn="l" defTabSz="914400" rtl="0" eaLnBrk="1" latinLnBrk="0" hangingPunct="1">
+              <a:lnSpc>
+                <a:spcPct val="90000"/>
+              </a:lnSpc>
+              <a:spcBef>
+                <a:spcPts val="500"/>
+              </a:spcBef>
+              <a:buFont typeface="Arial" panose="020B0604020202020204" pitchFamily="34" charset="0"/>
+              <a:buChar char="•"/>
+              <a:defRPr sz="1800" kern="1200">
+                <a:solidFill>
+                  <a:schemeClr val="tx1"/>
+                </a:solidFill>
+                <a:latin typeface="+mn-lt"/>
+                <a:ea typeface="+mn-ea"/>
+                <a:cs typeface="+mn-cs"/>
+              </a:defRPr>
+            </a:lvl7pPr>
+            <a:lvl8pPr marL="3429000" indent="-228600" algn="l" defTabSz="914400" rtl="0" eaLnBrk="1" latinLnBrk="0" hangingPunct="1">
+              <a:lnSpc>
+                <a:spcPct val="90000"/>
+              </a:lnSpc>
+              <a:spcBef>
+                <a:spcPts val="500"/>
+              </a:spcBef>
+              <a:buFont typeface="Arial" panose="020B0604020202020204" pitchFamily="34" charset="0"/>
+              <a:buChar char="•"/>
+              <a:defRPr sz="1800" kern="1200">
+                <a:solidFill>
+                  <a:schemeClr val="tx1"/>
+                </a:solidFill>
+                <a:latin typeface="+mn-lt"/>
+                <a:ea typeface="+mn-ea"/>
+                <a:cs typeface="+mn-cs"/>
+              </a:defRPr>
+            </a:lvl8pPr>
+            <a:lvl9pPr marL="3886200" indent="-228600" algn="l" defTabSz="914400" rtl="0" eaLnBrk="1" latinLnBrk="0" hangingPunct="1">
+              <a:lnSpc>
+                <a:spcPct val="90000"/>
+              </a:lnSpc>
+              <a:spcBef>
+                <a:spcPts val="500"/>
+              </a:spcBef>
+              <a:buFont typeface="Arial" panose="020B0604020202020204" pitchFamily="34" charset="0"/>
+              <a:buChar char="•"/>
+              <a:defRPr sz="1800" kern="1200">
+                <a:solidFill>
+                  <a:schemeClr val="tx1"/>
+                </a:solidFill>
+                <a:latin typeface="+mn-lt"/>
+                <a:ea typeface="+mn-ea"/>
+                <a:cs typeface="+mn-cs"/>
+              </a:defRPr>
+            </a:lvl9pPr>
+          </a:lstStyle>
+          <a:p>
+            <a:pPr marL="0" indent="0" algn="ctr">
+              <a:buFont typeface="Arial" panose="020B0604020202020204" pitchFamily="34" charset="0"/>
+              <a:buNone/>
+            </a:pPr>
+            <a:r>
+              <a:rPr lang="en-US" sz="4800" dirty="0" err="1">
+                <a:ln w="0"/>
+                <a:effectLst>
+                  <a:outerShdw blurRad="38100" dist="19050" dir="2700000" algn="tl" rotWithShape="0">
+                    <a:schemeClr val="dk1">
+                      <a:alpha val="40000"/>
+                    </a:schemeClr>
+                  </a:outerShdw>
+                </a:effectLst>
+              </a:rPr>
+              <a:t>Pemrograman</a:t>
+            </a:r>
+            <a:endParaRPr lang="en-ID" sz="4800" dirty="0">
+              <a:ln w="0"/>
+              <a:effectLst>
+                <a:outerShdw blurRad="38100" dist="19050" dir="2700000" algn="tl" rotWithShape="0">
+                  <a:schemeClr val="dk1">
+                    <a:alpha val="40000"/>
+                  </a:schemeClr>
+                </a:outerShdw>
+              </a:effectLst>
+            </a:endParaRPr>
+          </a:p>
+        </p:txBody>
+      </p:sp>
+      <p:sp>
+        <p:nvSpPr>
+          <p:cNvPr id="10" name="Content Placeholder 2">
+            <a:extLst>
+              <a:ext uri="{FF2B5EF4-FFF2-40B4-BE49-F238E27FC236}">
+                <a16:creationId xmlns:a16="http://schemas.microsoft.com/office/drawing/2014/main" id="{A4FF23B1-4205-489B-9B7D-36588EEEC8DE}"/>
+              </a:ext>
+            </a:extLst>
+          </p:cNvPr>
+          <p:cNvSpPr>
+            <a:spLocks noGrp="1"/>
+          </p:cNvSpPr>
+          <p:nvPr>
+            <p:ph idx="1"/>
+          </p:nvPr>
+        </p:nvSpPr>
+        <p:spPr>
+          <a:xfrm>
+            <a:off x="838200" y="2163047"/>
+            <a:ext cx="10515600" cy="4013915"/>
+          </a:xfrm>
+        </p:spPr>
+        <p:txBody>
+          <a:bodyPr>
+            <a:normAutofit/>
+          </a:bodyPr>
+          <a:lstStyle/>
+          <a:p>
+            <a:r>
+              <a:rPr lang="en-US" dirty="0">
+                <a:solidFill>
+                  <a:schemeClr val="bg1"/>
+                </a:solidFill>
+                <a:latin typeface="Century Gothic" panose="020B0502020202020204" pitchFamily="34" charset="0"/>
+              </a:rPr>
+              <a:t>Cara </a:t>
+            </a:r>
+            <a:r>
+              <a:rPr lang="en-US" dirty="0" err="1">
+                <a:solidFill>
+                  <a:schemeClr val="bg1"/>
+                </a:solidFill>
+                <a:latin typeface="Century Gothic" panose="020B0502020202020204" pitchFamily="34" charset="0"/>
+              </a:rPr>
+              <a:t>kita</a:t>
+            </a:r>
+            <a:r>
+              <a:rPr lang="en-US" dirty="0">
+                <a:solidFill>
+                  <a:schemeClr val="bg1"/>
+                </a:solidFill>
+                <a:latin typeface="Century Gothic" panose="020B0502020202020204" pitchFamily="34" charset="0"/>
+              </a:rPr>
+              <a:t> </a:t>
+            </a:r>
+            <a:r>
+              <a:rPr lang="en-US" dirty="0" err="1">
+                <a:solidFill>
+                  <a:schemeClr val="bg1"/>
+                </a:solidFill>
+                <a:latin typeface="Century Gothic" panose="020B0502020202020204" pitchFamily="34" charset="0"/>
+              </a:rPr>
+              <a:t>memberikan</a:t>
+            </a:r>
+            <a:r>
+              <a:rPr lang="en-US" dirty="0">
+                <a:solidFill>
+                  <a:schemeClr val="bg1"/>
+                </a:solidFill>
+                <a:latin typeface="Century Gothic" panose="020B0502020202020204" pitchFamily="34" charset="0"/>
+              </a:rPr>
+              <a:t> </a:t>
+            </a:r>
+            <a:r>
+              <a:rPr lang="en-US" dirty="0" err="1">
+                <a:solidFill>
+                  <a:schemeClr val="bg1"/>
+                </a:solidFill>
+                <a:latin typeface="Century Gothic" panose="020B0502020202020204" pitchFamily="34" charset="0"/>
+              </a:rPr>
+              <a:t>sekumpulan</a:t>
+            </a:r>
+            <a:r>
+              <a:rPr lang="en-US" dirty="0">
+                <a:solidFill>
+                  <a:schemeClr val="bg1"/>
+                </a:solidFill>
+                <a:latin typeface="Century Gothic" panose="020B0502020202020204" pitchFamily="34" charset="0"/>
+              </a:rPr>
+              <a:t> </a:t>
+            </a:r>
+            <a:r>
+              <a:rPr lang="en-US" dirty="0" err="1">
+                <a:solidFill>
+                  <a:schemeClr val="bg1"/>
+                </a:solidFill>
+                <a:latin typeface="Century Gothic" panose="020B0502020202020204" pitchFamily="34" charset="0"/>
+              </a:rPr>
+              <a:t>instruksi</a:t>
+            </a:r>
+            <a:r>
+              <a:rPr lang="en-US" dirty="0">
+                <a:solidFill>
+                  <a:schemeClr val="bg1"/>
+                </a:solidFill>
+                <a:latin typeface="Century Gothic" panose="020B0502020202020204" pitchFamily="34" charset="0"/>
+              </a:rPr>
+              <a:t> yang simple dan </a:t>
+            </a:r>
+            <a:r>
+              <a:rPr lang="en-US" dirty="0" err="1">
+                <a:solidFill>
+                  <a:schemeClr val="bg1"/>
+                </a:solidFill>
+                <a:latin typeface="Century Gothic" panose="020B0502020202020204" pitchFamily="34" charset="0"/>
+              </a:rPr>
+              <a:t>terstruktur</a:t>
+            </a:r>
+            <a:r>
+              <a:rPr lang="en-US" dirty="0">
+                <a:solidFill>
+                  <a:schemeClr val="bg1"/>
+                </a:solidFill>
+                <a:latin typeface="Century Gothic" panose="020B0502020202020204" pitchFamily="34" charset="0"/>
+              </a:rPr>
+              <a:t> pada computer </a:t>
+            </a:r>
+          </a:p>
+          <a:p>
+            <a:endParaRPr lang="en-ID" dirty="0">
+              <a:solidFill>
+                <a:schemeClr val="bg1"/>
+              </a:solidFill>
+              <a:latin typeface="Century Gothic" panose="020B0502020202020204" pitchFamily="34" charset="0"/>
+            </a:endParaRPr>
+          </a:p>
+        </p:txBody>
+      </p:sp>
+    </p:spTree>
+    <p:extLst>
+      <p:ext uri="{BB962C8B-B14F-4D97-AF65-F5344CB8AC3E}">
+        <p14:creationId xmlns:p14="http://schemas.microsoft.com/office/powerpoint/2010/main" val="2698043777"/>
+      </p:ext>
+    </p:extLst>
+  </p:cSld>
+  <p:clrMapOvr>
+    <a:masterClrMapping/>
+  </p:clrMapOvr>
+</p:sld>
+</file>
+
+<file path=ppt/slides/slide6.xml><?xml version="1.0" encoding="utf-8"?>
+<p:sld xmlns:a="http://schemas.openxmlformats.org/drawingml/2006/main" xmlns:r="http://schemas.openxmlformats.org/officeDocument/2006/relationships" xmlns:p="http://schemas.openxmlformats.org/presentationml/2006/main">
+  <p:cSld>
+    <p:spTree>
+      <p:nvGrpSpPr>
+        <p:cNvPr id="1" name=""/>
+        <p:cNvGrpSpPr/>
+        <p:nvPr/>
+      </p:nvGrpSpPr>
+      <p:grpSpPr>
+        <a:xfrm>
+          <a:off x="0" y="0"/>
+          <a:ext cx="0" cy="0"/>
+          <a:chOff x="0" y="0"/>
+          <a:chExt cx="0" cy="0"/>
+        </a:xfrm>
+      </p:grpSpPr>
       <p:pic>
         <p:nvPicPr>
           <p:cNvPr id="1026" name="Picture 2" descr="Bahasa Pemrograman Paling Aneh dan Unik yang Ada di Dunia - Kotakode.com |  Komunitas Developer Indonesia">
@@ -10762,7 +15574,7 @@
 </p:sld>
 </file>
 
-<file path=ppt/slides/slide5.xml><?xml version="1.0" encoding="utf-8"?>
+<file path=ppt/slides/slide7.xml><?xml version="1.0" encoding="utf-8"?>
 <p:sld xmlns:a="http://schemas.openxmlformats.org/drawingml/2006/main" xmlns:r="http://schemas.openxmlformats.org/officeDocument/2006/relationships" xmlns:p="http://schemas.openxmlformats.org/presentationml/2006/main">
   <p:cSld>
     <p:spTree>
@@ -11220,7 +16032,7 @@
 </p:sld>
 </file>
 
-<file path=ppt/slides/slide6.xml><?xml version="1.0" encoding="utf-8"?>
+<file path=ppt/slides/slide8.xml><?xml version="1.0" encoding="utf-8"?>
 <p:sld xmlns:a="http://schemas.openxmlformats.org/drawingml/2006/main" xmlns:r="http://schemas.openxmlformats.org/officeDocument/2006/relationships" xmlns:p="http://schemas.openxmlformats.org/presentationml/2006/main">
   <p:cSld>
     <p:spTree>
@@ -11673,7 +16485,7 @@
 </p:sld>
 </file>
 
-<file path=ppt/slides/slide7.xml><?xml version="1.0" encoding="utf-8"?>
+<file path=ppt/slides/slide9.xml><?xml version="1.0" encoding="utf-8"?>
 <p:sld xmlns:a="http://schemas.openxmlformats.org/drawingml/2006/main" xmlns:r="http://schemas.openxmlformats.org/officeDocument/2006/relationships" xmlns:p="http://schemas.openxmlformats.org/presentationml/2006/main">
   <p:cSld>
     <p:spTree>
@@ -11909,2087 +16721,6 @@
     <p:extLst>
       <p:ext uri="{BB962C8B-B14F-4D97-AF65-F5344CB8AC3E}">
         <p14:creationId xmlns:p14="http://schemas.microsoft.com/office/powerpoint/2010/main" val="674018043"/>
-      </p:ext>
-    </p:extLst>
-  </p:cSld>
-  <p:clrMapOvr>
-    <a:masterClrMapping/>
-  </p:clrMapOvr>
-</p:sld>
-</file>
-
-<file path=ppt/slides/slide8.xml><?xml version="1.0" encoding="utf-8"?>
-<p:sld xmlns:a="http://schemas.openxmlformats.org/drawingml/2006/main" xmlns:r="http://schemas.openxmlformats.org/officeDocument/2006/relationships" xmlns:p="http://schemas.openxmlformats.org/presentationml/2006/main">
-  <p:cSld>
-    <p:spTree>
-      <p:nvGrpSpPr>
-        <p:cNvPr id="1" name=""/>
-        <p:cNvGrpSpPr/>
-        <p:nvPr/>
-      </p:nvGrpSpPr>
-      <p:grpSpPr>
-        <a:xfrm>
-          <a:off x="0" y="0"/>
-          <a:ext cx="0" cy="0"/>
-          <a:chOff x="0" y="0"/>
-          <a:chExt cx="0" cy="0"/>
-        </a:xfrm>
-      </p:grpSpPr>
-      <p:sp>
-        <p:nvSpPr>
-          <p:cNvPr id="4" name="TextBox 3">
-            <a:extLst>
-              <a:ext uri="{FF2B5EF4-FFF2-40B4-BE49-F238E27FC236}">
-                <a16:creationId xmlns:a16="http://schemas.microsoft.com/office/drawing/2014/main" id="{33B24114-B058-4932-8F2E-B913ED295BA8}"/>
-              </a:ext>
-            </a:extLst>
-          </p:cNvPr>
-          <p:cNvSpPr txBox="1"/>
-          <p:nvPr/>
-        </p:nvSpPr>
-        <p:spPr>
-          <a:xfrm>
-            <a:off x="1040524" y="4650828"/>
-            <a:ext cx="3405352" cy="830997"/>
-          </a:xfrm>
-          <a:prstGeom prst="rect">
-            <a:avLst/>
-          </a:prstGeom>
-          <a:noFill/>
-        </p:spPr>
-        <p:txBody>
-          <a:bodyPr wrap="square" rtlCol="0">
-            <a:spAutoFit/>
-          </a:bodyPr>
-          <a:lstStyle/>
-          <a:p>
-            <a:pPr algn="ctr"/>
-            <a:r>
-              <a:rPr lang="en-US" sz="2400" dirty="0">
-                <a:solidFill>
-                  <a:schemeClr val="bg1"/>
-                </a:solidFill>
-                <a:effectLst>
-                  <a:outerShdw blurRad="38100" dist="38100" dir="2700000" algn="tl">
-                    <a:srgbClr val="000000">
-                      <a:alpha val="43137"/>
-                    </a:srgbClr>
-                  </a:outerShdw>
-                </a:effectLst>
-                <a:latin typeface="Aharoni" panose="02010803020104030203" pitchFamily="2" charset="-79"/>
-                <a:cs typeface="Aharoni" panose="02010803020104030203" pitchFamily="2" charset="-79"/>
-              </a:rPr>
-              <a:t>Mark Zuckerberg</a:t>
-            </a:r>
-          </a:p>
-          <a:p>
-            <a:pPr algn="ctr"/>
-            <a:r>
-              <a:rPr lang="en-US" sz="2400" dirty="0">
-                <a:solidFill>
-                  <a:schemeClr val="bg1"/>
-                </a:solidFill>
-                <a:effectLst>
-                  <a:outerShdw blurRad="38100" dist="38100" dir="2700000" algn="tl">
-                    <a:srgbClr val="000000">
-                      <a:alpha val="43137"/>
-                    </a:srgbClr>
-                  </a:outerShdw>
-                </a:effectLst>
-                <a:latin typeface="Aharoni" panose="02010803020104030203" pitchFamily="2" charset="-79"/>
-                <a:cs typeface="Aharoni" panose="02010803020104030203" pitchFamily="2" charset="-79"/>
-              </a:rPr>
-              <a:t>Meta founder</a:t>
-            </a:r>
-            <a:endParaRPr lang="en-ID" sz="2400" dirty="0">
-              <a:solidFill>
-                <a:schemeClr val="bg1"/>
-              </a:solidFill>
-              <a:effectLst>
-                <a:outerShdw blurRad="38100" dist="38100" dir="2700000" algn="tl">
-                  <a:srgbClr val="000000">
-                    <a:alpha val="43137"/>
-                  </a:srgbClr>
-                </a:outerShdw>
-              </a:effectLst>
-              <a:latin typeface="Aharoni" panose="02010803020104030203" pitchFamily="2" charset="-79"/>
-              <a:cs typeface="Aharoni" panose="02010803020104030203" pitchFamily="2" charset="-79"/>
-            </a:endParaRPr>
-          </a:p>
-        </p:txBody>
-      </p:sp>
-      <p:sp>
-        <p:nvSpPr>
-          <p:cNvPr id="5" name="TextBox 4">
-            <a:extLst>
-              <a:ext uri="{FF2B5EF4-FFF2-40B4-BE49-F238E27FC236}">
-                <a16:creationId xmlns:a16="http://schemas.microsoft.com/office/drawing/2014/main" id="{E7B1E75C-9D89-48CC-8721-1B9FC35FDB70}"/>
-              </a:ext>
-            </a:extLst>
-          </p:cNvPr>
-          <p:cNvSpPr txBox="1"/>
-          <p:nvPr/>
-        </p:nvSpPr>
-        <p:spPr>
-          <a:xfrm>
-            <a:off x="5029200" y="1648877"/>
-            <a:ext cx="6290441" cy="3785652"/>
-          </a:xfrm>
-          <a:prstGeom prst="rect">
-            <a:avLst/>
-          </a:prstGeom>
-          <a:noFill/>
-        </p:spPr>
-        <p:txBody>
-          <a:bodyPr wrap="square" rtlCol="0">
-            <a:spAutoFit/>
-          </a:bodyPr>
-          <a:lstStyle/>
-          <a:p>
-            <a:r>
-              <a:rPr lang="en-US" sz="4000" dirty="0">
-                <a:solidFill>
-                  <a:schemeClr val="bg1"/>
-                </a:solidFill>
-                <a:latin typeface="Century Gothic" panose="020B0502020202020204" pitchFamily="34" charset="0"/>
-              </a:rPr>
-              <a:t>“In </a:t>
-            </a:r>
-            <a:r>
-              <a:rPr lang="en-US" sz="4000" dirty="0" err="1">
-                <a:solidFill>
-                  <a:schemeClr val="bg1"/>
-                </a:solidFill>
-                <a:latin typeface="Century Gothic" panose="020B0502020202020204" pitchFamily="34" charset="0"/>
-              </a:rPr>
-              <a:t>fifeteen</a:t>
-            </a:r>
-            <a:r>
-              <a:rPr lang="en-US" sz="4000" dirty="0">
-                <a:solidFill>
-                  <a:schemeClr val="bg1"/>
-                </a:solidFill>
-                <a:latin typeface="Century Gothic" panose="020B0502020202020204" pitchFamily="34" charset="0"/>
-              </a:rPr>
-              <a:t> years we’ll be teaching </a:t>
-            </a:r>
-            <a:r>
-              <a:rPr lang="en-US" sz="4000" dirty="0">
-                <a:solidFill>
-                  <a:srgbClr val="00B0F0"/>
-                </a:solidFill>
-                <a:latin typeface="Century Gothic" panose="020B0502020202020204" pitchFamily="34" charset="0"/>
-              </a:rPr>
-              <a:t>programming</a:t>
-            </a:r>
-            <a:r>
-              <a:rPr lang="en-US" sz="4000" dirty="0">
-                <a:solidFill>
-                  <a:schemeClr val="bg1"/>
-                </a:solidFill>
-                <a:latin typeface="Century Gothic" panose="020B0502020202020204" pitchFamily="34" charset="0"/>
-              </a:rPr>
-              <a:t> just like reading and writing, and </a:t>
-            </a:r>
-            <a:r>
-              <a:rPr lang="en-US" sz="4000" dirty="0" err="1">
-                <a:solidFill>
-                  <a:schemeClr val="bg1"/>
-                </a:solidFill>
-                <a:latin typeface="Century Gothic" panose="020B0502020202020204" pitchFamily="34" charset="0"/>
-              </a:rPr>
-              <a:t>woundering</a:t>
-            </a:r>
-            <a:r>
-              <a:rPr lang="en-US" sz="4000" dirty="0">
-                <a:solidFill>
-                  <a:schemeClr val="bg1"/>
-                </a:solidFill>
-                <a:latin typeface="Century Gothic" panose="020B0502020202020204" pitchFamily="34" charset="0"/>
-              </a:rPr>
-              <a:t> why we didn’t do it sooner.” </a:t>
-            </a:r>
-            <a:endParaRPr lang="en-ID" sz="4000" dirty="0">
-              <a:solidFill>
-                <a:schemeClr val="bg1"/>
-              </a:solidFill>
-              <a:latin typeface="Century Gothic" panose="020B0502020202020204" pitchFamily="34" charset="0"/>
-            </a:endParaRPr>
-          </a:p>
-        </p:txBody>
-      </p:sp>
-      <p:pic>
-        <p:nvPicPr>
-          <p:cNvPr id="3074" name="Picture 2" descr="Mark Zuckerberg Rugi Rp 414 Triliun dalam Sehari, Saham Meta Anjlok - Dunia  Tempo.co">
-            <a:extLst>
-              <a:ext uri="{FF2B5EF4-FFF2-40B4-BE49-F238E27FC236}">
-                <a16:creationId xmlns:a16="http://schemas.microsoft.com/office/drawing/2014/main" id="{313E7A8C-7FA7-4B12-A3CF-B3D66F398A9C}"/>
-              </a:ext>
-            </a:extLst>
-          </p:cNvPr>
-          <p:cNvPicPr>
-            <a:picLocks noChangeAspect="1" noChangeArrowheads="1"/>
-          </p:cNvPicPr>
-          <p:nvPr/>
-        </p:nvPicPr>
-        <p:blipFill rotWithShape="1">
-          <a:blip r:embed="rId2">
-            <a:extLst>
-              <a:ext uri="{28A0092B-C50C-407E-A947-70E740481C1C}">
-                <a14:useLocalDpi xmlns:a14="http://schemas.microsoft.com/office/drawing/2010/main" val="0"/>
-              </a:ext>
-            </a:extLst>
-          </a:blip>
-          <a:srcRect l="3180" r="47165" b="18327"/>
-          <a:stretch/>
-        </p:blipFill>
-        <p:spPr bwMode="auto">
-          <a:xfrm>
-            <a:off x="1489841" y="1733187"/>
-            <a:ext cx="2733165" cy="2628266"/>
-          </a:xfrm>
-          <a:prstGeom prst="ellipse">
-            <a:avLst/>
-          </a:prstGeom>
-          <a:ln w="63500" cap="rnd">
-            <a:solidFill>
-              <a:srgbClr val="00B0F0"/>
-            </a:solidFill>
-          </a:ln>
-          <a:effectLst>
-            <a:outerShdw blurRad="381000" dist="292100" dir="5400000" sx="-80000" sy="-18000" rotWithShape="0">
-              <a:srgbClr val="000000">
-                <a:alpha val="22000"/>
-              </a:srgbClr>
-            </a:outerShdw>
-          </a:effectLst>
-          <a:scene3d>
-            <a:camera prst="orthographicFront"/>
-            <a:lightRig rig="contrasting" dir="t">
-              <a:rot lat="0" lon="0" rev="3000000"/>
-            </a:lightRig>
-          </a:scene3d>
-          <a:sp3d contourW="7620">
-            <a:bevelT w="95250" h="31750"/>
-            <a:contourClr>
-              <a:srgbClr val="333333"/>
-            </a:contourClr>
-          </a:sp3d>
-          <a:extLst>
-            <a:ext uri="{909E8E84-426E-40DD-AFC4-6F175D3DCCD1}">
-              <a14:hiddenFill xmlns:a14="http://schemas.microsoft.com/office/drawing/2010/main">
-                <a:solidFill>
-                  <a:srgbClr val="FFFFFF"/>
-                </a:solidFill>
-              </a14:hiddenFill>
-            </a:ext>
-          </a:extLst>
-        </p:spPr>
-      </p:pic>
-    </p:spTree>
-    <p:extLst>
-      <p:ext uri="{BB962C8B-B14F-4D97-AF65-F5344CB8AC3E}">
-        <p14:creationId xmlns:p14="http://schemas.microsoft.com/office/powerpoint/2010/main" val="2989803847"/>
-      </p:ext>
-    </p:extLst>
-  </p:cSld>
-  <p:clrMapOvr>
-    <a:masterClrMapping/>
-  </p:clrMapOvr>
-</p:sld>
-</file>
-
-<file path=ppt/slides/slide9.xml><?xml version="1.0" encoding="utf-8"?>
-<p:sld xmlns:a="http://schemas.openxmlformats.org/drawingml/2006/main" xmlns:r="http://schemas.openxmlformats.org/officeDocument/2006/relationships" xmlns:p="http://schemas.openxmlformats.org/presentationml/2006/main">
-  <p:cSld>
-    <p:spTree>
-      <p:nvGrpSpPr>
-        <p:cNvPr id="1" name=""/>
-        <p:cNvGrpSpPr/>
-        <p:nvPr/>
-      </p:nvGrpSpPr>
-      <p:grpSpPr>
-        <a:xfrm>
-          <a:off x="0" y="0"/>
-          <a:ext cx="0" cy="0"/>
-          <a:chOff x="0" y="0"/>
-          <a:chExt cx="0" cy="0"/>
-        </a:xfrm>
-      </p:grpSpPr>
-      <p:pic>
-        <p:nvPicPr>
-          <p:cNvPr id="4" name="Picture 2">
-            <a:extLst>
-              <a:ext uri="{FF2B5EF4-FFF2-40B4-BE49-F238E27FC236}">
-                <a16:creationId xmlns:a16="http://schemas.microsoft.com/office/drawing/2014/main" id="{29E01050-7EBB-4373-A261-A0A08FBCE36E}"/>
-              </a:ext>
-            </a:extLst>
-          </p:cNvPr>
-          <p:cNvPicPr>
-            <a:picLocks noChangeAspect="1" noChangeArrowheads="1"/>
-          </p:cNvPicPr>
-          <p:nvPr/>
-        </p:nvPicPr>
-        <p:blipFill>
-          <a:blip r:embed="rId3">
-            <a:lum bright="70000" contrast="-70000"/>
-            <a:extLst>
-              <a:ext uri="{28A0092B-C50C-407E-A947-70E740481C1C}">
-                <a14:useLocalDpi xmlns:a14="http://schemas.microsoft.com/office/drawing/2010/main" val="0"/>
-              </a:ext>
-            </a:extLst>
-          </a:blip>
-          <a:srcRect/>
-          <a:stretch>
-            <a:fillRect/>
-          </a:stretch>
-        </p:blipFill>
-        <p:spPr bwMode="auto">
-          <a:xfrm>
-            <a:off x="11338560" y="1187546"/>
-            <a:ext cx="1491175" cy="1491175"/>
-          </a:xfrm>
-          <a:prstGeom prst="rect">
-            <a:avLst/>
-          </a:prstGeom>
-          <a:noFill/>
-          <a:extLst>
-            <a:ext uri="{909E8E84-426E-40DD-AFC4-6F175D3DCCD1}">
-              <a14:hiddenFill xmlns:a14="http://schemas.microsoft.com/office/drawing/2010/main">
-                <a:solidFill>
-                  <a:srgbClr val="FFFFFF"/>
-                </a:solidFill>
-              </a14:hiddenFill>
-            </a:ext>
-          </a:extLst>
-        </p:spPr>
-      </p:pic>
-      <p:grpSp>
-        <p:nvGrpSpPr>
-          <p:cNvPr id="5" name="Group 4">
-            <a:extLst>
-              <a:ext uri="{FF2B5EF4-FFF2-40B4-BE49-F238E27FC236}">
-                <a16:creationId xmlns:a16="http://schemas.microsoft.com/office/drawing/2014/main" id="{3948DCB1-8A01-4676-9F85-D8F42B33E133}"/>
-              </a:ext>
-            </a:extLst>
-          </p:cNvPr>
-          <p:cNvGrpSpPr/>
-          <p:nvPr/>
-        </p:nvGrpSpPr>
-        <p:grpSpPr>
-          <a:xfrm>
-            <a:off x="-211015" y="1145342"/>
-            <a:ext cx="5740203" cy="596706"/>
-            <a:chOff x="-211015" y="1187546"/>
-            <a:chExt cx="5740203" cy="596706"/>
-          </a:xfrm>
-        </p:grpSpPr>
-        <p:grpSp>
-          <p:nvGrpSpPr>
-            <p:cNvPr id="6" name="Group 5">
-              <a:extLst>
-                <a:ext uri="{FF2B5EF4-FFF2-40B4-BE49-F238E27FC236}">
-                  <a16:creationId xmlns:a16="http://schemas.microsoft.com/office/drawing/2014/main" id="{65252EF4-3401-4D4A-9B76-2CDC7965C2BE}"/>
-                </a:ext>
-              </a:extLst>
-            </p:cNvPr>
-            <p:cNvGrpSpPr/>
-            <p:nvPr/>
-          </p:nvGrpSpPr>
-          <p:grpSpPr>
-            <a:xfrm>
-              <a:off x="-211015" y="1187546"/>
-              <a:ext cx="5740203" cy="596706"/>
-              <a:chOff x="-211015" y="1187546"/>
-              <a:chExt cx="5740203" cy="596706"/>
-            </a:xfrm>
-          </p:grpSpPr>
-          <p:sp>
-            <p:nvSpPr>
-              <p:cNvPr id="8" name="Rectangle 7">
-                <a:extLst>
-                  <a:ext uri="{FF2B5EF4-FFF2-40B4-BE49-F238E27FC236}">
-                    <a16:creationId xmlns:a16="http://schemas.microsoft.com/office/drawing/2014/main" id="{4467AA68-F481-4314-8A35-C1CB75588A68}"/>
-                  </a:ext>
-                </a:extLst>
-              </p:cNvPr>
-              <p:cNvSpPr/>
-              <p:nvPr/>
-            </p:nvSpPr>
-            <p:spPr>
-              <a:xfrm>
-                <a:off x="-211015" y="1187546"/>
-                <a:ext cx="5740203" cy="444306"/>
-              </a:xfrm>
-              <a:prstGeom prst="rect">
-                <a:avLst/>
-              </a:prstGeom>
-              <a:noFill/>
-              <a:ln w="28575">
-                <a:solidFill>
-                  <a:schemeClr val="bg1"/>
-                </a:solidFill>
-                <a:prstDash val="sysDash"/>
-              </a:ln>
-            </p:spPr>
-            <p:style>
-              <a:lnRef idx="2">
-                <a:schemeClr val="accent1">
-                  <a:shade val="50000"/>
-                </a:schemeClr>
-              </a:lnRef>
-              <a:fillRef idx="1">
-                <a:schemeClr val="accent1"/>
-              </a:fillRef>
-              <a:effectRef idx="0">
-                <a:schemeClr val="accent1"/>
-              </a:effectRef>
-              <a:fontRef idx="minor">
-                <a:schemeClr val="lt1"/>
-              </a:fontRef>
-            </p:style>
-            <p:txBody>
-              <a:bodyPr rtlCol="0" anchor="ctr"/>
-              <a:lstStyle/>
-              <a:p>
-                <a:pPr algn="ctr"/>
-                <a:endParaRPr lang="en-ID"/>
-              </a:p>
-            </p:txBody>
-          </p:sp>
-          <p:sp>
-            <p:nvSpPr>
-              <p:cNvPr id="9" name="Rectangle 8">
-                <a:extLst>
-                  <a:ext uri="{FF2B5EF4-FFF2-40B4-BE49-F238E27FC236}">
-                    <a16:creationId xmlns:a16="http://schemas.microsoft.com/office/drawing/2014/main" id="{E5937F95-4780-42B6-BD55-F6641B82D14D}"/>
-                  </a:ext>
-                </a:extLst>
-              </p:cNvPr>
-              <p:cNvSpPr/>
-              <p:nvPr/>
-            </p:nvSpPr>
-            <p:spPr>
-              <a:xfrm>
-                <a:off x="0" y="1339946"/>
-                <a:ext cx="5371514" cy="444306"/>
-              </a:xfrm>
-              <a:prstGeom prst="rect">
-                <a:avLst/>
-              </a:prstGeom>
-              <a:solidFill>
-                <a:srgbClr val="00B0F0"/>
-              </a:solidFill>
-              <a:ln>
-                <a:noFill/>
-              </a:ln>
-            </p:spPr>
-            <p:style>
-              <a:lnRef idx="2">
-                <a:schemeClr val="accent1">
-                  <a:shade val="50000"/>
-                </a:schemeClr>
-              </a:lnRef>
-              <a:fillRef idx="1">
-                <a:schemeClr val="accent1"/>
-              </a:fillRef>
-              <a:effectRef idx="0">
-                <a:schemeClr val="accent1"/>
-              </a:effectRef>
-              <a:fontRef idx="minor">
-                <a:schemeClr val="lt1"/>
-              </a:fontRef>
-            </p:style>
-            <p:txBody>
-              <a:bodyPr rtlCol="0" anchor="ctr"/>
-              <a:lstStyle/>
-              <a:p>
-                <a:pPr algn="ctr"/>
-                <a:endParaRPr lang="en-ID"/>
-              </a:p>
-            </p:txBody>
-          </p:sp>
-        </p:grpSp>
-        <p:sp>
-          <p:nvSpPr>
-            <p:cNvPr id="7" name="TextBox 6">
-              <a:extLst>
-                <a:ext uri="{FF2B5EF4-FFF2-40B4-BE49-F238E27FC236}">
-                  <a16:creationId xmlns:a16="http://schemas.microsoft.com/office/drawing/2014/main" id="{B565ED75-421F-42CE-BF2B-14DCFE2D7275}"/>
-                </a:ext>
-              </a:extLst>
-            </p:cNvPr>
-            <p:cNvSpPr txBox="1"/>
-            <p:nvPr/>
-          </p:nvSpPr>
-          <p:spPr>
-            <a:xfrm>
-              <a:off x="450166" y="1322587"/>
-              <a:ext cx="4921348" cy="461665"/>
-            </a:xfrm>
-            <a:prstGeom prst="rect">
-              <a:avLst/>
-            </a:prstGeom>
-            <a:noFill/>
-          </p:spPr>
-          <p:txBody>
-            <a:bodyPr wrap="square" rtlCol="0">
-              <a:spAutoFit/>
-            </a:bodyPr>
-            <a:lstStyle/>
-            <a:p>
-              <a:r>
-                <a:rPr lang="en-US" sz="2400" b="1" dirty="0" err="1">
-                  <a:solidFill>
-                    <a:schemeClr val="bg1"/>
-                  </a:solidFill>
-                  <a:effectLst>
-                    <a:outerShdw blurRad="38100" dist="38100" dir="2700000" algn="tl">
-                      <a:srgbClr val="000000">
-                        <a:alpha val="43137"/>
-                      </a:srgbClr>
-                    </a:outerShdw>
-                  </a:effectLst>
-                  <a:latin typeface="Century Gothic" panose="020B0502020202020204" pitchFamily="34" charset="0"/>
-                </a:rPr>
-                <a:t>Manfaat</a:t>
-              </a:r>
-              <a:r>
-                <a:rPr lang="en-US" sz="2400" b="1" dirty="0">
-                  <a:solidFill>
-                    <a:schemeClr val="bg1"/>
-                  </a:solidFill>
-                  <a:effectLst>
-                    <a:outerShdw blurRad="38100" dist="38100" dir="2700000" algn="tl">
-                      <a:srgbClr val="000000">
-                        <a:alpha val="43137"/>
-                      </a:srgbClr>
-                    </a:outerShdw>
-                  </a:effectLst>
-                  <a:latin typeface="Century Gothic" panose="020B0502020202020204" pitchFamily="34" charset="0"/>
-                </a:rPr>
-                <a:t> </a:t>
-              </a:r>
-              <a:r>
-                <a:rPr lang="en-US" sz="2400" b="1" dirty="0" err="1">
-                  <a:solidFill>
-                    <a:schemeClr val="bg1"/>
-                  </a:solidFill>
-                  <a:effectLst>
-                    <a:outerShdw blurRad="38100" dist="38100" dir="2700000" algn="tl">
-                      <a:srgbClr val="000000">
-                        <a:alpha val="43137"/>
-                      </a:srgbClr>
-                    </a:outerShdw>
-                  </a:effectLst>
-                  <a:latin typeface="Century Gothic" panose="020B0502020202020204" pitchFamily="34" charset="0"/>
-                </a:rPr>
-                <a:t>Pemrograman</a:t>
-              </a:r>
-              <a:endParaRPr lang="en-ID" sz="2400" b="1" dirty="0">
-                <a:solidFill>
-                  <a:schemeClr val="bg1"/>
-                </a:solidFill>
-                <a:effectLst>
-                  <a:outerShdw blurRad="38100" dist="38100" dir="2700000" algn="tl">
-                    <a:srgbClr val="000000">
-                      <a:alpha val="43137"/>
-                    </a:srgbClr>
-                  </a:outerShdw>
-                </a:effectLst>
-                <a:latin typeface="Century Gothic" panose="020B0502020202020204" pitchFamily="34" charset="0"/>
-              </a:endParaRPr>
-            </a:p>
-          </p:txBody>
-        </p:sp>
-      </p:grpSp>
-      <p:sp>
-        <p:nvSpPr>
-          <p:cNvPr id="10" name="Oval 9">
-            <a:extLst>
-              <a:ext uri="{FF2B5EF4-FFF2-40B4-BE49-F238E27FC236}">
-                <a16:creationId xmlns:a16="http://schemas.microsoft.com/office/drawing/2014/main" id="{40D7D7FB-638D-4738-8FF7-7B2A4F575394}"/>
-              </a:ext>
-            </a:extLst>
-          </p:cNvPr>
-          <p:cNvSpPr/>
-          <p:nvPr/>
-        </p:nvSpPr>
-        <p:spPr>
-          <a:xfrm>
-            <a:off x="998806" y="2678721"/>
-            <a:ext cx="1491175" cy="1491175"/>
-          </a:xfrm>
-          <a:prstGeom prst="ellipse">
-            <a:avLst/>
-          </a:prstGeom>
-          <a:solidFill>
-            <a:schemeClr val="accent5">
-              <a:lumMod val="60000"/>
-              <a:lumOff val="40000"/>
-            </a:schemeClr>
-          </a:solidFill>
-          <a:ln>
-            <a:noFill/>
-          </a:ln>
-        </p:spPr>
-        <p:style>
-          <a:lnRef idx="2">
-            <a:schemeClr val="accent1">
-              <a:shade val="50000"/>
-            </a:schemeClr>
-          </a:lnRef>
-          <a:fillRef idx="1">
-            <a:schemeClr val="accent1"/>
-          </a:fillRef>
-          <a:effectRef idx="0">
-            <a:schemeClr val="accent1"/>
-          </a:effectRef>
-          <a:fontRef idx="minor">
-            <a:schemeClr val="lt1"/>
-          </a:fontRef>
-        </p:style>
-        <p:txBody>
-          <a:bodyPr rtlCol="0" anchor="ctr"/>
-          <a:lstStyle/>
-          <a:p>
-            <a:pPr algn="ctr"/>
-            <a:endParaRPr lang="en-ID"/>
-          </a:p>
-        </p:txBody>
-      </p:sp>
-      <p:sp>
-        <p:nvSpPr>
-          <p:cNvPr id="11" name="Oval 10">
-            <a:extLst>
-              <a:ext uri="{FF2B5EF4-FFF2-40B4-BE49-F238E27FC236}">
-                <a16:creationId xmlns:a16="http://schemas.microsoft.com/office/drawing/2014/main" id="{06DE1466-9A9A-4821-8DDE-54857C30638D}"/>
-              </a:ext>
-            </a:extLst>
-          </p:cNvPr>
-          <p:cNvSpPr/>
-          <p:nvPr/>
-        </p:nvSpPr>
-        <p:spPr>
-          <a:xfrm>
-            <a:off x="3158196" y="2678718"/>
-            <a:ext cx="1491175" cy="1491175"/>
-          </a:xfrm>
-          <a:prstGeom prst="ellipse">
-            <a:avLst/>
-          </a:prstGeom>
-          <a:solidFill>
-            <a:srgbClr val="FF3300"/>
-          </a:solidFill>
-          <a:ln>
-            <a:noFill/>
-          </a:ln>
-        </p:spPr>
-        <p:style>
-          <a:lnRef idx="2">
-            <a:schemeClr val="accent1">
-              <a:shade val="50000"/>
-            </a:schemeClr>
-          </a:lnRef>
-          <a:fillRef idx="1">
-            <a:schemeClr val="accent1"/>
-          </a:fillRef>
-          <a:effectRef idx="0">
-            <a:schemeClr val="accent1"/>
-          </a:effectRef>
-          <a:fontRef idx="minor">
-            <a:schemeClr val="lt1"/>
-          </a:fontRef>
-        </p:style>
-        <p:txBody>
-          <a:bodyPr rtlCol="0" anchor="ctr"/>
-          <a:lstStyle/>
-          <a:p>
-            <a:pPr algn="ctr"/>
-            <a:endParaRPr lang="en-ID"/>
-          </a:p>
-        </p:txBody>
-      </p:sp>
-      <p:sp>
-        <p:nvSpPr>
-          <p:cNvPr id="12" name="Oval 11">
-            <a:extLst>
-              <a:ext uri="{FF2B5EF4-FFF2-40B4-BE49-F238E27FC236}">
-                <a16:creationId xmlns:a16="http://schemas.microsoft.com/office/drawing/2014/main" id="{1827CEDF-6011-4672-8027-C9AA6A0C1F17}"/>
-              </a:ext>
-            </a:extLst>
-          </p:cNvPr>
-          <p:cNvSpPr/>
-          <p:nvPr/>
-        </p:nvSpPr>
-        <p:spPr>
-          <a:xfrm>
-            <a:off x="5317586" y="2678717"/>
-            <a:ext cx="1491175" cy="1491175"/>
-          </a:xfrm>
-          <a:prstGeom prst="ellipse">
-            <a:avLst/>
-          </a:prstGeom>
-          <a:ln>
-            <a:noFill/>
-          </a:ln>
-        </p:spPr>
-        <p:style>
-          <a:lnRef idx="2">
-            <a:schemeClr val="accent1">
-              <a:shade val="50000"/>
-            </a:schemeClr>
-          </a:lnRef>
-          <a:fillRef idx="1">
-            <a:schemeClr val="accent1"/>
-          </a:fillRef>
-          <a:effectRef idx="0">
-            <a:schemeClr val="accent1"/>
-          </a:effectRef>
-          <a:fontRef idx="minor">
-            <a:schemeClr val="lt1"/>
-          </a:fontRef>
-        </p:style>
-        <p:txBody>
-          <a:bodyPr rtlCol="0" anchor="ctr"/>
-          <a:lstStyle/>
-          <a:p>
-            <a:pPr algn="ctr"/>
-            <a:endParaRPr lang="en-ID"/>
-          </a:p>
-        </p:txBody>
-      </p:sp>
-      <p:sp>
-        <p:nvSpPr>
-          <p:cNvPr id="13" name="Oval 12">
-            <a:extLst>
-              <a:ext uri="{FF2B5EF4-FFF2-40B4-BE49-F238E27FC236}">
-                <a16:creationId xmlns:a16="http://schemas.microsoft.com/office/drawing/2014/main" id="{99791331-0B11-4072-B239-AC0F941BA6C9}"/>
-              </a:ext>
-            </a:extLst>
-          </p:cNvPr>
-          <p:cNvSpPr/>
-          <p:nvPr/>
-        </p:nvSpPr>
-        <p:spPr>
-          <a:xfrm>
-            <a:off x="7476976" y="2678716"/>
-            <a:ext cx="1491175" cy="1491175"/>
-          </a:xfrm>
-          <a:prstGeom prst="ellipse">
-            <a:avLst/>
-          </a:prstGeom>
-          <a:solidFill>
-            <a:srgbClr val="00B050"/>
-          </a:solidFill>
-          <a:ln>
-            <a:noFill/>
-          </a:ln>
-        </p:spPr>
-        <p:style>
-          <a:lnRef idx="2">
-            <a:schemeClr val="accent1">
-              <a:shade val="50000"/>
-            </a:schemeClr>
-          </a:lnRef>
-          <a:fillRef idx="1">
-            <a:schemeClr val="accent1"/>
-          </a:fillRef>
-          <a:effectRef idx="0">
-            <a:schemeClr val="accent1"/>
-          </a:effectRef>
-          <a:fontRef idx="minor">
-            <a:schemeClr val="lt1"/>
-          </a:fontRef>
-        </p:style>
-        <p:txBody>
-          <a:bodyPr rtlCol="0" anchor="ctr"/>
-          <a:lstStyle/>
-          <a:p>
-            <a:pPr algn="ctr"/>
-            <a:endParaRPr lang="en-ID"/>
-          </a:p>
-        </p:txBody>
-      </p:sp>
-      <p:sp>
-        <p:nvSpPr>
-          <p:cNvPr id="14" name="Oval 13">
-            <a:extLst>
-              <a:ext uri="{FF2B5EF4-FFF2-40B4-BE49-F238E27FC236}">
-                <a16:creationId xmlns:a16="http://schemas.microsoft.com/office/drawing/2014/main" id="{E06503A2-9C6F-45AC-8DF9-ED709CAF2C5A}"/>
-              </a:ext>
-            </a:extLst>
-          </p:cNvPr>
-          <p:cNvSpPr/>
-          <p:nvPr/>
-        </p:nvSpPr>
-        <p:spPr>
-          <a:xfrm>
-            <a:off x="9636366" y="2678716"/>
-            <a:ext cx="1491175" cy="1491175"/>
-          </a:xfrm>
-          <a:prstGeom prst="ellipse">
-            <a:avLst/>
-          </a:prstGeom>
-          <a:solidFill>
-            <a:srgbClr val="FC1467"/>
-          </a:solidFill>
-          <a:ln>
-            <a:noFill/>
-          </a:ln>
-        </p:spPr>
-        <p:style>
-          <a:lnRef idx="2">
-            <a:schemeClr val="accent1">
-              <a:shade val="50000"/>
-            </a:schemeClr>
-          </a:lnRef>
-          <a:fillRef idx="1">
-            <a:schemeClr val="accent1"/>
-          </a:fillRef>
-          <a:effectRef idx="0">
-            <a:schemeClr val="accent1"/>
-          </a:effectRef>
-          <a:fontRef idx="minor">
-            <a:schemeClr val="lt1"/>
-          </a:fontRef>
-        </p:style>
-        <p:txBody>
-          <a:bodyPr rtlCol="0" anchor="ctr"/>
-          <a:lstStyle/>
-          <a:p>
-            <a:pPr algn="ctr"/>
-            <a:endParaRPr lang="en-ID"/>
-          </a:p>
-        </p:txBody>
-      </p:sp>
-      <p:sp>
-        <p:nvSpPr>
-          <p:cNvPr id="15" name="TextBox 14">
-            <a:extLst>
-              <a:ext uri="{FF2B5EF4-FFF2-40B4-BE49-F238E27FC236}">
-                <a16:creationId xmlns:a16="http://schemas.microsoft.com/office/drawing/2014/main" id="{3AC34AD4-B07E-4A69-989A-EA838631437D}"/>
-              </a:ext>
-            </a:extLst>
-          </p:cNvPr>
-          <p:cNvSpPr txBox="1"/>
-          <p:nvPr/>
-        </p:nvSpPr>
-        <p:spPr>
-          <a:xfrm>
-            <a:off x="900331" y="4284956"/>
-            <a:ext cx="1688123" cy="338554"/>
-          </a:xfrm>
-          <a:prstGeom prst="rect">
-            <a:avLst/>
-          </a:prstGeom>
-          <a:noFill/>
-        </p:spPr>
-        <p:txBody>
-          <a:bodyPr wrap="square" rtlCol="0">
-            <a:spAutoFit/>
-          </a:bodyPr>
-          <a:lstStyle/>
-          <a:p>
-            <a:pPr algn="ctr"/>
-            <a:r>
-              <a:rPr lang="en-US" sz="1600" b="1" dirty="0">
-                <a:solidFill>
-                  <a:schemeClr val="bg1"/>
-                </a:solidFill>
-                <a:effectLst>
-                  <a:outerShdw blurRad="38100" dist="38100" dir="2700000" algn="tl">
-                    <a:srgbClr val="000000">
-                      <a:alpha val="43137"/>
-                    </a:srgbClr>
-                  </a:outerShdw>
-                </a:effectLst>
-                <a:latin typeface="Century Gothic" panose="020B0502020202020204" pitchFamily="34" charset="0"/>
-              </a:rPr>
-              <a:t>DISIPLIN</a:t>
-            </a:r>
-            <a:endParaRPr lang="en-ID" sz="1600" b="1" dirty="0">
-              <a:solidFill>
-                <a:schemeClr val="bg1"/>
-              </a:solidFill>
-              <a:effectLst>
-                <a:outerShdw blurRad="38100" dist="38100" dir="2700000" algn="tl">
-                  <a:srgbClr val="000000">
-                    <a:alpha val="43137"/>
-                  </a:srgbClr>
-                </a:outerShdw>
-              </a:effectLst>
-              <a:latin typeface="Century Gothic" panose="020B0502020202020204" pitchFamily="34" charset="0"/>
-            </a:endParaRPr>
-          </a:p>
-        </p:txBody>
-      </p:sp>
-      <p:sp>
-        <p:nvSpPr>
-          <p:cNvPr id="16" name="TextBox 15">
-            <a:extLst>
-              <a:ext uri="{FF2B5EF4-FFF2-40B4-BE49-F238E27FC236}">
-                <a16:creationId xmlns:a16="http://schemas.microsoft.com/office/drawing/2014/main" id="{C0F7D8D5-9765-4EB1-9C48-CC574A9131AA}"/>
-              </a:ext>
-            </a:extLst>
-          </p:cNvPr>
-          <p:cNvSpPr txBox="1"/>
-          <p:nvPr/>
-        </p:nvSpPr>
-        <p:spPr>
-          <a:xfrm>
-            <a:off x="3059721" y="4284956"/>
-            <a:ext cx="1688123" cy="338554"/>
-          </a:xfrm>
-          <a:prstGeom prst="rect">
-            <a:avLst/>
-          </a:prstGeom>
-          <a:noFill/>
-        </p:spPr>
-        <p:txBody>
-          <a:bodyPr wrap="square" rtlCol="0">
-            <a:spAutoFit/>
-          </a:bodyPr>
-          <a:lstStyle/>
-          <a:p>
-            <a:pPr algn="ctr"/>
-            <a:r>
-              <a:rPr lang="en-US" sz="1600" b="1" dirty="0">
-                <a:solidFill>
-                  <a:schemeClr val="bg1"/>
-                </a:solidFill>
-                <a:effectLst>
-                  <a:outerShdw blurRad="38100" dist="38100" dir="2700000" algn="tl">
-                    <a:srgbClr val="000000">
-                      <a:alpha val="43137"/>
-                    </a:srgbClr>
-                  </a:outerShdw>
-                </a:effectLst>
-                <a:latin typeface="Century Gothic" panose="020B0502020202020204" pitchFamily="34" charset="0"/>
-              </a:rPr>
-              <a:t>TELITI</a:t>
-            </a:r>
-            <a:endParaRPr lang="en-ID" sz="1600" b="1" dirty="0">
-              <a:solidFill>
-                <a:schemeClr val="bg1"/>
-              </a:solidFill>
-              <a:effectLst>
-                <a:outerShdw blurRad="38100" dist="38100" dir="2700000" algn="tl">
-                  <a:srgbClr val="000000">
-                    <a:alpha val="43137"/>
-                  </a:srgbClr>
-                </a:outerShdw>
-              </a:effectLst>
-              <a:latin typeface="Century Gothic" panose="020B0502020202020204" pitchFamily="34" charset="0"/>
-            </a:endParaRPr>
-          </a:p>
-        </p:txBody>
-      </p:sp>
-      <p:sp>
-        <p:nvSpPr>
-          <p:cNvPr id="17" name="TextBox 16">
-            <a:extLst>
-              <a:ext uri="{FF2B5EF4-FFF2-40B4-BE49-F238E27FC236}">
-                <a16:creationId xmlns:a16="http://schemas.microsoft.com/office/drawing/2014/main" id="{31964D54-E562-452E-8E37-E65BE516EDEF}"/>
-              </a:ext>
-            </a:extLst>
-          </p:cNvPr>
-          <p:cNvSpPr txBox="1"/>
-          <p:nvPr/>
-        </p:nvSpPr>
-        <p:spPr>
-          <a:xfrm>
-            <a:off x="7378501" y="4284956"/>
-            <a:ext cx="1688123" cy="338554"/>
-          </a:xfrm>
-          <a:prstGeom prst="rect">
-            <a:avLst/>
-          </a:prstGeom>
-          <a:noFill/>
-        </p:spPr>
-        <p:txBody>
-          <a:bodyPr wrap="square" rtlCol="0">
-            <a:spAutoFit/>
-          </a:bodyPr>
-          <a:lstStyle/>
-          <a:p>
-            <a:pPr algn="ctr"/>
-            <a:r>
-              <a:rPr lang="en-US" sz="1600" b="1" dirty="0">
-                <a:solidFill>
-                  <a:schemeClr val="bg1"/>
-                </a:solidFill>
-                <a:effectLst>
-                  <a:outerShdw blurRad="38100" dist="38100" dir="2700000" algn="tl">
-                    <a:srgbClr val="000000">
-                      <a:alpha val="43137"/>
-                    </a:srgbClr>
-                  </a:outerShdw>
-                </a:effectLst>
-                <a:latin typeface="Century Gothic" panose="020B0502020202020204" pitchFamily="34" charset="0"/>
-              </a:rPr>
-              <a:t>OVERCLOCK</a:t>
-            </a:r>
-            <a:endParaRPr lang="en-ID" sz="1600" b="1" dirty="0">
-              <a:solidFill>
-                <a:schemeClr val="bg1"/>
-              </a:solidFill>
-              <a:effectLst>
-                <a:outerShdw blurRad="38100" dist="38100" dir="2700000" algn="tl">
-                  <a:srgbClr val="000000">
-                    <a:alpha val="43137"/>
-                  </a:srgbClr>
-                </a:outerShdw>
-              </a:effectLst>
-              <a:latin typeface="Century Gothic" panose="020B0502020202020204" pitchFamily="34" charset="0"/>
-            </a:endParaRPr>
-          </a:p>
-        </p:txBody>
-      </p:sp>
-      <p:sp>
-        <p:nvSpPr>
-          <p:cNvPr id="18" name="TextBox 17">
-            <a:extLst>
-              <a:ext uri="{FF2B5EF4-FFF2-40B4-BE49-F238E27FC236}">
-                <a16:creationId xmlns:a16="http://schemas.microsoft.com/office/drawing/2014/main" id="{3EC88353-2D44-4035-8E9D-9ACB7ED81A6F}"/>
-              </a:ext>
-            </a:extLst>
-          </p:cNvPr>
-          <p:cNvSpPr txBox="1"/>
-          <p:nvPr/>
-        </p:nvSpPr>
-        <p:spPr>
-          <a:xfrm>
-            <a:off x="9120585" y="4331122"/>
-            <a:ext cx="2522730" cy="584775"/>
-          </a:xfrm>
-          <a:prstGeom prst="rect">
-            <a:avLst/>
-          </a:prstGeom>
-          <a:noFill/>
-        </p:spPr>
-        <p:txBody>
-          <a:bodyPr wrap="square" rtlCol="0">
-            <a:spAutoFit/>
-          </a:bodyPr>
-          <a:lstStyle/>
-          <a:p>
-            <a:pPr algn="ctr"/>
-            <a:r>
-              <a:rPr lang="en-US" sz="1600" b="1" dirty="0">
-                <a:solidFill>
-                  <a:schemeClr val="bg1"/>
-                </a:solidFill>
-                <a:effectLst>
-                  <a:outerShdw blurRad="38100" dist="38100" dir="2700000" algn="tl">
-                    <a:srgbClr val="000000">
-                      <a:alpha val="43137"/>
-                    </a:srgbClr>
-                  </a:outerShdw>
-                </a:effectLst>
-                <a:latin typeface="Century Gothic" panose="020B0502020202020204" pitchFamily="34" charset="0"/>
-              </a:rPr>
-              <a:t>MEMBENTUK POLA KOMPUTASIONAL</a:t>
-            </a:r>
-            <a:endParaRPr lang="en-ID" sz="1600" b="1" dirty="0">
-              <a:solidFill>
-                <a:schemeClr val="bg1"/>
-              </a:solidFill>
-              <a:effectLst>
-                <a:outerShdw blurRad="38100" dist="38100" dir="2700000" algn="tl">
-                  <a:srgbClr val="000000">
-                    <a:alpha val="43137"/>
-                  </a:srgbClr>
-                </a:outerShdw>
-              </a:effectLst>
-              <a:latin typeface="Century Gothic" panose="020B0502020202020204" pitchFamily="34" charset="0"/>
-            </a:endParaRPr>
-          </a:p>
-        </p:txBody>
-      </p:sp>
-      <p:sp>
-        <p:nvSpPr>
-          <p:cNvPr id="19" name="TextBox 18">
-            <a:extLst>
-              <a:ext uri="{FF2B5EF4-FFF2-40B4-BE49-F238E27FC236}">
-                <a16:creationId xmlns:a16="http://schemas.microsoft.com/office/drawing/2014/main" id="{013557D9-5806-4E79-BD24-127DED781498}"/>
-              </a:ext>
-            </a:extLst>
-          </p:cNvPr>
-          <p:cNvSpPr txBox="1"/>
-          <p:nvPr/>
-        </p:nvSpPr>
-        <p:spPr>
-          <a:xfrm>
-            <a:off x="5116689" y="4290856"/>
-            <a:ext cx="1958618" cy="338554"/>
-          </a:xfrm>
-          <a:prstGeom prst="rect">
-            <a:avLst/>
-          </a:prstGeom>
-          <a:noFill/>
-        </p:spPr>
-        <p:txBody>
-          <a:bodyPr wrap="square" rtlCol="0">
-            <a:spAutoFit/>
-          </a:bodyPr>
-          <a:lstStyle/>
-          <a:p>
-            <a:pPr algn="ctr"/>
-            <a:r>
-              <a:rPr lang="en-US" sz="1600" b="1" dirty="0">
-                <a:solidFill>
-                  <a:schemeClr val="bg1"/>
-                </a:solidFill>
-                <a:effectLst>
-                  <a:outerShdw blurRad="38100" dist="38100" dir="2700000" algn="tl">
-                    <a:srgbClr val="000000">
-                      <a:alpha val="43137"/>
-                    </a:srgbClr>
-                  </a:outerShdw>
-                </a:effectLst>
-                <a:latin typeface="Century Gothic" panose="020B0502020202020204" pitchFamily="34" charset="0"/>
-              </a:rPr>
-              <a:t>BERPIKIR ABSTRAK</a:t>
-            </a:r>
-            <a:endParaRPr lang="en-ID" sz="1600" b="1" dirty="0">
-              <a:solidFill>
-                <a:schemeClr val="bg1"/>
-              </a:solidFill>
-              <a:effectLst>
-                <a:outerShdw blurRad="38100" dist="38100" dir="2700000" algn="tl">
-                  <a:srgbClr val="000000">
-                    <a:alpha val="43137"/>
-                  </a:srgbClr>
-                </a:outerShdw>
-              </a:effectLst>
-              <a:latin typeface="Century Gothic" panose="020B0502020202020204" pitchFamily="34" charset="0"/>
-            </a:endParaRPr>
-          </a:p>
-        </p:txBody>
-      </p:sp>
-      <p:sp>
-        <p:nvSpPr>
-          <p:cNvPr id="20" name="TextBox 19">
-            <a:extLst>
-              <a:ext uri="{FF2B5EF4-FFF2-40B4-BE49-F238E27FC236}">
-                <a16:creationId xmlns:a16="http://schemas.microsoft.com/office/drawing/2014/main" id="{B413F28D-A841-42C1-865A-D23B1308664E}"/>
-              </a:ext>
-            </a:extLst>
-          </p:cNvPr>
-          <p:cNvSpPr txBox="1"/>
-          <p:nvPr/>
-        </p:nvSpPr>
-        <p:spPr>
-          <a:xfrm>
-            <a:off x="868679" y="4760910"/>
-            <a:ext cx="1688123" cy="1323439"/>
-          </a:xfrm>
-          <a:prstGeom prst="rect">
-            <a:avLst/>
-          </a:prstGeom>
-          <a:noFill/>
-        </p:spPr>
-        <p:txBody>
-          <a:bodyPr wrap="square" rtlCol="0">
-            <a:spAutoFit/>
-          </a:bodyPr>
-          <a:lstStyle/>
-          <a:p>
-            <a:pPr algn="ctr"/>
-            <a:r>
-              <a:rPr lang="en-US" sz="1600" dirty="0">
-                <a:solidFill>
-                  <a:schemeClr val="bg1"/>
-                </a:solidFill>
-                <a:latin typeface="Avenir Next LT Pro" panose="020B0504020202020204" pitchFamily="34" charset="0"/>
-              </a:rPr>
-              <a:t>Bahasa </a:t>
-            </a:r>
-            <a:r>
-              <a:rPr lang="en-US" sz="1600" dirty="0" err="1">
-                <a:solidFill>
-                  <a:schemeClr val="bg1"/>
-                </a:solidFill>
-                <a:latin typeface="Avenir Next LT Pro" panose="020B0504020202020204" pitchFamily="34" charset="0"/>
-              </a:rPr>
-              <a:t>pemrograman</a:t>
-            </a:r>
-            <a:r>
-              <a:rPr lang="en-US" sz="1600" dirty="0">
-                <a:solidFill>
-                  <a:schemeClr val="bg1"/>
-                </a:solidFill>
-                <a:latin typeface="Avenir Next LT Pro" panose="020B0504020202020204" pitchFamily="34" charset="0"/>
-              </a:rPr>
-              <a:t> </a:t>
-            </a:r>
-            <a:r>
-              <a:rPr lang="en-US" sz="1600" dirty="0" err="1">
-                <a:solidFill>
-                  <a:schemeClr val="bg1"/>
-                </a:solidFill>
-                <a:latin typeface="Avenir Next LT Pro" panose="020B0504020202020204" pitchFamily="34" charset="0"/>
-              </a:rPr>
-              <a:t>memiliki</a:t>
-            </a:r>
-            <a:r>
-              <a:rPr lang="en-US" sz="1600" dirty="0">
-                <a:solidFill>
-                  <a:schemeClr val="bg1"/>
-                </a:solidFill>
-                <a:latin typeface="Avenir Next LT Pro" panose="020B0504020202020204" pitchFamily="34" charset="0"/>
-              </a:rPr>
-              <a:t> </a:t>
-            </a:r>
-            <a:r>
-              <a:rPr lang="en-US" sz="1600" dirty="0" err="1">
-                <a:solidFill>
-                  <a:schemeClr val="bg1"/>
-                </a:solidFill>
-                <a:latin typeface="Avenir Next LT Pro" panose="020B0504020202020204" pitchFamily="34" charset="0"/>
-              </a:rPr>
-              <a:t>aturan</a:t>
-            </a:r>
-            <a:r>
-              <a:rPr lang="en-US" sz="1600" dirty="0">
-                <a:solidFill>
-                  <a:schemeClr val="bg1"/>
-                </a:solidFill>
-                <a:latin typeface="Avenir Next LT Pro" panose="020B0504020202020204" pitchFamily="34" charset="0"/>
-              </a:rPr>
-              <a:t> yang </a:t>
-            </a:r>
-            <a:r>
-              <a:rPr lang="en-US" sz="1600" dirty="0" err="1">
-                <a:solidFill>
-                  <a:schemeClr val="bg1"/>
-                </a:solidFill>
-                <a:latin typeface="Avenir Next LT Pro" panose="020B0504020202020204" pitchFamily="34" charset="0"/>
-              </a:rPr>
-              <a:t>berbeda</a:t>
-            </a:r>
-            <a:r>
-              <a:rPr lang="en-US" sz="1600" dirty="0">
-                <a:solidFill>
-                  <a:schemeClr val="bg1"/>
-                </a:solidFill>
-                <a:latin typeface="Avenir Next LT Pro" panose="020B0504020202020204" pitchFamily="34" charset="0"/>
-              </a:rPr>
-              <a:t> </a:t>
-            </a:r>
-            <a:r>
-              <a:rPr lang="en-US" sz="1600" dirty="0" err="1">
-                <a:solidFill>
-                  <a:schemeClr val="bg1"/>
-                </a:solidFill>
-                <a:latin typeface="Avenir Next LT Pro" panose="020B0504020202020204" pitchFamily="34" charset="0"/>
-              </a:rPr>
-              <a:t>beda</a:t>
-            </a:r>
-            <a:endParaRPr lang="en-ID" sz="1600" dirty="0">
-              <a:solidFill>
-                <a:schemeClr val="bg1"/>
-              </a:solidFill>
-              <a:latin typeface="Avenir Next LT Pro" panose="020B0504020202020204" pitchFamily="34" charset="0"/>
-            </a:endParaRPr>
-          </a:p>
-        </p:txBody>
-      </p:sp>
-      <p:sp>
-        <p:nvSpPr>
-          <p:cNvPr id="21" name="TextBox 20">
-            <a:extLst>
-              <a:ext uri="{FF2B5EF4-FFF2-40B4-BE49-F238E27FC236}">
-                <a16:creationId xmlns:a16="http://schemas.microsoft.com/office/drawing/2014/main" id="{442AFC9E-4A7E-41D0-B9F0-7DABF892E262}"/>
-              </a:ext>
-            </a:extLst>
-          </p:cNvPr>
-          <p:cNvSpPr txBox="1"/>
-          <p:nvPr/>
-        </p:nvSpPr>
-        <p:spPr>
-          <a:xfrm>
-            <a:off x="3059721" y="4791463"/>
-            <a:ext cx="1688123" cy="1323439"/>
-          </a:xfrm>
-          <a:prstGeom prst="rect">
-            <a:avLst/>
-          </a:prstGeom>
-          <a:noFill/>
-        </p:spPr>
-        <p:txBody>
-          <a:bodyPr wrap="square" rtlCol="0">
-            <a:spAutoFit/>
-          </a:bodyPr>
-          <a:lstStyle/>
-          <a:p>
-            <a:pPr algn="ctr"/>
-            <a:r>
-              <a:rPr lang="en-US" sz="1600" dirty="0" err="1">
-                <a:solidFill>
-                  <a:schemeClr val="bg1"/>
-                </a:solidFill>
-                <a:latin typeface="Avenir Next LT Pro" panose="020B0504020202020204" pitchFamily="34" charset="0"/>
-              </a:rPr>
-              <a:t>Saat</a:t>
-            </a:r>
-            <a:r>
-              <a:rPr lang="en-US" sz="1600" dirty="0">
-                <a:solidFill>
-                  <a:schemeClr val="bg1"/>
-                </a:solidFill>
-                <a:latin typeface="Avenir Next LT Pro" panose="020B0504020202020204" pitchFamily="34" charset="0"/>
-              </a:rPr>
-              <a:t> </a:t>
-            </a:r>
-            <a:r>
-              <a:rPr lang="en-US" sz="1600" dirty="0" err="1">
-                <a:solidFill>
-                  <a:schemeClr val="bg1"/>
-                </a:solidFill>
-                <a:latin typeface="Avenir Next LT Pro" panose="020B0504020202020204" pitchFamily="34" charset="0"/>
-              </a:rPr>
-              <a:t>menuliskan</a:t>
-            </a:r>
-            <a:r>
-              <a:rPr lang="en-US" sz="1600" dirty="0">
-                <a:solidFill>
-                  <a:schemeClr val="bg1"/>
-                </a:solidFill>
-                <a:latin typeface="Avenir Next LT Pro" panose="020B0504020202020204" pitchFamily="34" charset="0"/>
-              </a:rPr>
-              <a:t> </a:t>
-            </a:r>
-            <a:r>
-              <a:rPr lang="en-US" sz="1600" dirty="0" err="1">
-                <a:solidFill>
-                  <a:schemeClr val="bg1"/>
-                </a:solidFill>
-                <a:latin typeface="Avenir Next LT Pro" panose="020B0504020202020204" pitchFamily="34" charset="0"/>
-              </a:rPr>
-              <a:t>sebuah</a:t>
-            </a:r>
-            <a:r>
-              <a:rPr lang="en-US" sz="1600" dirty="0">
-                <a:solidFill>
-                  <a:schemeClr val="bg1"/>
-                </a:solidFill>
-                <a:latin typeface="Avenir Next LT Pro" panose="020B0504020202020204" pitchFamily="34" charset="0"/>
-              </a:rPr>
-              <a:t> function </a:t>
-            </a:r>
-            <a:r>
-              <a:rPr lang="en-US" sz="1600" dirty="0" err="1">
-                <a:solidFill>
-                  <a:schemeClr val="bg1"/>
-                </a:solidFill>
-                <a:latin typeface="Avenir Next LT Pro" panose="020B0504020202020204" pitchFamily="34" charset="0"/>
-              </a:rPr>
-              <a:t>terkadang</a:t>
-            </a:r>
-            <a:r>
-              <a:rPr lang="en-US" sz="1600" dirty="0">
-                <a:solidFill>
-                  <a:schemeClr val="bg1"/>
-                </a:solidFill>
-                <a:latin typeface="Avenir Next LT Pro" panose="020B0504020202020204" pitchFamily="34" charset="0"/>
-              </a:rPr>
-              <a:t> </a:t>
-            </a:r>
-            <a:r>
-              <a:rPr lang="en-US" sz="1600" dirty="0" err="1">
-                <a:solidFill>
-                  <a:schemeClr val="bg1"/>
-                </a:solidFill>
-                <a:latin typeface="Avenir Next LT Pro" panose="020B0504020202020204" pitchFamily="34" charset="0"/>
-              </a:rPr>
-              <a:t>harus</a:t>
-            </a:r>
-            <a:r>
-              <a:rPr lang="en-US" sz="1600" dirty="0">
-                <a:solidFill>
-                  <a:schemeClr val="bg1"/>
-                </a:solidFill>
-                <a:latin typeface="Avenir Next LT Pro" panose="020B0504020202020204" pitchFamily="34" charset="0"/>
-              </a:rPr>
-              <a:t> sensitive case</a:t>
-            </a:r>
-            <a:endParaRPr lang="en-ID" sz="1600" dirty="0">
-              <a:solidFill>
-                <a:schemeClr val="bg1"/>
-              </a:solidFill>
-              <a:latin typeface="Avenir Next LT Pro" panose="020B0504020202020204" pitchFamily="34" charset="0"/>
-            </a:endParaRPr>
-          </a:p>
-        </p:txBody>
-      </p:sp>
-      <p:sp>
-        <p:nvSpPr>
-          <p:cNvPr id="22" name="TextBox 21">
-            <a:extLst>
-              <a:ext uri="{FF2B5EF4-FFF2-40B4-BE49-F238E27FC236}">
-                <a16:creationId xmlns:a16="http://schemas.microsoft.com/office/drawing/2014/main" id="{443E9671-544D-4557-B7F0-38CF029ABF53}"/>
-              </a:ext>
-            </a:extLst>
-          </p:cNvPr>
-          <p:cNvSpPr txBox="1"/>
-          <p:nvPr/>
-        </p:nvSpPr>
-        <p:spPr>
-          <a:xfrm>
-            <a:off x="5251938" y="4800840"/>
-            <a:ext cx="1688123" cy="1569660"/>
-          </a:xfrm>
-          <a:prstGeom prst="rect">
-            <a:avLst/>
-          </a:prstGeom>
-          <a:noFill/>
-        </p:spPr>
-        <p:txBody>
-          <a:bodyPr wrap="square" rtlCol="0">
-            <a:spAutoFit/>
-          </a:bodyPr>
-          <a:lstStyle/>
-          <a:p>
-            <a:pPr algn="ctr"/>
-            <a:r>
-              <a:rPr lang="en-US" sz="1600" dirty="0" err="1">
-                <a:solidFill>
-                  <a:schemeClr val="bg1"/>
-                </a:solidFill>
-                <a:latin typeface="Avenir Next LT Pro" panose="020B0504020202020204" pitchFamily="34" charset="0"/>
-              </a:rPr>
-              <a:t>Menyembunyikan</a:t>
-            </a:r>
-            <a:r>
-              <a:rPr lang="en-US" sz="1600" dirty="0">
-                <a:solidFill>
-                  <a:schemeClr val="bg1"/>
-                </a:solidFill>
-                <a:latin typeface="Avenir Next LT Pro" panose="020B0504020202020204" pitchFamily="34" charset="0"/>
-              </a:rPr>
-              <a:t> </a:t>
-            </a:r>
-            <a:r>
-              <a:rPr lang="en-US" sz="1600" dirty="0" err="1">
-                <a:solidFill>
-                  <a:schemeClr val="bg1"/>
-                </a:solidFill>
-                <a:latin typeface="Avenir Next LT Pro" panose="020B0504020202020204" pitchFamily="34" charset="0"/>
-              </a:rPr>
-              <a:t>kesulitan</a:t>
-            </a:r>
-            <a:r>
-              <a:rPr lang="en-US" sz="1600" dirty="0">
-                <a:solidFill>
-                  <a:schemeClr val="bg1"/>
-                </a:solidFill>
-                <a:latin typeface="Avenir Next LT Pro" panose="020B0504020202020204" pitchFamily="34" charset="0"/>
-              </a:rPr>
-              <a:t> </a:t>
-            </a:r>
-            <a:r>
-              <a:rPr lang="en-US" sz="1600" dirty="0" err="1">
-                <a:solidFill>
-                  <a:schemeClr val="bg1"/>
-                </a:solidFill>
-                <a:latin typeface="Avenir Next LT Pro" panose="020B0504020202020204" pitchFamily="34" charset="0"/>
-              </a:rPr>
-              <a:t>atau</a:t>
-            </a:r>
-            <a:r>
-              <a:rPr lang="en-US" sz="1600" dirty="0">
-                <a:solidFill>
-                  <a:schemeClr val="bg1"/>
-                </a:solidFill>
-                <a:latin typeface="Avenir Next LT Pro" panose="020B0504020202020204" pitchFamily="34" charset="0"/>
-              </a:rPr>
-              <a:t> </a:t>
-            </a:r>
-            <a:r>
-              <a:rPr lang="en-US" sz="1600" dirty="0" err="1">
-                <a:solidFill>
-                  <a:schemeClr val="bg1"/>
-                </a:solidFill>
-                <a:latin typeface="Avenir Next LT Pro" panose="020B0504020202020204" pitchFamily="34" charset="0"/>
-              </a:rPr>
-              <a:t>kompleksitifitas</a:t>
-            </a:r>
-            <a:r>
-              <a:rPr lang="en-US" sz="1600" dirty="0">
-                <a:solidFill>
-                  <a:schemeClr val="bg1"/>
-                </a:solidFill>
-                <a:latin typeface="Avenir Next LT Pro" panose="020B0504020202020204" pitchFamily="34" charset="0"/>
-              </a:rPr>
-              <a:t> agar </a:t>
-            </a:r>
-            <a:r>
-              <a:rPr lang="en-US" sz="1600" dirty="0" err="1">
-                <a:solidFill>
-                  <a:schemeClr val="bg1"/>
-                </a:solidFill>
-                <a:latin typeface="Avenir Next LT Pro" panose="020B0504020202020204" pitchFamily="34" charset="0"/>
-              </a:rPr>
-              <a:t>lebih</a:t>
-            </a:r>
-            <a:r>
-              <a:rPr lang="en-US" sz="1600" dirty="0">
-                <a:solidFill>
-                  <a:schemeClr val="bg1"/>
-                </a:solidFill>
-                <a:latin typeface="Avenir Next LT Pro" panose="020B0504020202020204" pitchFamily="34" charset="0"/>
-              </a:rPr>
-              <a:t> </a:t>
-            </a:r>
-            <a:r>
-              <a:rPr lang="en-US" sz="1600" dirty="0" err="1">
-                <a:solidFill>
-                  <a:schemeClr val="bg1"/>
-                </a:solidFill>
-                <a:latin typeface="Avenir Next LT Pro" panose="020B0504020202020204" pitchFamily="34" charset="0"/>
-              </a:rPr>
-              <a:t>mudah</a:t>
-            </a:r>
-            <a:endParaRPr lang="en-ID" sz="1600" dirty="0">
-              <a:solidFill>
-                <a:schemeClr val="bg1"/>
-              </a:solidFill>
-              <a:latin typeface="Avenir Next LT Pro" panose="020B0504020202020204" pitchFamily="34" charset="0"/>
-            </a:endParaRPr>
-          </a:p>
-        </p:txBody>
-      </p:sp>
-      <p:sp>
-        <p:nvSpPr>
-          <p:cNvPr id="23" name="TextBox 22">
-            <a:extLst>
-              <a:ext uri="{FF2B5EF4-FFF2-40B4-BE49-F238E27FC236}">
-                <a16:creationId xmlns:a16="http://schemas.microsoft.com/office/drawing/2014/main" id="{896B19E5-9D7E-45CE-A03B-26A8D99F0ED0}"/>
-              </a:ext>
-            </a:extLst>
-          </p:cNvPr>
-          <p:cNvSpPr txBox="1"/>
-          <p:nvPr/>
-        </p:nvSpPr>
-        <p:spPr>
-          <a:xfrm>
-            <a:off x="7378500" y="4800840"/>
-            <a:ext cx="1688123" cy="1077218"/>
-          </a:xfrm>
-          <a:prstGeom prst="rect">
-            <a:avLst/>
-          </a:prstGeom>
-          <a:noFill/>
-        </p:spPr>
-        <p:txBody>
-          <a:bodyPr wrap="square" rtlCol="0">
-            <a:spAutoFit/>
-          </a:bodyPr>
-          <a:lstStyle/>
-          <a:p>
-            <a:pPr algn="ctr"/>
-            <a:r>
-              <a:rPr lang="en-US" sz="1600" dirty="0" err="1">
-                <a:solidFill>
-                  <a:schemeClr val="bg1"/>
-                </a:solidFill>
-                <a:latin typeface="Avenir Next LT Pro" panose="020B0504020202020204" pitchFamily="34" charset="0"/>
-              </a:rPr>
-              <a:t>Mengubah</a:t>
-            </a:r>
-            <a:r>
-              <a:rPr lang="en-US" sz="1600" dirty="0">
-                <a:solidFill>
-                  <a:schemeClr val="bg1"/>
-                </a:solidFill>
-                <a:latin typeface="Avenir Next LT Pro" panose="020B0504020202020204" pitchFamily="34" charset="0"/>
-              </a:rPr>
-              <a:t> computer </a:t>
-            </a:r>
-            <a:r>
-              <a:rPr lang="en-US" sz="1600" dirty="0" err="1">
-                <a:solidFill>
-                  <a:schemeClr val="bg1"/>
-                </a:solidFill>
-                <a:latin typeface="Avenir Next LT Pro" panose="020B0504020202020204" pitchFamily="34" charset="0"/>
-              </a:rPr>
-              <a:t>menjadi</a:t>
-            </a:r>
-            <a:r>
-              <a:rPr lang="en-US" sz="1600" dirty="0">
-                <a:solidFill>
-                  <a:schemeClr val="bg1"/>
-                </a:solidFill>
-                <a:latin typeface="Avenir Next LT Pro" panose="020B0504020202020204" pitchFamily="34" charset="0"/>
-              </a:rPr>
-              <a:t> </a:t>
-            </a:r>
-            <a:r>
-              <a:rPr lang="en-US" sz="1600" dirty="0" err="1">
-                <a:solidFill>
-                  <a:schemeClr val="bg1"/>
-                </a:solidFill>
-                <a:latin typeface="Avenir Next LT Pro" panose="020B0504020202020204" pitchFamily="34" charset="0"/>
-              </a:rPr>
-              <a:t>alat</a:t>
-            </a:r>
-            <a:r>
-              <a:rPr lang="en-US" sz="1600" dirty="0">
-                <a:solidFill>
-                  <a:schemeClr val="bg1"/>
-                </a:solidFill>
-                <a:latin typeface="Avenir Next LT Pro" panose="020B0504020202020204" pitchFamily="34" charset="0"/>
-              </a:rPr>
-              <a:t> yang </a:t>
-            </a:r>
-            <a:r>
-              <a:rPr lang="en-US" sz="1600" dirty="0" err="1">
-                <a:solidFill>
-                  <a:schemeClr val="bg1"/>
-                </a:solidFill>
-                <a:latin typeface="Avenir Next LT Pro" panose="020B0504020202020204" pitchFamily="34" charset="0"/>
-              </a:rPr>
-              <a:t>powerfull</a:t>
-            </a:r>
-            <a:endParaRPr lang="en-ID" sz="1600" dirty="0">
-              <a:solidFill>
-                <a:schemeClr val="bg1"/>
-              </a:solidFill>
-              <a:latin typeface="Avenir Next LT Pro" panose="020B0504020202020204" pitchFamily="34" charset="0"/>
-            </a:endParaRPr>
-          </a:p>
-        </p:txBody>
-      </p:sp>
-      <p:sp>
-        <p:nvSpPr>
-          <p:cNvPr id="24" name="TextBox 23">
-            <a:extLst>
-              <a:ext uri="{FF2B5EF4-FFF2-40B4-BE49-F238E27FC236}">
-                <a16:creationId xmlns:a16="http://schemas.microsoft.com/office/drawing/2014/main" id="{F088EA85-2CC3-44AE-9647-4FB1E0771E74}"/>
-              </a:ext>
-            </a:extLst>
-          </p:cNvPr>
-          <p:cNvSpPr txBox="1"/>
-          <p:nvPr/>
-        </p:nvSpPr>
-        <p:spPr>
-          <a:xfrm>
-            <a:off x="9537888" y="4983166"/>
-            <a:ext cx="1688123" cy="1077218"/>
-          </a:xfrm>
-          <a:prstGeom prst="rect">
-            <a:avLst/>
-          </a:prstGeom>
-          <a:noFill/>
-        </p:spPr>
-        <p:txBody>
-          <a:bodyPr wrap="square" rtlCol="0">
-            <a:spAutoFit/>
-          </a:bodyPr>
-          <a:lstStyle/>
-          <a:p>
-            <a:pPr algn="ctr"/>
-            <a:r>
-              <a:rPr lang="en-US" sz="1600" dirty="0" err="1">
-                <a:solidFill>
-                  <a:schemeClr val="bg1"/>
-                </a:solidFill>
-                <a:latin typeface="Avenir Next LT Pro" panose="020B0504020202020204" pitchFamily="34" charset="0"/>
-              </a:rPr>
-              <a:t>Belajar</a:t>
-            </a:r>
-            <a:r>
-              <a:rPr lang="en-US" sz="1600" dirty="0">
-                <a:solidFill>
-                  <a:schemeClr val="bg1"/>
-                </a:solidFill>
-                <a:latin typeface="Avenir Next LT Pro" panose="020B0504020202020204" pitchFamily="34" charset="0"/>
-              </a:rPr>
-              <a:t> </a:t>
-            </a:r>
-            <a:r>
-              <a:rPr lang="en-US" sz="1600" dirty="0" err="1">
-                <a:solidFill>
-                  <a:schemeClr val="bg1"/>
-                </a:solidFill>
-                <a:latin typeface="Avenir Next LT Pro" panose="020B0504020202020204" pitchFamily="34" charset="0"/>
-              </a:rPr>
-              <a:t>algoritma</a:t>
-            </a:r>
-            <a:r>
-              <a:rPr lang="en-US" sz="1600" dirty="0">
-                <a:solidFill>
-                  <a:schemeClr val="bg1"/>
-                </a:solidFill>
-                <a:latin typeface="Avenir Next LT Pro" panose="020B0504020202020204" pitchFamily="34" charset="0"/>
-              </a:rPr>
-              <a:t> </a:t>
-            </a:r>
-            <a:r>
-              <a:rPr lang="en-US" sz="1600" dirty="0" err="1">
-                <a:solidFill>
-                  <a:schemeClr val="bg1"/>
-                </a:solidFill>
-                <a:latin typeface="Avenir Next LT Pro" panose="020B0504020202020204" pitchFamily="34" charset="0"/>
-              </a:rPr>
-              <a:t>untuk</a:t>
-            </a:r>
-            <a:r>
-              <a:rPr lang="en-US" sz="1600" dirty="0">
-                <a:solidFill>
-                  <a:schemeClr val="bg1"/>
-                </a:solidFill>
-                <a:latin typeface="Avenir Next LT Pro" panose="020B0504020202020204" pitchFamily="34" charset="0"/>
-              </a:rPr>
-              <a:t> </a:t>
-            </a:r>
-            <a:r>
-              <a:rPr lang="en-US" sz="1600" dirty="0" err="1">
-                <a:solidFill>
-                  <a:schemeClr val="bg1"/>
-                </a:solidFill>
-                <a:latin typeface="Avenir Next LT Pro" panose="020B0504020202020204" pitchFamily="34" charset="0"/>
-              </a:rPr>
-              <a:t>memecahkan</a:t>
-            </a:r>
-            <a:r>
-              <a:rPr lang="en-US" sz="1600" dirty="0">
-                <a:solidFill>
-                  <a:schemeClr val="bg1"/>
-                </a:solidFill>
-                <a:latin typeface="Avenir Next LT Pro" panose="020B0504020202020204" pitchFamily="34" charset="0"/>
-              </a:rPr>
-              <a:t> </a:t>
-            </a:r>
-            <a:r>
-              <a:rPr lang="en-US" sz="1600" dirty="0" err="1">
-                <a:solidFill>
-                  <a:schemeClr val="bg1"/>
-                </a:solidFill>
-                <a:latin typeface="Avenir Next LT Pro" panose="020B0504020202020204" pitchFamily="34" charset="0"/>
-              </a:rPr>
-              <a:t>masalah</a:t>
-            </a:r>
-            <a:endParaRPr lang="en-ID" sz="1600" dirty="0">
-              <a:solidFill>
-                <a:schemeClr val="bg1"/>
-              </a:solidFill>
-              <a:latin typeface="Avenir Next LT Pro" panose="020B0504020202020204" pitchFamily="34" charset="0"/>
-            </a:endParaRPr>
-          </a:p>
-        </p:txBody>
-      </p:sp>
-      <p:sp>
-        <p:nvSpPr>
-          <p:cNvPr id="25" name="TextBox 24">
-            <a:extLst>
-              <a:ext uri="{FF2B5EF4-FFF2-40B4-BE49-F238E27FC236}">
-                <a16:creationId xmlns:a16="http://schemas.microsoft.com/office/drawing/2014/main" id="{983639B1-C53F-4A54-B17F-97398BEB9D1F}"/>
-              </a:ext>
-            </a:extLst>
-          </p:cNvPr>
-          <p:cNvSpPr txBox="1"/>
-          <p:nvPr/>
-        </p:nvSpPr>
-        <p:spPr>
-          <a:xfrm>
-            <a:off x="1145929" y="3039582"/>
-            <a:ext cx="1133621" cy="769441"/>
-          </a:xfrm>
-          <a:prstGeom prst="rect">
-            <a:avLst/>
-          </a:prstGeom>
-          <a:noFill/>
-        </p:spPr>
-        <p:txBody>
-          <a:bodyPr wrap="square" rtlCol="0">
-            <a:spAutoFit/>
-          </a:bodyPr>
-          <a:lstStyle/>
-          <a:p>
-            <a:pPr algn="ctr"/>
-            <a:r>
-              <a:rPr lang="en-US" sz="4400" b="1" dirty="0">
-                <a:solidFill>
-                  <a:schemeClr val="bg1"/>
-                </a:solidFill>
-                <a:effectLst>
-                  <a:outerShdw blurRad="38100" dist="38100" dir="2700000" algn="tl">
-                    <a:srgbClr val="000000">
-                      <a:alpha val="43137"/>
-                    </a:srgbClr>
-                  </a:outerShdw>
-                </a:effectLst>
-                <a:latin typeface="Arial Black" panose="020B0A04020102020204" pitchFamily="34" charset="0"/>
-              </a:rPr>
-              <a:t>01</a:t>
-            </a:r>
-            <a:endParaRPr lang="en-ID" sz="4400" b="1" dirty="0">
-              <a:solidFill>
-                <a:schemeClr val="bg1"/>
-              </a:solidFill>
-              <a:effectLst>
-                <a:outerShdw blurRad="38100" dist="38100" dir="2700000" algn="tl">
-                  <a:srgbClr val="000000">
-                    <a:alpha val="43137"/>
-                  </a:srgbClr>
-                </a:outerShdw>
-              </a:effectLst>
-              <a:latin typeface="Arial Black" panose="020B0A04020102020204" pitchFamily="34" charset="0"/>
-            </a:endParaRPr>
-          </a:p>
-        </p:txBody>
-      </p:sp>
-      <p:sp>
-        <p:nvSpPr>
-          <p:cNvPr id="26" name="TextBox 25">
-            <a:extLst>
-              <a:ext uri="{FF2B5EF4-FFF2-40B4-BE49-F238E27FC236}">
-                <a16:creationId xmlns:a16="http://schemas.microsoft.com/office/drawing/2014/main" id="{C246FE37-5683-4CEC-A3CB-880B5C75B974}"/>
-              </a:ext>
-            </a:extLst>
-          </p:cNvPr>
-          <p:cNvSpPr txBox="1"/>
-          <p:nvPr/>
-        </p:nvSpPr>
-        <p:spPr>
-          <a:xfrm>
-            <a:off x="3336971" y="3039581"/>
-            <a:ext cx="1133621" cy="769441"/>
-          </a:xfrm>
-          <a:prstGeom prst="rect">
-            <a:avLst/>
-          </a:prstGeom>
-          <a:noFill/>
-        </p:spPr>
-        <p:txBody>
-          <a:bodyPr wrap="square" rtlCol="0">
-            <a:spAutoFit/>
-          </a:bodyPr>
-          <a:lstStyle/>
-          <a:p>
-            <a:pPr algn="ctr"/>
-            <a:r>
-              <a:rPr lang="en-US" sz="4400" b="1" dirty="0">
-                <a:solidFill>
-                  <a:schemeClr val="bg1"/>
-                </a:solidFill>
-                <a:effectLst>
-                  <a:outerShdw blurRad="38100" dist="38100" dir="2700000" algn="tl">
-                    <a:srgbClr val="000000">
-                      <a:alpha val="43137"/>
-                    </a:srgbClr>
-                  </a:outerShdw>
-                </a:effectLst>
-                <a:latin typeface="Arial Black" panose="020B0A04020102020204" pitchFamily="34" charset="0"/>
-              </a:rPr>
-              <a:t>02</a:t>
-            </a:r>
-            <a:endParaRPr lang="en-ID" sz="4400" b="1" dirty="0">
-              <a:solidFill>
-                <a:schemeClr val="bg1"/>
-              </a:solidFill>
-              <a:effectLst>
-                <a:outerShdw blurRad="38100" dist="38100" dir="2700000" algn="tl">
-                  <a:srgbClr val="000000">
-                    <a:alpha val="43137"/>
-                  </a:srgbClr>
-                </a:outerShdw>
-              </a:effectLst>
-              <a:latin typeface="Arial Black" panose="020B0A04020102020204" pitchFamily="34" charset="0"/>
-            </a:endParaRPr>
-          </a:p>
-        </p:txBody>
-      </p:sp>
-      <p:sp>
-        <p:nvSpPr>
-          <p:cNvPr id="27" name="TextBox 26">
-            <a:extLst>
-              <a:ext uri="{FF2B5EF4-FFF2-40B4-BE49-F238E27FC236}">
-                <a16:creationId xmlns:a16="http://schemas.microsoft.com/office/drawing/2014/main" id="{DC5DAAD4-96DB-4E1D-A85A-2A063167AB74}"/>
-              </a:ext>
-            </a:extLst>
-          </p:cNvPr>
-          <p:cNvSpPr txBox="1"/>
-          <p:nvPr/>
-        </p:nvSpPr>
-        <p:spPr>
-          <a:xfrm>
-            <a:off x="7655753" y="3039580"/>
-            <a:ext cx="1133621" cy="769441"/>
-          </a:xfrm>
-          <a:prstGeom prst="rect">
-            <a:avLst/>
-          </a:prstGeom>
-          <a:noFill/>
-        </p:spPr>
-        <p:txBody>
-          <a:bodyPr wrap="square" rtlCol="0">
-            <a:spAutoFit/>
-          </a:bodyPr>
-          <a:lstStyle/>
-          <a:p>
-            <a:pPr algn="ctr"/>
-            <a:r>
-              <a:rPr lang="en-US" sz="4400" b="1" dirty="0">
-                <a:solidFill>
-                  <a:schemeClr val="bg1"/>
-                </a:solidFill>
-                <a:effectLst>
-                  <a:outerShdw blurRad="38100" dist="38100" dir="2700000" algn="tl">
-                    <a:srgbClr val="000000">
-                      <a:alpha val="43137"/>
-                    </a:srgbClr>
-                  </a:outerShdw>
-                </a:effectLst>
-                <a:latin typeface="Arial Black" panose="020B0A04020102020204" pitchFamily="34" charset="0"/>
-              </a:rPr>
-              <a:t>04</a:t>
-            </a:r>
-            <a:endParaRPr lang="en-ID" sz="4400" b="1" dirty="0">
-              <a:solidFill>
-                <a:schemeClr val="bg1"/>
-              </a:solidFill>
-              <a:effectLst>
-                <a:outerShdw blurRad="38100" dist="38100" dir="2700000" algn="tl">
-                  <a:srgbClr val="000000">
-                    <a:alpha val="43137"/>
-                  </a:srgbClr>
-                </a:outerShdw>
-              </a:effectLst>
-              <a:latin typeface="Arial Black" panose="020B0A04020102020204" pitchFamily="34" charset="0"/>
-            </a:endParaRPr>
-          </a:p>
-        </p:txBody>
-      </p:sp>
-      <p:sp>
-        <p:nvSpPr>
-          <p:cNvPr id="28" name="TextBox 27">
-            <a:extLst>
-              <a:ext uri="{FF2B5EF4-FFF2-40B4-BE49-F238E27FC236}">
-                <a16:creationId xmlns:a16="http://schemas.microsoft.com/office/drawing/2014/main" id="{0F796EBC-790D-4346-B118-CBD3BE4D0295}"/>
-              </a:ext>
-            </a:extLst>
-          </p:cNvPr>
-          <p:cNvSpPr txBox="1"/>
-          <p:nvPr/>
-        </p:nvSpPr>
-        <p:spPr>
-          <a:xfrm>
-            <a:off x="9815140" y="3039580"/>
-            <a:ext cx="1133621" cy="769441"/>
-          </a:xfrm>
-          <a:prstGeom prst="rect">
-            <a:avLst/>
-          </a:prstGeom>
-          <a:noFill/>
-        </p:spPr>
-        <p:txBody>
-          <a:bodyPr wrap="square" rtlCol="0">
-            <a:spAutoFit/>
-          </a:bodyPr>
-          <a:lstStyle/>
-          <a:p>
-            <a:pPr algn="ctr"/>
-            <a:r>
-              <a:rPr lang="en-US" sz="4400" b="1" dirty="0">
-                <a:solidFill>
-                  <a:schemeClr val="bg1"/>
-                </a:solidFill>
-                <a:effectLst>
-                  <a:outerShdw blurRad="38100" dist="38100" dir="2700000" algn="tl">
-                    <a:srgbClr val="000000">
-                      <a:alpha val="43137"/>
-                    </a:srgbClr>
-                  </a:outerShdw>
-                </a:effectLst>
-                <a:latin typeface="Arial Black" panose="020B0A04020102020204" pitchFamily="34" charset="0"/>
-              </a:rPr>
-              <a:t>05</a:t>
-            </a:r>
-            <a:endParaRPr lang="en-ID" sz="4400" b="1" dirty="0">
-              <a:solidFill>
-                <a:schemeClr val="bg1"/>
-              </a:solidFill>
-              <a:effectLst>
-                <a:outerShdw blurRad="38100" dist="38100" dir="2700000" algn="tl">
-                  <a:srgbClr val="000000">
-                    <a:alpha val="43137"/>
-                  </a:srgbClr>
-                </a:outerShdw>
-              </a:effectLst>
-              <a:latin typeface="Arial Black" panose="020B0A04020102020204" pitchFamily="34" charset="0"/>
-            </a:endParaRPr>
-          </a:p>
-        </p:txBody>
-      </p:sp>
-      <p:sp>
-        <p:nvSpPr>
-          <p:cNvPr id="29" name="TextBox 28">
-            <a:extLst>
-              <a:ext uri="{FF2B5EF4-FFF2-40B4-BE49-F238E27FC236}">
-                <a16:creationId xmlns:a16="http://schemas.microsoft.com/office/drawing/2014/main" id="{1C6C456A-9AF4-4926-BEE2-E08B524D70A1}"/>
-              </a:ext>
-            </a:extLst>
-          </p:cNvPr>
-          <p:cNvSpPr txBox="1"/>
-          <p:nvPr/>
-        </p:nvSpPr>
-        <p:spPr>
-          <a:xfrm>
-            <a:off x="5529188" y="3039579"/>
-            <a:ext cx="1133621" cy="769441"/>
-          </a:xfrm>
-          <a:prstGeom prst="rect">
-            <a:avLst/>
-          </a:prstGeom>
-          <a:noFill/>
-        </p:spPr>
-        <p:txBody>
-          <a:bodyPr wrap="square" rtlCol="0">
-            <a:spAutoFit/>
-          </a:bodyPr>
-          <a:lstStyle/>
-          <a:p>
-            <a:pPr algn="ctr"/>
-            <a:r>
-              <a:rPr lang="en-US" sz="4400" b="1" dirty="0">
-                <a:solidFill>
-                  <a:schemeClr val="bg1"/>
-                </a:solidFill>
-                <a:effectLst>
-                  <a:outerShdw blurRad="38100" dist="38100" dir="2700000" algn="tl">
-                    <a:srgbClr val="000000">
-                      <a:alpha val="43137"/>
-                    </a:srgbClr>
-                  </a:outerShdw>
-                </a:effectLst>
-                <a:latin typeface="Arial Black" panose="020B0A04020102020204" pitchFamily="34" charset="0"/>
-              </a:rPr>
-              <a:t>03</a:t>
-            </a:r>
-            <a:endParaRPr lang="en-ID" sz="4400" b="1" dirty="0">
-              <a:solidFill>
-                <a:schemeClr val="bg1"/>
-              </a:solidFill>
-              <a:effectLst>
-                <a:outerShdw blurRad="38100" dist="38100" dir="2700000" algn="tl">
-                  <a:srgbClr val="000000">
-                    <a:alpha val="43137"/>
-                  </a:srgbClr>
-                </a:outerShdw>
-              </a:effectLst>
-              <a:latin typeface="Arial Black" panose="020B0A04020102020204" pitchFamily="34" charset="0"/>
-            </a:endParaRPr>
-          </a:p>
-        </p:txBody>
-      </p:sp>
-    </p:spTree>
-    <p:extLst>
-      <p:ext uri="{BB962C8B-B14F-4D97-AF65-F5344CB8AC3E}">
-        <p14:creationId xmlns:p14="http://schemas.microsoft.com/office/powerpoint/2010/main" val="4289037235"/>
       </p:ext>
     </p:extLst>
   </p:cSld>
